--- a/Object-Oriented Programming in Java.pptx
+++ b/Object-Oriented Programming in Java.pptx
@@ -1,14 +1,14 @@
 
 <file path=ppt/presentation.xml><?xml version="1.0" encoding="utf-8"?>
-<p:presentation xmlns:a="http://schemas.openxmlformats.org/drawingml/2006/main" xmlns:r="http://schemas.openxmlformats.org/officeDocument/2006/relationships" xmlns:p="http://schemas.openxmlformats.org/presentationml/2006/main" showSpecialPlsOnTitleSld="0" saveSubsetFonts="1" autoCompressPictures="0">
+<p:presentation xmlns:a="http://schemas.openxmlformats.org/drawingml/2006/main" xmlns:r="http://schemas.openxmlformats.org/officeDocument/2006/relationships" xmlns:p="http://schemas.openxmlformats.org/presentationml/2006/main" saveSubsetFonts="1" autoCompressPictures="0">
   <p:sldMasterIdLst>
     <p:sldMasterId id="2147483666" r:id="rId4"/>
   </p:sldMasterIdLst>
   <p:notesMasterIdLst>
-    <p:notesMasterId r:id="rId17"/>
+    <p:notesMasterId r:id="rId19"/>
   </p:notesMasterIdLst>
   <p:handoutMasterIdLst>
-    <p:handoutMasterId r:id="rId18"/>
+    <p:handoutMasterId r:id="rId20"/>
   </p:handoutMasterIdLst>
   <p:sldIdLst>
     <p:sldId id="256" r:id="rId5"/>
@@ -18,11 +18,13 @@
     <p:sldId id="296" r:id="rId9"/>
     <p:sldId id="295" r:id="rId10"/>
     <p:sldId id="264" r:id="rId11"/>
-    <p:sldId id="278" r:id="rId12"/>
-    <p:sldId id="297" r:id="rId13"/>
-    <p:sldId id="298" r:id="rId14"/>
-    <p:sldId id="299" r:id="rId15"/>
-    <p:sldId id="276" r:id="rId16"/>
+    <p:sldId id="300" r:id="rId12"/>
+    <p:sldId id="278" r:id="rId13"/>
+    <p:sldId id="297" r:id="rId14"/>
+    <p:sldId id="298" r:id="rId15"/>
+    <p:sldId id="299" r:id="rId16"/>
+    <p:sldId id="301" r:id="rId17"/>
+    <p:sldId id="276" r:id="rId18"/>
   </p:sldIdLst>
   <p:sldSz cx="12192000" cy="6858000"/>
   <p:notesSz cx="6858000" cy="9144000"/>
@@ -158,6 +160,283 @@
 <file path=ppt/changesInfos/changesInfo1.xml><?xml version="1.0" encoding="utf-8"?>
 <pc:chgInfo xmlns:a="http://schemas.openxmlformats.org/drawingml/2006/main" xmlns:r="http://schemas.openxmlformats.org/officeDocument/2006/relationships" xmlns:ac="http://schemas.microsoft.com/office/drawing/2013/main/command" xmlns:pc="http://schemas.microsoft.com/office/powerpoint/2013/main/command">
   <pc:docChgLst>
+    <pc:chgData name="Pratiksha Datir" userId="f6bc0e6a94cf4b74" providerId="LiveId" clId="{15149AF0-B1CF-4761-B18C-8F14966F028A}"/>
+    <pc:docChg chg="undo custSel addSld modSld sldOrd">
+      <pc:chgData name="Pratiksha Datir" userId="f6bc0e6a94cf4b74" providerId="LiveId" clId="{15149AF0-B1CF-4761-B18C-8F14966F028A}" dt="2026-02-11T08:28:14.120" v="702" actId="27636"/>
+      <pc:docMkLst>
+        <pc:docMk/>
+      </pc:docMkLst>
+      <pc:sldChg chg="ord">
+        <pc:chgData name="Pratiksha Datir" userId="f6bc0e6a94cf4b74" providerId="LiveId" clId="{15149AF0-B1CF-4761-B18C-8F14966F028A}" dt="2026-02-11T05:02:14.924" v="618"/>
+        <pc:sldMkLst>
+          <pc:docMk/>
+          <pc:sldMk cId="1642425379" sldId="256"/>
+        </pc:sldMkLst>
+      </pc:sldChg>
+      <pc:sldChg chg="modSp mod">
+        <pc:chgData name="Pratiksha Datir" userId="f6bc0e6a94cf4b74" providerId="LiveId" clId="{15149AF0-B1CF-4761-B18C-8F14966F028A}" dt="2026-02-11T07:45:19.733" v="672" actId="313"/>
+        <pc:sldMkLst>
+          <pc:docMk/>
+          <pc:sldMk cId="1593920805" sldId="262"/>
+        </pc:sldMkLst>
+        <pc:spChg chg="mod">
+          <ac:chgData name="Pratiksha Datir" userId="f6bc0e6a94cf4b74" providerId="LiveId" clId="{15149AF0-B1CF-4761-B18C-8F14966F028A}" dt="2026-02-11T07:45:19.733" v="672" actId="313"/>
+          <ac:spMkLst>
+            <pc:docMk/>
+            <pc:sldMk cId="1593920805" sldId="262"/>
+            <ac:spMk id="33" creationId="{1EC7C10E-E736-AD42-C137-5C2DEF3D3901}"/>
+          </ac:spMkLst>
+        </pc:spChg>
+      </pc:sldChg>
+      <pc:sldChg chg="addSp modSp mod">
+        <pc:chgData name="Pratiksha Datir" userId="f6bc0e6a94cf4b74" providerId="LiveId" clId="{15149AF0-B1CF-4761-B18C-8F14966F028A}" dt="2026-02-11T05:08:52.860" v="666" actId="5793"/>
+        <pc:sldMkLst>
+          <pc:docMk/>
+          <pc:sldMk cId="1346372204" sldId="264"/>
+        </pc:sldMkLst>
+        <pc:spChg chg="add">
+          <ac:chgData name="Pratiksha Datir" userId="f6bc0e6a94cf4b74" providerId="LiveId" clId="{15149AF0-B1CF-4761-B18C-8F14966F028A}" dt="2026-02-11T04:58:06.965" v="557"/>
+          <ac:spMkLst>
+            <pc:docMk/>
+            <pc:sldMk cId="1346372204" sldId="264"/>
+            <ac:spMk id="2" creationId="{248DE701-B2FA-D913-059A-ED4CCF6E5697}"/>
+          </ac:spMkLst>
+        </pc:spChg>
+        <pc:spChg chg="add mod">
+          <ac:chgData name="Pratiksha Datir" userId="f6bc0e6a94cf4b74" providerId="LiveId" clId="{15149AF0-B1CF-4761-B18C-8F14966F028A}" dt="2026-02-11T05:08:52.860" v="666" actId="5793"/>
+          <ac:spMkLst>
+            <pc:docMk/>
+            <pc:sldMk cId="1346372204" sldId="264"/>
+            <ac:spMk id="3" creationId="{8086A329-39C7-CDDE-A564-72B6F9A4C6F8}"/>
+          </ac:spMkLst>
+        </pc:spChg>
+        <pc:spChg chg="mod">
+          <ac:chgData name="Pratiksha Datir" userId="f6bc0e6a94cf4b74" providerId="LiveId" clId="{15149AF0-B1CF-4761-B18C-8F14966F028A}" dt="2026-02-11T05:08:48.249" v="664" actId="20577"/>
+          <ac:spMkLst>
+            <pc:docMk/>
+            <pc:sldMk cId="1346372204" sldId="264"/>
+            <ac:spMk id="14" creationId="{2320B7A8-0D52-2B78-CB2C-615AC88CFA56}"/>
+          </ac:spMkLst>
+        </pc:spChg>
+      </pc:sldChg>
+      <pc:sldChg chg="modSp mod">
+        <pc:chgData name="Pratiksha Datir" userId="f6bc0e6a94cf4b74" providerId="LiveId" clId="{15149AF0-B1CF-4761-B18C-8F14966F028A}" dt="2026-02-11T04:56:00.172" v="555" actId="255"/>
+        <pc:sldMkLst>
+          <pc:docMk/>
+          <pc:sldMk cId="2243494996" sldId="277"/>
+        </pc:sldMkLst>
+        <pc:spChg chg="mod">
+          <ac:chgData name="Pratiksha Datir" userId="f6bc0e6a94cf4b74" providerId="LiveId" clId="{15149AF0-B1CF-4761-B18C-8F14966F028A}" dt="2026-02-11T04:56:00.172" v="555" actId="255"/>
+          <ac:spMkLst>
+            <pc:docMk/>
+            <pc:sldMk cId="2243494996" sldId="277"/>
+            <ac:spMk id="15" creationId="{2CC79354-3961-D6B3-A317-1DE7589702F9}"/>
+          </ac:spMkLst>
+        </pc:spChg>
+      </pc:sldChg>
+      <pc:sldChg chg="addSp modSp mod">
+        <pc:chgData name="Pratiksha Datir" userId="f6bc0e6a94cf4b74" providerId="LiveId" clId="{15149AF0-B1CF-4761-B18C-8F14966F028A}" dt="2026-02-11T08:28:14.120" v="702" actId="27636"/>
+        <pc:sldMkLst>
+          <pc:docMk/>
+          <pc:sldMk cId="2069393026" sldId="278"/>
+        </pc:sldMkLst>
+        <pc:spChg chg="add">
+          <ac:chgData name="Pratiksha Datir" userId="f6bc0e6a94cf4b74" providerId="LiveId" clId="{15149AF0-B1CF-4761-B18C-8F14966F028A}" dt="2026-02-10T15:28:35.644" v="302"/>
+          <ac:spMkLst>
+            <pc:docMk/>
+            <pc:sldMk cId="2069393026" sldId="278"/>
+            <ac:spMk id="2" creationId="{27475AE1-849D-4279-ACA3-8FEDB015AD8B}"/>
+          </ac:spMkLst>
+        </pc:spChg>
+        <pc:spChg chg="mod">
+          <ac:chgData name="Pratiksha Datir" userId="f6bc0e6a94cf4b74" providerId="LiveId" clId="{15149AF0-B1CF-4761-B18C-8F14966F028A}" dt="2026-02-11T08:28:14.120" v="702" actId="27636"/>
+          <ac:spMkLst>
+            <pc:docMk/>
+            <pc:sldMk cId="2069393026" sldId="278"/>
+            <ac:spMk id="5" creationId="{06E82690-B145-4D4F-B2D1-0B2A8C50FD71}"/>
+          </ac:spMkLst>
+        </pc:spChg>
+        <pc:spChg chg="add mod">
+          <ac:chgData name="Pratiksha Datir" userId="f6bc0e6a94cf4b74" providerId="LiveId" clId="{15149AF0-B1CF-4761-B18C-8F14966F028A}" dt="2026-02-10T15:28:46.882" v="306" actId="27636"/>
+          <ac:spMkLst>
+            <pc:docMk/>
+            <pc:sldMk cId="2069393026" sldId="278"/>
+            <ac:spMk id="6" creationId="{94649A63-C84E-541C-55FD-FCB7039CEABF}"/>
+          </ac:spMkLst>
+        </pc:spChg>
+        <pc:spChg chg="add mod">
+          <ac:chgData name="Pratiksha Datir" userId="f6bc0e6a94cf4b74" providerId="LiveId" clId="{15149AF0-B1CF-4761-B18C-8F14966F028A}" dt="2026-02-10T15:29:08.171" v="311"/>
+          <ac:spMkLst>
+            <pc:docMk/>
+            <pc:sldMk cId="2069393026" sldId="278"/>
+            <ac:spMk id="7" creationId="{ADB5774F-595E-80E3-77A6-A8ACCB54383C}"/>
+          </ac:spMkLst>
+        </pc:spChg>
+        <pc:spChg chg="add">
+          <ac:chgData name="Pratiksha Datir" userId="f6bc0e6a94cf4b74" providerId="LiveId" clId="{15149AF0-B1CF-4761-B18C-8F14966F028A}" dt="2026-02-10T15:29:24.156" v="319"/>
+          <ac:spMkLst>
+            <pc:docMk/>
+            <pc:sldMk cId="2069393026" sldId="278"/>
+            <ac:spMk id="8" creationId="{067A155D-7385-0716-99F7-9F36024378D2}"/>
+          </ac:spMkLst>
+        </pc:spChg>
+        <pc:spChg chg="add">
+          <ac:chgData name="Pratiksha Datir" userId="f6bc0e6a94cf4b74" providerId="LiveId" clId="{15149AF0-B1CF-4761-B18C-8F14966F028A}" dt="2026-02-10T15:29:48.447" v="325"/>
+          <ac:spMkLst>
+            <pc:docMk/>
+            <pc:sldMk cId="2069393026" sldId="278"/>
+            <ac:spMk id="9" creationId="{7562B9B5-13CB-9D71-65C0-009160DB5315}"/>
+          </ac:spMkLst>
+        </pc:spChg>
+        <pc:spChg chg="add mod">
+          <ac:chgData name="Pratiksha Datir" userId="f6bc0e6a94cf4b74" providerId="LiveId" clId="{15149AF0-B1CF-4761-B18C-8F14966F028A}" dt="2026-02-11T05:04:47.796" v="629" actId="14100"/>
+          <ac:spMkLst>
+            <pc:docMk/>
+            <pc:sldMk cId="2069393026" sldId="278"/>
+            <ac:spMk id="10" creationId="{9E37BC73-6047-A6C9-6F97-F23C85334276}"/>
+          </ac:spMkLst>
+        </pc:spChg>
+      </pc:sldChg>
+      <pc:sldChg chg="modSp mod">
+        <pc:chgData name="Pratiksha Datir" userId="f6bc0e6a94cf4b74" providerId="LiveId" clId="{15149AF0-B1CF-4761-B18C-8F14966F028A}" dt="2026-02-11T05:03:50.933" v="627" actId="14100"/>
+        <pc:sldMkLst>
+          <pc:docMk/>
+          <pc:sldMk cId="1844941827" sldId="289"/>
+        </pc:sldMkLst>
+        <pc:spChg chg="mod">
+          <ac:chgData name="Pratiksha Datir" userId="f6bc0e6a94cf4b74" providerId="LiveId" clId="{15149AF0-B1CF-4761-B18C-8F14966F028A}" dt="2026-02-11T05:02:46.641" v="619" actId="1076"/>
+          <ac:spMkLst>
+            <pc:docMk/>
+            <pc:sldMk cId="1844941827" sldId="289"/>
+            <ac:spMk id="2" creationId="{75031FE9-9059-4FE8-B4AC-9771F23A1B89}"/>
+          </ac:spMkLst>
+        </pc:spChg>
+        <pc:spChg chg="mod">
+          <ac:chgData name="Pratiksha Datir" userId="f6bc0e6a94cf4b74" providerId="LiveId" clId="{15149AF0-B1CF-4761-B18C-8F14966F028A}" dt="2026-02-11T05:03:50.933" v="627" actId="14100"/>
+          <ac:spMkLst>
+            <pc:docMk/>
+            <pc:sldMk cId="1844941827" sldId="289"/>
+            <ac:spMk id="30" creationId="{0F62DC62-CC40-3C4B-A918-EBEBC7F141BC}"/>
+          </ac:spMkLst>
+        </pc:spChg>
+      </pc:sldChg>
+      <pc:sldChg chg="modSp mod ord">
+        <pc:chgData name="Pratiksha Datir" userId="f6bc0e6a94cf4b74" providerId="LiveId" clId="{15149AF0-B1CF-4761-B18C-8F14966F028A}" dt="2026-02-11T04:46:18.556" v="470" actId="113"/>
+        <pc:sldMkLst>
+          <pc:docMk/>
+          <pc:sldMk cId="2406704738" sldId="295"/>
+        </pc:sldMkLst>
+        <pc:spChg chg="mod">
+          <ac:chgData name="Pratiksha Datir" userId="f6bc0e6a94cf4b74" providerId="LiveId" clId="{15149AF0-B1CF-4761-B18C-8F14966F028A}" dt="2026-02-11T04:46:18.556" v="470" actId="113"/>
+          <ac:spMkLst>
+            <pc:docMk/>
+            <pc:sldMk cId="2406704738" sldId="295"/>
+            <ac:spMk id="6" creationId="{F1CF0A90-968E-1B0B-F3F0-4C9A4CAB69E2}"/>
+          </ac:spMkLst>
+        </pc:spChg>
+      </pc:sldChg>
+      <pc:sldChg chg="addSp delSp modSp mod ord">
+        <pc:chgData name="Pratiksha Datir" userId="f6bc0e6a94cf4b74" providerId="LiveId" clId="{15149AF0-B1CF-4761-B18C-8F14966F028A}" dt="2026-02-11T05:03:50.001" v="626" actId="20578"/>
+        <pc:sldMkLst>
+          <pc:docMk/>
+          <pc:sldMk cId="1231989317" sldId="296"/>
+        </pc:sldMkLst>
+        <pc:spChg chg="add del mod">
+          <ac:chgData name="Pratiksha Datir" userId="f6bc0e6a94cf4b74" providerId="LiveId" clId="{15149AF0-B1CF-4761-B18C-8F14966F028A}" dt="2026-02-11T04:47:50.515" v="490" actId="20577"/>
+          <ac:spMkLst>
+            <pc:docMk/>
+            <pc:sldMk cId="1231989317" sldId="296"/>
+            <ac:spMk id="14" creationId="{7819ABE9-6440-5362-B5F0-DB6DB8186481}"/>
+          </ac:spMkLst>
+        </pc:spChg>
+      </pc:sldChg>
+      <pc:sldChg chg="modSp mod">
+        <pc:chgData name="Pratiksha Datir" userId="f6bc0e6a94cf4b74" providerId="LiveId" clId="{15149AF0-B1CF-4761-B18C-8F14966F028A}" dt="2026-02-11T05:05:30.495" v="638" actId="14100"/>
+        <pc:sldMkLst>
+          <pc:docMk/>
+          <pc:sldMk cId="198062731" sldId="297"/>
+        </pc:sldMkLst>
+        <pc:spChg chg="mod">
+          <ac:chgData name="Pratiksha Datir" userId="f6bc0e6a94cf4b74" providerId="LiveId" clId="{15149AF0-B1CF-4761-B18C-8F14966F028A}" dt="2026-02-11T05:05:23.064" v="637"/>
+          <ac:spMkLst>
+            <pc:docMk/>
+            <pc:sldMk cId="198062731" sldId="297"/>
+            <ac:spMk id="6" creationId="{0A4A21D8-D279-2F19-B41B-6633BFB0DAFF}"/>
+          </ac:spMkLst>
+        </pc:spChg>
+        <pc:spChg chg="mod">
+          <ac:chgData name="Pratiksha Datir" userId="f6bc0e6a94cf4b74" providerId="LiveId" clId="{15149AF0-B1CF-4761-B18C-8F14966F028A}" dt="2026-02-11T05:05:30.495" v="638" actId="14100"/>
+          <ac:spMkLst>
+            <pc:docMk/>
+            <pc:sldMk cId="198062731" sldId="297"/>
+            <ac:spMk id="9" creationId="{92EEFBF7-3E80-D39A-7362-C8DF67CAB559}"/>
+          </ac:spMkLst>
+        </pc:spChg>
+      </pc:sldChg>
+      <pc:sldChg chg="modSp mod">
+        <pc:chgData name="Pratiksha Datir" userId="f6bc0e6a94cf4b74" providerId="LiveId" clId="{15149AF0-B1CF-4761-B18C-8F14966F028A}" dt="2026-02-11T04:23:26.723" v="400" actId="12"/>
+        <pc:sldMkLst>
+          <pc:docMk/>
+          <pc:sldMk cId="807356943" sldId="299"/>
+        </pc:sldMkLst>
+        <pc:spChg chg="mod">
+          <ac:chgData name="Pratiksha Datir" userId="f6bc0e6a94cf4b74" providerId="LiveId" clId="{15149AF0-B1CF-4761-B18C-8F14966F028A}" dt="2026-02-11T04:23:26.723" v="400" actId="12"/>
+          <ac:spMkLst>
+            <pc:docMk/>
+            <pc:sldMk cId="807356943" sldId="299"/>
+            <ac:spMk id="3" creationId="{19583154-8B17-9F19-F9F2-623E5812DD7C}"/>
+          </ac:spMkLst>
+        </pc:spChg>
+      </pc:sldChg>
+      <pc:sldChg chg="delSp modSp new mod">
+        <pc:chgData name="Pratiksha Datir" userId="f6bc0e6a94cf4b74" providerId="LiveId" clId="{15149AF0-B1CF-4761-B18C-8F14966F028A}" dt="2026-02-10T14:39:38.456" v="138" actId="113"/>
+        <pc:sldMkLst>
+          <pc:docMk/>
+          <pc:sldMk cId="3167886719" sldId="300"/>
+        </pc:sldMkLst>
+        <pc:spChg chg="del">
+          <ac:chgData name="Pratiksha Datir" userId="f6bc0e6a94cf4b74" providerId="LiveId" clId="{15149AF0-B1CF-4761-B18C-8F14966F028A}" dt="2026-02-10T14:21:20.196" v="3" actId="21"/>
+          <ac:spMkLst>
+            <pc:docMk/>
+            <pc:sldMk cId="3167886719" sldId="300"/>
+            <ac:spMk id="2" creationId="{3024EF64-1362-7560-839F-D9C1897E038D}"/>
+          </ac:spMkLst>
+        </pc:spChg>
+        <pc:spChg chg="mod">
+          <ac:chgData name="Pratiksha Datir" userId="f6bc0e6a94cf4b74" providerId="LiveId" clId="{15149AF0-B1CF-4761-B18C-8F14966F028A}" dt="2026-02-10T14:39:38.456" v="138" actId="113"/>
+          <ac:spMkLst>
+            <pc:docMk/>
+            <pc:sldMk cId="3167886719" sldId="300"/>
+            <ac:spMk id="6" creationId="{C369F12F-85C8-802F-F4DD-232048EF02D0}"/>
+          </ac:spMkLst>
+        </pc:spChg>
+      </pc:sldChg>
+      <pc:sldChg chg="delSp modSp new mod">
+        <pc:chgData name="Pratiksha Datir" userId="f6bc0e6a94cf4b74" providerId="LiveId" clId="{15149AF0-B1CF-4761-B18C-8F14966F028A}" dt="2026-02-11T04:51:28.733" v="513" actId="207"/>
+        <pc:sldMkLst>
+          <pc:docMk/>
+          <pc:sldMk cId="3822610813" sldId="301"/>
+        </pc:sldMkLst>
+        <pc:spChg chg="del">
+          <ac:chgData name="Pratiksha Datir" userId="f6bc0e6a94cf4b74" providerId="LiveId" clId="{15149AF0-B1CF-4761-B18C-8F14966F028A}" dt="2026-02-10T14:52:55.205" v="286" actId="21"/>
+          <ac:spMkLst>
+            <pc:docMk/>
+            <pc:sldMk cId="3822610813" sldId="301"/>
+            <ac:spMk id="2" creationId="{071F538B-42C4-C413-420B-64DB076608AE}"/>
+          </ac:spMkLst>
+        </pc:spChg>
+        <pc:spChg chg="mod">
+          <ac:chgData name="Pratiksha Datir" userId="f6bc0e6a94cf4b74" providerId="LiveId" clId="{15149AF0-B1CF-4761-B18C-8F14966F028A}" dt="2026-02-11T04:51:28.733" v="513" actId="207"/>
+          <ac:spMkLst>
+            <pc:docMk/>
+            <pc:sldMk cId="3822610813" sldId="301"/>
+            <ac:spMk id="6" creationId="{B6752314-326B-C161-14DE-4A3F53787497}"/>
+          </ac:spMkLst>
+        </pc:spChg>
+      </pc:sldChg>
+    </pc:docChg>
+  </pc:docChgLst>
+  <pc:docChgLst>
     <pc:chgData name="Pratiksha Datir" userId="f6bc0e6a94cf4b74" providerId="LiveId" clId="{49FAF455-AB81-4D23-9E46-98491D21E4DD}"/>
     <pc:docChg chg="undo custSel addSld delSld modSld">
       <pc:chgData name="Pratiksha Datir" userId="f6bc0e6a94cf4b74" providerId="LiveId" clId="{49FAF455-AB81-4D23-9E46-98491D21E4DD}" dt="2024-12-03T09:19:24.733" v="1614" actId="255"/>
@@ -170,38 +449,6 @@
           <pc:docMk/>
           <pc:sldMk cId="1642425379" sldId="256"/>
         </pc:sldMkLst>
-        <pc:spChg chg="mod">
-          <ac:chgData name="Pratiksha Datir" userId="f6bc0e6a94cf4b74" providerId="LiveId" clId="{49FAF455-AB81-4D23-9E46-98491D21E4DD}" dt="2024-12-02T13:45:09.752" v="56" actId="255"/>
-          <ac:spMkLst>
-            <pc:docMk/>
-            <pc:sldMk cId="1642425379" sldId="256"/>
-            <ac:spMk id="3" creationId="{1901B20D-4C28-4DA3-ABBD-718C22A5E58B}"/>
-          </ac:spMkLst>
-        </pc:spChg>
-        <pc:spChg chg="del mod">
-          <ac:chgData name="Pratiksha Datir" userId="f6bc0e6a94cf4b74" providerId="LiveId" clId="{49FAF455-AB81-4D23-9E46-98491D21E4DD}" dt="2024-12-02T16:44:53.129" v="383" actId="478"/>
-          <ac:spMkLst>
-            <pc:docMk/>
-            <pc:sldMk cId="1642425379" sldId="256"/>
-            <ac:spMk id="5" creationId="{9055D2F4-6A38-4D4D-34E2-D0596D8C1D5B}"/>
-          </ac:spMkLst>
-        </pc:spChg>
-        <pc:spChg chg="add del mod">
-          <ac:chgData name="Pratiksha Datir" userId="f6bc0e6a94cf4b74" providerId="LiveId" clId="{49FAF455-AB81-4D23-9E46-98491D21E4DD}" dt="2024-12-02T16:44:59.594" v="384" actId="478"/>
-          <ac:spMkLst>
-            <pc:docMk/>
-            <pc:sldMk cId="1642425379" sldId="256"/>
-            <ac:spMk id="7" creationId="{E975C028-5C0C-8440-381A-E66B0427C592}"/>
-          </ac:spMkLst>
-        </pc:spChg>
-        <pc:spChg chg="add mod">
-          <ac:chgData name="Pratiksha Datir" userId="f6bc0e6a94cf4b74" providerId="LiveId" clId="{49FAF455-AB81-4D23-9E46-98491D21E4DD}" dt="2024-12-02T16:46:32.391" v="393" actId="20577"/>
-          <ac:spMkLst>
-            <pc:docMk/>
-            <pc:sldMk cId="1642425379" sldId="256"/>
-            <ac:spMk id="8" creationId="{5B14C9FC-AB62-4737-23D0-4B0006D00C12}"/>
-          </ac:spMkLst>
-        </pc:spChg>
       </pc:sldChg>
       <pc:sldChg chg="addSp delSp modSp del mod">
         <pc:chgData name="Pratiksha Datir" userId="f6bc0e6a94cf4b74" providerId="LiveId" clId="{49FAF455-AB81-4D23-9E46-98491D21E4DD}" dt="2024-12-02T17:25:31.465" v="1043" actId="47"/>
@@ -209,30 +456,6 @@
           <pc:docMk/>
           <pc:sldMk cId="707789176" sldId="258"/>
         </pc:sldMkLst>
-        <pc:spChg chg="del">
-          <ac:chgData name="Pratiksha Datir" userId="f6bc0e6a94cf4b74" providerId="LiveId" clId="{49FAF455-AB81-4D23-9E46-98491D21E4DD}" dt="2024-12-02T17:25:11.119" v="1038" actId="478"/>
-          <ac:spMkLst>
-            <pc:docMk/>
-            <pc:sldMk cId="707789176" sldId="258"/>
-            <ac:spMk id="2" creationId="{A29DE7F2-E890-4744-88DD-A75F5E300513}"/>
-          </ac:spMkLst>
-        </pc:spChg>
-        <pc:spChg chg="add del mod">
-          <ac:chgData name="Pratiksha Datir" userId="f6bc0e6a94cf4b74" providerId="LiveId" clId="{49FAF455-AB81-4D23-9E46-98491D21E4DD}" dt="2024-12-02T17:25:14.160" v="1039" actId="478"/>
-          <ac:spMkLst>
-            <pc:docMk/>
-            <pc:sldMk cId="707789176" sldId="258"/>
-            <ac:spMk id="4" creationId="{0D826522-0F7D-6AAB-E5CD-5B36E089679A}"/>
-          </ac:spMkLst>
-        </pc:spChg>
-        <pc:spChg chg="add mod">
-          <ac:chgData name="Pratiksha Datir" userId="f6bc0e6a94cf4b74" providerId="LiveId" clId="{49FAF455-AB81-4D23-9E46-98491D21E4DD}" dt="2024-12-02T17:25:25.560" v="1042" actId="6549"/>
-          <ac:spMkLst>
-            <pc:docMk/>
-            <pc:sldMk cId="707789176" sldId="258"/>
-            <ac:spMk id="5" creationId="{08DDD200-2108-D77F-28DF-2DB49970FCA3}"/>
-          </ac:spMkLst>
-        </pc:spChg>
       </pc:sldChg>
       <pc:sldChg chg="del">
         <pc:chgData name="Pratiksha Datir" userId="f6bc0e6a94cf4b74" providerId="LiveId" clId="{49FAF455-AB81-4D23-9E46-98491D21E4DD}" dt="2024-12-02T17:58:39.443" v="1350" actId="47"/>
@@ -247,46 +470,6 @@
           <pc:docMk/>
           <pc:sldMk cId="1738561688" sldId="261"/>
         </pc:sldMkLst>
-        <pc:spChg chg="del mod">
-          <ac:chgData name="Pratiksha Datir" userId="f6bc0e6a94cf4b74" providerId="LiveId" clId="{49FAF455-AB81-4D23-9E46-98491D21E4DD}" dt="2024-12-02T13:46:40.662" v="69" actId="21"/>
-          <ac:spMkLst>
-            <pc:docMk/>
-            <pc:sldMk cId="1738561688" sldId="261"/>
-            <ac:spMk id="3" creationId="{7D779DE4-CAEA-4617-897E-FEC9A2AC2D6A}"/>
-          </ac:spMkLst>
-        </pc:spChg>
-        <pc:spChg chg="del">
-          <ac:chgData name="Pratiksha Datir" userId="f6bc0e6a94cf4b74" providerId="LiveId" clId="{49FAF455-AB81-4D23-9E46-98491D21E4DD}" dt="2024-12-02T13:47:04.615" v="72" actId="21"/>
-          <ac:spMkLst>
-            <pc:docMk/>
-            <pc:sldMk cId="1738561688" sldId="261"/>
-            <ac:spMk id="4" creationId="{F5FF1291-56EB-4A7B-A198-1D91F9ECC5D3}"/>
-          </ac:spMkLst>
-        </pc:spChg>
-        <pc:spChg chg="del">
-          <ac:chgData name="Pratiksha Datir" userId="f6bc0e6a94cf4b74" providerId="LiveId" clId="{49FAF455-AB81-4D23-9E46-98491D21E4DD}" dt="2024-12-02T13:46:49.566" v="70" actId="21"/>
-          <ac:spMkLst>
-            <pc:docMk/>
-            <pc:sldMk cId="1738561688" sldId="261"/>
-            <ac:spMk id="8" creationId="{B46CE8C6-E12D-4A0D-8553-7FFA31941D56}"/>
-          </ac:spMkLst>
-        </pc:spChg>
-        <pc:spChg chg="add del mod">
-          <ac:chgData name="Pratiksha Datir" userId="f6bc0e6a94cf4b74" providerId="LiveId" clId="{49FAF455-AB81-4D23-9E46-98491D21E4DD}" dt="2024-12-02T13:46:54.625" v="71" actId="21"/>
-          <ac:spMkLst>
-            <pc:docMk/>
-            <pc:sldMk cId="1738561688" sldId="261"/>
-            <ac:spMk id="15" creationId="{90D93058-DF01-AEB9-719A-EAC4D62FF24D}"/>
-          </ac:spMkLst>
-        </pc:spChg>
-        <pc:spChg chg="add del mod">
-          <ac:chgData name="Pratiksha Datir" userId="f6bc0e6a94cf4b74" providerId="LiveId" clId="{49FAF455-AB81-4D23-9E46-98491D21E4DD}" dt="2024-12-02T13:47:09.048" v="73" actId="21"/>
-          <ac:spMkLst>
-            <pc:docMk/>
-            <pc:sldMk cId="1738561688" sldId="261"/>
-            <ac:spMk id="17" creationId="{B8020BEC-6F70-406B-FD4B-ED3680962B65}"/>
-          </ac:spMkLst>
-        </pc:spChg>
       </pc:sldChg>
       <pc:sldChg chg="addSp delSp modSp mod">
         <pc:chgData name="Pratiksha Datir" userId="f6bc0e6a94cf4b74" providerId="LiveId" clId="{49FAF455-AB81-4D23-9E46-98491D21E4DD}" dt="2024-12-02T18:03:18.103" v="1394" actId="2711"/>
@@ -294,214 +477,6 @@
           <pc:docMk/>
           <pc:sldMk cId="1593920805" sldId="262"/>
         </pc:sldMkLst>
-        <pc:spChg chg="del mod">
-          <ac:chgData name="Pratiksha Datir" userId="f6bc0e6a94cf4b74" providerId="LiveId" clId="{49FAF455-AB81-4D23-9E46-98491D21E4DD}" dt="2024-12-02T13:50:53.459" v="103"/>
-          <ac:spMkLst>
-            <pc:docMk/>
-            <pc:sldMk cId="1593920805" sldId="262"/>
-            <ac:spMk id="2" creationId="{75031FE9-9059-4FE8-B4AC-9771F23A1B89}"/>
-          </ac:spMkLst>
-        </pc:spChg>
-        <pc:spChg chg="del">
-          <ac:chgData name="Pratiksha Datir" userId="f6bc0e6a94cf4b74" providerId="LiveId" clId="{49FAF455-AB81-4D23-9E46-98491D21E4DD}" dt="2024-12-02T13:47:35.673" v="75" actId="21"/>
-          <ac:spMkLst>
-            <pc:docMk/>
-            <pc:sldMk cId="1593920805" sldId="262"/>
-            <ac:spMk id="3" creationId="{D4A2EB3F-4D60-451F-8F45-7D6654D2FCD9}"/>
-          </ac:spMkLst>
-        </pc:spChg>
-        <pc:spChg chg="del">
-          <ac:chgData name="Pratiksha Datir" userId="f6bc0e6a94cf4b74" providerId="LiveId" clId="{49FAF455-AB81-4D23-9E46-98491D21E4DD}" dt="2024-12-02T13:49:43.303" v="81" actId="21"/>
-          <ac:spMkLst>
-            <pc:docMk/>
-            <pc:sldMk cId="1593920805" sldId="262"/>
-            <ac:spMk id="4" creationId="{AC1C80FB-53F9-42EE-B1E6-D0F998EC5DFA}"/>
-          </ac:spMkLst>
-        </pc:spChg>
-        <pc:spChg chg="del">
-          <ac:chgData name="Pratiksha Datir" userId="f6bc0e6a94cf4b74" providerId="LiveId" clId="{49FAF455-AB81-4D23-9E46-98491D21E4DD}" dt="2024-12-02T13:47:45.632" v="78" actId="21"/>
-          <ac:spMkLst>
-            <pc:docMk/>
-            <pc:sldMk cId="1593920805" sldId="262"/>
-            <ac:spMk id="5" creationId="{E81BA2B5-6A90-4204-ABDD-7183FBB03A02}"/>
-          </ac:spMkLst>
-        </pc:spChg>
-        <pc:spChg chg="del">
-          <ac:chgData name="Pratiksha Datir" userId="f6bc0e6a94cf4b74" providerId="LiveId" clId="{49FAF455-AB81-4D23-9E46-98491D21E4DD}" dt="2024-12-02T13:50:03.960" v="83" actId="21"/>
-          <ac:spMkLst>
-            <pc:docMk/>
-            <pc:sldMk cId="1593920805" sldId="262"/>
-            <ac:spMk id="6" creationId="{7E7D4C34-22A0-4D54-A07D-E1E9A11463E5}"/>
-          </ac:spMkLst>
-        </pc:spChg>
-        <pc:spChg chg="del">
-          <ac:chgData name="Pratiksha Datir" userId="f6bc0e6a94cf4b74" providerId="LiveId" clId="{49FAF455-AB81-4D23-9E46-98491D21E4DD}" dt="2024-12-02T13:50:33.438" v="90" actId="21"/>
-          <ac:spMkLst>
-            <pc:docMk/>
-            <pc:sldMk cId="1593920805" sldId="262"/>
-            <ac:spMk id="7" creationId="{301D392D-FB66-47A0-B628-5ADE822A2CFF}"/>
-          </ac:spMkLst>
-        </pc:spChg>
-        <pc:spChg chg="del">
-          <ac:chgData name="Pratiksha Datir" userId="f6bc0e6a94cf4b74" providerId="LiveId" clId="{49FAF455-AB81-4D23-9E46-98491D21E4DD}" dt="2024-12-02T13:50:44.745" v="93" actId="21"/>
-          <ac:spMkLst>
-            <pc:docMk/>
-            <pc:sldMk cId="1593920805" sldId="262"/>
-            <ac:spMk id="8" creationId="{51C26CE0-2506-4B44-A26F-C12BFA5B18B5}"/>
-          </ac:spMkLst>
-        </pc:spChg>
-        <pc:spChg chg="del">
-          <ac:chgData name="Pratiksha Datir" userId="f6bc0e6a94cf4b74" providerId="LiveId" clId="{49FAF455-AB81-4D23-9E46-98491D21E4DD}" dt="2024-12-02T13:50:14.682" v="85" actId="21"/>
-          <ac:spMkLst>
-            <pc:docMk/>
-            <pc:sldMk cId="1593920805" sldId="262"/>
-            <ac:spMk id="9" creationId="{868F40F8-BF35-45E9-B3DD-5436362D746E}"/>
-          </ac:spMkLst>
-        </pc:spChg>
-        <pc:spChg chg="del">
-          <ac:chgData name="Pratiksha Datir" userId="f6bc0e6a94cf4b74" providerId="LiveId" clId="{49FAF455-AB81-4D23-9E46-98491D21E4DD}" dt="2024-12-02T13:50:24.005" v="88" actId="21"/>
-          <ac:spMkLst>
-            <pc:docMk/>
-            <pc:sldMk cId="1593920805" sldId="262"/>
-            <ac:spMk id="10" creationId="{7F39C97C-2DDC-4706-B96C-B02FAE53A426}"/>
-          </ac:spMkLst>
-        </pc:spChg>
-        <pc:spChg chg="add del mod">
-          <ac:chgData name="Pratiksha Datir" userId="f6bc0e6a94cf4b74" providerId="LiveId" clId="{49FAF455-AB81-4D23-9E46-98491D21E4DD}" dt="2024-12-02T13:47:39.871" v="77" actId="21"/>
-          <ac:spMkLst>
-            <pc:docMk/>
-            <pc:sldMk cId="1593920805" sldId="262"/>
-            <ac:spMk id="12" creationId="{1AFFCAF3-B8F7-8017-4158-EED6CE1AC46D}"/>
-          </ac:spMkLst>
-        </pc:spChg>
-        <pc:spChg chg="add del mod">
-          <ac:chgData name="Pratiksha Datir" userId="f6bc0e6a94cf4b74" providerId="LiveId" clId="{49FAF455-AB81-4D23-9E46-98491D21E4DD}" dt="2024-12-02T13:48:50.779" v="80" actId="21"/>
-          <ac:spMkLst>
-            <pc:docMk/>
-            <pc:sldMk cId="1593920805" sldId="262"/>
-            <ac:spMk id="14" creationId="{A9ECC9A5-9F7A-1B8E-9E99-F6F3626C1978}"/>
-          </ac:spMkLst>
-        </pc:spChg>
-        <pc:spChg chg="add del mod">
-          <ac:chgData name="Pratiksha Datir" userId="f6bc0e6a94cf4b74" providerId="LiveId" clId="{49FAF455-AB81-4D23-9E46-98491D21E4DD}" dt="2024-12-02T13:49:54.707" v="82" actId="21"/>
-          <ac:spMkLst>
-            <pc:docMk/>
-            <pc:sldMk cId="1593920805" sldId="262"/>
-            <ac:spMk id="16" creationId="{94A22E9B-3882-720C-AC04-327791141A2C}"/>
-          </ac:spMkLst>
-        </pc:spChg>
-        <pc:spChg chg="add del mod">
-          <ac:chgData name="Pratiksha Datir" userId="f6bc0e6a94cf4b74" providerId="LiveId" clId="{49FAF455-AB81-4D23-9E46-98491D21E4DD}" dt="2024-12-02T13:50:10.030" v="84" actId="21"/>
-          <ac:spMkLst>
-            <pc:docMk/>
-            <pc:sldMk cId="1593920805" sldId="262"/>
-            <ac:spMk id="18" creationId="{008254E9-6469-9AA3-AFC4-45FC1A05EE34}"/>
-          </ac:spMkLst>
-        </pc:spChg>
-        <pc:spChg chg="add del mod">
-          <ac:chgData name="Pratiksha Datir" userId="f6bc0e6a94cf4b74" providerId="LiveId" clId="{49FAF455-AB81-4D23-9E46-98491D21E4DD}" dt="2024-12-02T13:50:18.381" v="87" actId="21"/>
-          <ac:spMkLst>
-            <pc:docMk/>
-            <pc:sldMk cId="1593920805" sldId="262"/>
-            <ac:spMk id="20" creationId="{5E71A714-06EC-219D-0009-74DF04804389}"/>
-          </ac:spMkLst>
-        </pc:spChg>
-        <pc:spChg chg="add del mod">
-          <ac:chgData name="Pratiksha Datir" userId="f6bc0e6a94cf4b74" providerId="LiveId" clId="{49FAF455-AB81-4D23-9E46-98491D21E4DD}" dt="2024-12-02T13:50:28.405" v="89" actId="21"/>
-          <ac:spMkLst>
-            <pc:docMk/>
-            <pc:sldMk cId="1593920805" sldId="262"/>
-            <ac:spMk id="22" creationId="{C16F04E6-0A7B-7DD3-7AD1-FF6B41668501}"/>
-          </ac:spMkLst>
-        </pc:spChg>
-        <pc:spChg chg="add del mod">
-          <ac:chgData name="Pratiksha Datir" userId="f6bc0e6a94cf4b74" providerId="LiveId" clId="{49FAF455-AB81-4D23-9E46-98491D21E4DD}" dt="2024-12-02T13:50:37.591" v="92" actId="21"/>
-          <ac:spMkLst>
-            <pc:docMk/>
-            <pc:sldMk cId="1593920805" sldId="262"/>
-            <ac:spMk id="24" creationId="{E07591E5-2F4D-0C83-1E24-1C81CCCF21DB}"/>
-          </ac:spMkLst>
-        </pc:spChg>
-        <pc:spChg chg="add del mod">
-          <ac:chgData name="Pratiksha Datir" userId="f6bc0e6a94cf4b74" providerId="LiveId" clId="{49FAF455-AB81-4D23-9E46-98491D21E4DD}" dt="2024-12-02T13:50:47.224" v="94" actId="478"/>
-          <ac:spMkLst>
-            <pc:docMk/>
-            <pc:sldMk cId="1593920805" sldId="262"/>
-            <ac:spMk id="26" creationId="{3BE0E22C-68E3-598C-855C-E4FD65DEF2D8}"/>
-          </ac:spMkLst>
-        </pc:spChg>
-        <pc:spChg chg="add mod">
-          <ac:chgData name="Pratiksha Datir" userId="f6bc0e6a94cf4b74" providerId="LiveId" clId="{49FAF455-AB81-4D23-9E46-98491D21E4DD}" dt="2024-12-02T18:03:18.103" v="1394" actId="2711"/>
-          <ac:spMkLst>
-            <pc:docMk/>
-            <pc:sldMk cId="1593920805" sldId="262"/>
-            <ac:spMk id="27" creationId="{51C26CE0-2506-4B44-A26F-C12BFA5B18B5}"/>
-          </ac:spMkLst>
-        </pc:spChg>
-        <pc:spChg chg="add del mod">
-          <ac:chgData name="Pratiksha Datir" userId="f6bc0e6a94cf4b74" providerId="LiveId" clId="{49FAF455-AB81-4D23-9E46-98491D21E4DD}" dt="2024-12-02T14:04:57.128" v="221"/>
-          <ac:spMkLst>
-            <pc:docMk/>
-            <pc:sldMk cId="1593920805" sldId="262"/>
-            <ac:spMk id="28" creationId="{1804673A-31DA-714A-5E53-5A51F7907F3E}"/>
-          </ac:spMkLst>
-        </pc:spChg>
-        <pc:spChg chg="add mod">
-          <ac:chgData name="Pratiksha Datir" userId="f6bc0e6a94cf4b74" providerId="LiveId" clId="{49FAF455-AB81-4D23-9E46-98491D21E4DD}" dt="2024-12-02T14:04:47.391" v="218"/>
-          <ac:spMkLst>
-            <pc:docMk/>
-            <pc:sldMk cId="1593920805" sldId="262"/>
-            <ac:spMk id="29" creationId="{3ECE3328-F9A7-3CBE-4D55-5EA8A6F86FAB}"/>
-          </ac:spMkLst>
-        </pc:spChg>
-        <pc:spChg chg="add del mod">
-          <ac:chgData name="Pratiksha Datir" userId="f6bc0e6a94cf4b74" providerId="LiveId" clId="{49FAF455-AB81-4D23-9E46-98491D21E4DD}" dt="2024-12-02T16:47:48.247" v="401"/>
-          <ac:spMkLst>
-            <pc:docMk/>
-            <pc:sldMk cId="1593920805" sldId="262"/>
-            <ac:spMk id="30" creationId="{D1F0CE36-8E47-C37E-2771-69AE82196665}"/>
-          </ac:spMkLst>
-        </pc:spChg>
-        <pc:spChg chg="add del mod">
-          <ac:chgData name="Pratiksha Datir" userId="f6bc0e6a94cf4b74" providerId="LiveId" clId="{49FAF455-AB81-4D23-9E46-98491D21E4DD}" dt="2024-12-02T16:48:17.785" v="405" actId="478"/>
-          <ac:spMkLst>
-            <pc:docMk/>
-            <pc:sldMk cId="1593920805" sldId="262"/>
-            <ac:spMk id="31" creationId="{E1EA2ADE-D8BD-73D2-2EEA-963CD8C5434B}"/>
-          </ac:spMkLst>
-        </pc:spChg>
-        <pc:spChg chg="add del mod">
-          <ac:chgData name="Pratiksha Datir" userId="f6bc0e6a94cf4b74" providerId="LiveId" clId="{49FAF455-AB81-4D23-9E46-98491D21E4DD}" dt="2024-12-02T16:49:25.902" v="421"/>
-          <ac:spMkLst>
-            <pc:docMk/>
-            <pc:sldMk cId="1593920805" sldId="262"/>
-            <ac:spMk id="32" creationId="{283D3245-8308-4873-0752-B928027F2428}"/>
-          </ac:spMkLst>
-        </pc:spChg>
-        <pc:spChg chg="add mod">
-          <ac:chgData name="Pratiksha Datir" userId="f6bc0e6a94cf4b74" providerId="LiveId" clId="{49FAF455-AB81-4D23-9E46-98491D21E4DD}" dt="2024-12-02T17:54:20.241" v="1333" actId="207"/>
-          <ac:spMkLst>
-            <pc:docMk/>
-            <pc:sldMk cId="1593920805" sldId="262"/>
-            <ac:spMk id="33" creationId="{1EC7C10E-E736-AD42-C137-5C2DEF3D3901}"/>
-          </ac:spMkLst>
-        </pc:spChg>
-        <pc:spChg chg="del">
-          <ac:chgData name="Pratiksha Datir" userId="f6bc0e6a94cf4b74" providerId="LiveId" clId="{49FAF455-AB81-4D23-9E46-98491D21E4DD}" dt="2024-12-02T13:53:37.823" v="140" actId="21"/>
-          <ac:spMkLst>
-            <pc:docMk/>
-            <pc:sldMk cId="1593920805" sldId="262"/>
-            <ac:spMk id="80" creationId="{BC1F9D86-85D8-4FD0-B0D3-47D778722782}"/>
-          </ac:spMkLst>
-        </pc:spChg>
-        <pc:spChg chg="del mod">
-          <ac:chgData name="Pratiksha Datir" userId="f6bc0e6a94cf4b74" providerId="LiveId" clId="{49FAF455-AB81-4D23-9E46-98491D21E4DD}" dt="2024-12-02T13:53:25.639" v="139" actId="21"/>
-          <ac:spMkLst>
-            <pc:docMk/>
-            <pc:sldMk cId="1593920805" sldId="262"/>
-            <ac:spMk id="81" creationId="{E94F1D24-E4A1-4B59-B57E-A28453963B88}"/>
-          </ac:spMkLst>
-        </pc:spChg>
       </pc:sldChg>
       <pc:sldChg chg="addSp delSp modSp mod">
         <pc:chgData name="Pratiksha Datir" userId="f6bc0e6a94cf4b74" providerId="LiveId" clId="{49FAF455-AB81-4D23-9E46-98491D21E4DD}" dt="2024-12-02T17:40:25.471" v="1216" actId="14100"/>
@@ -509,102 +484,6 @@
           <pc:docMk/>
           <pc:sldMk cId="1346372204" sldId="264"/>
         </pc:sldMkLst>
-        <pc:spChg chg="del mod">
-          <ac:chgData name="Pratiksha Datir" userId="f6bc0e6a94cf4b74" providerId="LiveId" clId="{49FAF455-AB81-4D23-9E46-98491D21E4DD}" dt="2024-12-02T16:59:16.227" v="541" actId="21"/>
-          <ac:spMkLst>
-            <pc:docMk/>
-            <pc:sldMk cId="1346372204" sldId="264"/>
-            <ac:spMk id="2" creationId="{537E1C88-627C-4655-A4FB-0BB02EDB078A}"/>
-          </ac:spMkLst>
-        </pc:spChg>
-        <pc:spChg chg="del mod">
-          <ac:chgData name="Pratiksha Datir" userId="f6bc0e6a94cf4b74" providerId="LiveId" clId="{49FAF455-AB81-4D23-9E46-98491D21E4DD}" dt="2024-12-02T16:59:36.317" v="544" actId="478"/>
-          <ac:spMkLst>
-            <pc:docMk/>
-            <pc:sldMk cId="1346372204" sldId="264"/>
-            <ac:spMk id="3" creationId="{033634FE-ADF0-4BC3-A0A9-447EA9DD096B}"/>
-          </ac:spMkLst>
-        </pc:spChg>
-        <pc:spChg chg="add del mod">
-          <ac:chgData name="Pratiksha Datir" userId="f6bc0e6a94cf4b74" providerId="LiveId" clId="{49FAF455-AB81-4D23-9E46-98491D21E4DD}" dt="2024-12-02T16:59:21.630" v="542" actId="478"/>
-          <ac:spMkLst>
-            <pc:docMk/>
-            <pc:sldMk cId="1346372204" sldId="264"/>
-            <ac:spMk id="8" creationId="{1036EAF5-F9FA-C7DE-104C-4DA3E57A7034}"/>
-          </ac:spMkLst>
-        </pc:spChg>
-        <pc:spChg chg="add mod">
-          <ac:chgData name="Pratiksha Datir" userId="f6bc0e6a94cf4b74" providerId="LiveId" clId="{49FAF455-AB81-4D23-9E46-98491D21E4DD}" dt="2024-12-02T16:59:30.037" v="543"/>
-          <ac:spMkLst>
-            <pc:docMk/>
-            <pc:sldMk cId="1346372204" sldId="264"/>
-            <ac:spMk id="9" creationId="{537E1C88-627C-4655-A4FB-0BB02EDB078A}"/>
-          </ac:spMkLst>
-        </pc:spChg>
-        <pc:spChg chg="add del mod">
-          <ac:chgData name="Pratiksha Datir" userId="f6bc0e6a94cf4b74" providerId="LiveId" clId="{49FAF455-AB81-4D23-9E46-98491D21E4DD}" dt="2024-12-02T16:59:39.889" v="545"/>
-          <ac:spMkLst>
-            <pc:docMk/>
-            <pc:sldMk cId="1346372204" sldId="264"/>
-            <ac:spMk id="11" creationId="{743B0058-74B3-434E-CFFF-C081B14BAAE3}"/>
-          </ac:spMkLst>
-        </pc:spChg>
-        <pc:spChg chg="add mod">
-          <ac:chgData name="Pratiksha Datir" userId="f6bc0e6a94cf4b74" providerId="LiveId" clId="{49FAF455-AB81-4D23-9E46-98491D21E4DD}" dt="2024-12-02T16:59:39.889" v="545"/>
-          <ac:spMkLst>
-            <pc:docMk/>
-            <pc:sldMk cId="1346372204" sldId="264"/>
-            <ac:spMk id="12" creationId="{086CA0F6-C818-97BA-D5FD-3CE7C3497619}"/>
-          </ac:spMkLst>
-        </pc:spChg>
-        <pc:spChg chg="add del mod">
-          <ac:chgData name="Pratiksha Datir" userId="f6bc0e6a94cf4b74" providerId="LiveId" clId="{49FAF455-AB81-4D23-9E46-98491D21E4DD}" dt="2024-12-02T17:01:28.879" v="567"/>
-          <ac:spMkLst>
-            <pc:docMk/>
-            <pc:sldMk cId="1346372204" sldId="264"/>
-            <ac:spMk id="13" creationId="{20C8F74D-828E-2CA0-7E9D-EEBA325C47FB}"/>
-          </ac:spMkLst>
-        </pc:spChg>
-        <pc:spChg chg="add mod">
-          <ac:chgData name="Pratiksha Datir" userId="f6bc0e6a94cf4b74" providerId="LiveId" clId="{49FAF455-AB81-4D23-9E46-98491D21E4DD}" dt="2024-12-02T17:40:25.471" v="1216" actId="14100"/>
-          <ac:spMkLst>
-            <pc:docMk/>
-            <pc:sldMk cId="1346372204" sldId="264"/>
-            <ac:spMk id="14" creationId="{2320B7A8-0D52-2B78-CB2C-615AC88CFA56}"/>
-          </ac:spMkLst>
-        </pc:spChg>
-        <pc:spChg chg="add mod">
-          <ac:chgData name="Pratiksha Datir" userId="f6bc0e6a94cf4b74" providerId="LiveId" clId="{49FAF455-AB81-4D23-9E46-98491D21E4DD}" dt="2024-12-02T17:33:30.063" v="1164" actId="14100"/>
-          <ac:spMkLst>
-            <pc:docMk/>
-            <pc:sldMk cId="1346372204" sldId="264"/>
-            <ac:spMk id="15" creationId="{009193EB-5E87-636C-7543-E7846ED607B5}"/>
-          </ac:spMkLst>
-        </pc:spChg>
-        <pc:spChg chg="add">
-          <ac:chgData name="Pratiksha Datir" userId="f6bc0e6a94cf4b74" providerId="LiveId" clId="{49FAF455-AB81-4D23-9E46-98491D21E4DD}" dt="2024-12-02T17:33:39.608" v="1165"/>
-          <ac:spMkLst>
-            <pc:docMk/>
-            <pc:sldMk cId="1346372204" sldId="264"/>
-            <ac:spMk id="16" creationId="{71EDDB36-3244-8177-C8DA-EFEE50F882AF}"/>
-          </ac:spMkLst>
-        </pc:spChg>
-        <pc:spChg chg="add del mod">
-          <ac:chgData name="Pratiksha Datir" userId="f6bc0e6a94cf4b74" providerId="LiveId" clId="{49FAF455-AB81-4D23-9E46-98491D21E4DD}" dt="2024-12-02T17:35:27.264" v="1179"/>
-          <ac:spMkLst>
-            <pc:docMk/>
-            <pc:sldMk cId="1346372204" sldId="264"/>
-            <ac:spMk id="17" creationId="{3599C56C-121F-84FA-582E-0EB7439C4757}"/>
-          </ac:spMkLst>
-        </pc:spChg>
-        <pc:spChg chg="add del mod">
-          <ac:chgData name="Pratiksha Datir" userId="f6bc0e6a94cf4b74" providerId="LiveId" clId="{49FAF455-AB81-4D23-9E46-98491D21E4DD}" dt="2024-12-02T17:35:44.445" v="1181" actId="478"/>
-          <ac:spMkLst>
-            <pc:docMk/>
-            <pc:sldMk cId="1346372204" sldId="264"/>
-            <ac:spMk id="18" creationId="{5BF842DD-1533-F352-67FF-CF4A96074DA3}"/>
-          </ac:spMkLst>
-        </pc:spChg>
       </pc:sldChg>
       <pc:sldChg chg="addSp delSp modSp del mod">
         <pc:chgData name="Pratiksha Datir" userId="f6bc0e6a94cf4b74" providerId="LiveId" clId="{49FAF455-AB81-4D23-9E46-98491D21E4DD}" dt="2024-12-02T17:41:15.940" v="1220" actId="2696"/>
@@ -612,22 +491,6 @@
           <pc:docMk/>
           <pc:sldMk cId="2121178069" sldId="266"/>
         </pc:sldMkLst>
-        <pc:spChg chg="del mod">
-          <ac:chgData name="Pratiksha Datir" userId="f6bc0e6a94cf4b74" providerId="LiveId" clId="{49FAF455-AB81-4D23-9E46-98491D21E4DD}" dt="2024-12-02T17:40:48.936" v="1218" actId="478"/>
-          <ac:spMkLst>
-            <pc:docMk/>
-            <pc:sldMk cId="2121178069" sldId="266"/>
-            <ac:spMk id="2" creationId="{5CE54ABB-4929-4810-950B-2DAEA0A5BAB4}"/>
-          </ac:spMkLst>
-        </pc:spChg>
-        <pc:spChg chg="add mod">
-          <ac:chgData name="Pratiksha Datir" userId="f6bc0e6a94cf4b74" providerId="LiveId" clId="{49FAF455-AB81-4D23-9E46-98491D21E4DD}" dt="2024-12-02T17:40:48.936" v="1218" actId="478"/>
-          <ac:spMkLst>
-            <pc:docMk/>
-            <pc:sldMk cId="2121178069" sldId="266"/>
-            <ac:spMk id="13" creationId="{A3BFE67F-77AA-7C88-803C-5096D9DFA2BA}"/>
-          </ac:spMkLst>
-        </pc:spChg>
       </pc:sldChg>
       <pc:sldChg chg="del">
         <pc:chgData name="Pratiksha Datir" userId="f6bc0e6a94cf4b74" providerId="LiveId" clId="{49FAF455-AB81-4D23-9E46-98491D21E4DD}" dt="2024-12-02T17:58:32.130" v="1345" actId="47"/>
@@ -656,46 +519,6 @@
           <pc:docMk/>
           <pc:sldMk cId="2436493926" sldId="276"/>
         </pc:sldMkLst>
-        <pc:spChg chg="mod">
-          <ac:chgData name="Pratiksha Datir" userId="f6bc0e6a94cf4b74" providerId="LiveId" clId="{49FAF455-AB81-4D23-9E46-98491D21E4DD}" dt="2024-12-03T09:12:20.779" v="1603" actId="14100"/>
-          <ac:spMkLst>
-            <pc:docMk/>
-            <pc:sldMk cId="2436493926" sldId="276"/>
-            <ac:spMk id="2" creationId="{BCCAEE93-8585-46D4-A7EC-F184E317CB2E}"/>
-          </ac:spMkLst>
-        </pc:spChg>
-        <pc:spChg chg="del mod">
-          <ac:chgData name="Pratiksha Datir" userId="f6bc0e6a94cf4b74" providerId="LiveId" clId="{49FAF455-AB81-4D23-9E46-98491D21E4DD}" dt="2024-12-02T17:59:00.248" v="1359" actId="478"/>
-          <ac:spMkLst>
-            <pc:docMk/>
-            <pc:sldMk cId="2436493926" sldId="276"/>
-            <ac:spMk id="3" creationId="{24AFFC60-19C3-4901-93F7-7AAF4C09F8C6}"/>
-          </ac:spMkLst>
-        </pc:spChg>
-        <pc:spChg chg="del">
-          <ac:chgData name="Pratiksha Datir" userId="f6bc0e6a94cf4b74" providerId="LiveId" clId="{49FAF455-AB81-4D23-9E46-98491D21E4DD}" dt="2024-12-02T18:22:50.853" v="1511" actId="21"/>
-          <ac:spMkLst>
-            <pc:docMk/>
-            <pc:sldMk cId="2436493926" sldId="276"/>
-            <ac:spMk id="4" creationId="{72DA7980-C870-4C9A-84FA-4120D8AF5DE8}"/>
-          </ac:spMkLst>
-        </pc:spChg>
-        <pc:spChg chg="del">
-          <ac:chgData name="Pratiksha Datir" userId="f6bc0e6a94cf4b74" providerId="LiveId" clId="{49FAF455-AB81-4D23-9E46-98491D21E4DD}" dt="2024-12-02T18:23:02.481" v="1512" actId="21"/>
-          <ac:spMkLst>
-            <pc:docMk/>
-            <pc:sldMk cId="2436493926" sldId="276"/>
-            <ac:spMk id="5" creationId="{0DFADE42-1A3F-40C8-A071-E57644F3D843}"/>
-          </ac:spMkLst>
-        </pc:spChg>
-        <pc:spChg chg="add del mod">
-          <ac:chgData name="Pratiksha Datir" userId="f6bc0e6a94cf4b74" providerId="LiveId" clId="{49FAF455-AB81-4D23-9E46-98491D21E4DD}" dt="2024-12-02T17:59:02.460" v="1360" actId="478"/>
-          <ac:spMkLst>
-            <pc:docMk/>
-            <pc:sldMk cId="2436493926" sldId="276"/>
-            <ac:spMk id="8" creationId="{A8FE5903-C8E4-5080-086B-868CC518A1C8}"/>
-          </ac:spMkLst>
-        </pc:spChg>
       </pc:sldChg>
       <pc:sldChg chg="addSp delSp modSp mod">
         <pc:chgData name="Pratiksha Datir" userId="f6bc0e6a94cf4b74" providerId="LiveId" clId="{49FAF455-AB81-4D23-9E46-98491D21E4DD}" dt="2024-12-02T18:07:03.489" v="1412" actId="1076"/>
@@ -703,86 +526,6 @@
           <pc:docMk/>
           <pc:sldMk cId="2243494996" sldId="277"/>
         </pc:sldMkLst>
-        <pc:spChg chg="mod">
-          <ac:chgData name="Pratiksha Datir" userId="f6bc0e6a94cf4b74" providerId="LiveId" clId="{49FAF455-AB81-4D23-9E46-98491D21E4DD}" dt="2024-12-02T18:03:30.084" v="1395" actId="2711"/>
-          <ac:spMkLst>
-            <pc:docMk/>
-            <pc:sldMk cId="2243494996" sldId="277"/>
-            <ac:spMk id="2" creationId="{6719F29B-F233-48AF-8261-F33A4E079E3E}"/>
-          </ac:spMkLst>
-        </pc:spChg>
-        <pc:spChg chg="del mod">
-          <ac:chgData name="Pratiksha Datir" userId="f6bc0e6a94cf4b74" providerId="LiveId" clId="{49FAF455-AB81-4D23-9E46-98491D21E4DD}" dt="2024-12-02T13:42:49.081" v="41" actId="478"/>
-          <ac:spMkLst>
-            <pc:docMk/>
-            <pc:sldMk cId="2243494996" sldId="277"/>
-            <ac:spMk id="3" creationId="{35E3EA69-4E0E-41BD-8095-A124225A2647}"/>
-          </ac:spMkLst>
-        </pc:spChg>
-        <pc:spChg chg="add del mod">
-          <ac:chgData name="Pratiksha Datir" userId="f6bc0e6a94cf4b74" providerId="LiveId" clId="{49FAF455-AB81-4D23-9E46-98491D21E4DD}" dt="2024-12-02T13:43:03.990" v="43" actId="21"/>
-          <ac:spMkLst>
-            <pc:docMk/>
-            <pc:sldMk cId="2243494996" sldId="277"/>
-            <ac:spMk id="8" creationId="{6AB0019A-4A47-41C6-86C7-9F5A7FD8F31C}"/>
-          </ac:spMkLst>
-        </pc:spChg>
-        <pc:spChg chg="add del mod">
-          <ac:chgData name="Pratiksha Datir" userId="f6bc0e6a94cf4b74" providerId="LiveId" clId="{49FAF455-AB81-4D23-9E46-98491D21E4DD}" dt="2024-12-02T14:07:12.825" v="247" actId="47"/>
-          <ac:spMkLst>
-            <pc:docMk/>
-            <pc:sldMk cId="2243494996" sldId="277"/>
-            <ac:spMk id="9" creationId="{4DFF1A22-BDCE-17CA-C4FF-353BD34C1FC4}"/>
-          </ac:spMkLst>
-        </pc:spChg>
-        <pc:spChg chg="add">
-          <ac:chgData name="Pratiksha Datir" userId="f6bc0e6a94cf4b74" providerId="LiveId" clId="{49FAF455-AB81-4D23-9E46-98491D21E4DD}" dt="2024-12-02T14:06:51.675" v="244"/>
-          <ac:spMkLst>
-            <pc:docMk/>
-            <pc:sldMk cId="2243494996" sldId="277"/>
-            <ac:spMk id="10" creationId="{05A2C33E-1BB8-F47D-E2F5-2AF50AACDE45}"/>
-          </ac:spMkLst>
-        </pc:spChg>
-        <pc:spChg chg="add del mod">
-          <ac:chgData name="Pratiksha Datir" userId="f6bc0e6a94cf4b74" providerId="LiveId" clId="{49FAF455-AB81-4D23-9E46-98491D21E4DD}" dt="2024-12-02T14:08:00.337" v="255"/>
-          <ac:spMkLst>
-            <pc:docMk/>
-            <pc:sldMk cId="2243494996" sldId="277"/>
-            <ac:spMk id="11" creationId="{760A87C1-3534-ED98-8B6A-B79C1B6487BA}"/>
-          </ac:spMkLst>
-        </pc:spChg>
-        <pc:spChg chg="add del mod">
-          <ac:chgData name="Pratiksha Datir" userId="f6bc0e6a94cf4b74" providerId="LiveId" clId="{49FAF455-AB81-4D23-9E46-98491D21E4DD}" dt="2024-12-02T14:08:00.326" v="253" actId="21"/>
-          <ac:spMkLst>
-            <pc:docMk/>
-            <pc:sldMk cId="2243494996" sldId="277"/>
-            <ac:spMk id="12" creationId="{285350B3-201D-45BB-6B59-451641731D2D}"/>
-          </ac:spMkLst>
-        </pc:spChg>
-        <pc:spChg chg="add del mod">
-          <ac:chgData name="Pratiksha Datir" userId="f6bc0e6a94cf4b74" providerId="LiveId" clId="{49FAF455-AB81-4D23-9E46-98491D21E4DD}" dt="2024-12-02T14:09:18.843" v="276"/>
-          <ac:spMkLst>
-            <pc:docMk/>
-            <pc:sldMk cId="2243494996" sldId="277"/>
-            <ac:spMk id="13" creationId="{31AAFE28-989E-5B1B-00BF-79227CC92571}"/>
-          </ac:spMkLst>
-        </pc:spChg>
-        <pc:spChg chg="add del mod">
-          <ac:chgData name="Pratiksha Datir" userId="f6bc0e6a94cf4b74" providerId="LiveId" clId="{49FAF455-AB81-4D23-9E46-98491D21E4DD}" dt="2024-12-02T16:42:29.688" v="353" actId="478"/>
-          <ac:spMkLst>
-            <pc:docMk/>
-            <pc:sldMk cId="2243494996" sldId="277"/>
-            <ac:spMk id="14" creationId="{285350B3-201D-45BB-6B59-451641731D2D}"/>
-          </ac:spMkLst>
-        </pc:spChg>
-        <pc:spChg chg="add mod">
-          <ac:chgData name="Pratiksha Datir" userId="f6bc0e6a94cf4b74" providerId="LiveId" clId="{49FAF455-AB81-4D23-9E46-98491D21E4DD}" dt="2024-12-02T18:07:03.489" v="1412" actId="1076"/>
-          <ac:spMkLst>
-            <pc:docMk/>
-            <pc:sldMk cId="2243494996" sldId="277"/>
-            <ac:spMk id="15" creationId="{2CC79354-3961-D6B3-A317-1DE7589702F9}"/>
-          </ac:spMkLst>
-        </pc:spChg>
       </pc:sldChg>
       <pc:sldChg chg="addSp delSp modSp mod">
         <pc:chgData name="Pratiksha Datir" userId="f6bc0e6a94cf4b74" providerId="LiveId" clId="{49FAF455-AB81-4D23-9E46-98491D21E4DD}" dt="2024-12-02T18:05:24.019" v="1400" actId="2711"/>
@@ -790,110 +533,6 @@
           <pc:docMk/>
           <pc:sldMk cId="2069393026" sldId="278"/>
         </pc:sldMkLst>
-        <pc:spChg chg="del mod">
-          <ac:chgData name="Pratiksha Datir" userId="f6bc0e6a94cf4b74" providerId="LiveId" clId="{49FAF455-AB81-4D23-9E46-98491D21E4DD}" dt="2024-12-02T17:25:38.770" v="1045" actId="478"/>
-          <ac:spMkLst>
-            <pc:docMk/>
-            <pc:sldMk cId="2069393026" sldId="278"/>
-            <ac:spMk id="2" creationId="{8A4E0A63-A388-49B1-A04E-27CE9BD622EF}"/>
-          </ac:spMkLst>
-        </pc:spChg>
-        <pc:spChg chg="mod">
-          <ac:chgData name="Pratiksha Datir" userId="f6bc0e6a94cf4b74" providerId="LiveId" clId="{49FAF455-AB81-4D23-9E46-98491D21E4DD}" dt="2024-12-02T18:05:24.019" v="1400" actId="2711"/>
-          <ac:spMkLst>
-            <pc:docMk/>
-            <pc:sldMk cId="2069393026" sldId="278"/>
-            <ac:spMk id="5" creationId="{06E82690-B145-4D4F-B2D1-0B2A8C50FD71}"/>
-          </ac:spMkLst>
-        </pc:spChg>
-        <pc:spChg chg="del">
-          <ac:chgData name="Pratiksha Datir" userId="f6bc0e6a94cf4b74" providerId="LiveId" clId="{49FAF455-AB81-4D23-9E46-98491D21E4DD}" dt="2024-12-02T17:25:42.845" v="1047" actId="478"/>
-          <ac:spMkLst>
-            <pc:docMk/>
-            <pc:sldMk cId="2069393026" sldId="278"/>
-            <ac:spMk id="6" creationId="{7640DF9D-0C9E-4C5D-9635-6B4DE10CCEE5}"/>
-          </ac:spMkLst>
-        </pc:spChg>
-        <pc:spChg chg="del">
-          <ac:chgData name="Pratiksha Datir" userId="f6bc0e6a94cf4b74" providerId="LiveId" clId="{49FAF455-AB81-4D23-9E46-98491D21E4DD}" dt="2024-12-02T17:25:47.361" v="1050" actId="478"/>
-          <ac:spMkLst>
-            <pc:docMk/>
-            <pc:sldMk cId="2069393026" sldId="278"/>
-            <ac:spMk id="7" creationId="{40297407-CE4E-4284-879D-AEC395713625}"/>
-          </ac:spMkLst>
-        </pc:spChg>
-        <pc:spChg chg="del mod">
-          <ac:chgData name="Pratiksha Datir" userId="f6bc0e6a94cf4b74" providerId="LiveId" clId="{49FAF455-AB81-4D23-9E46-98491D21E4DD}" dt="2024-12-02T17:26:02.925" v="1056" actId="478"/>
-          <ac:spMkLst>
-            <pc:docMk/>
-            <pc:sldMk cId="2069393026" sldId="278"/>
-            <ac:spMk id="8" creationId="{F5C3A7BE-F7FC-4942-A31A-491A8A806103}"/>
-          </ac:spMkLst>
-        </pc:spChg>
-        <pc:spChg chg="del mod">
-          <ac:chgData name="Pratiksha Datir" userId="f6bc0e6a94cf4b74" providerId="LiveId" clId="{49FAF455-AB81-4D23-9E46-98491D21E4DD}" dt="2024-12-02T17:25:53.542" v="1053" actId="478"/>
-          <ac:spMkLst>
-            <pc:docMk/>
-            <pc:sldMk cId="2069393026" sldId="278"/>
-            <ac:spMk id="9" creationId="{95CCE699-03D1-4642-B46A-B14EF17DA183}"/>
-          </ac:spMkLst>
-        </pc:spChg>
-        <pc:spChg chg="del mod">
-          <ac:chgData name="Pratiksha Datir" userId="f6bc0e6a94cf4b74" providerId="LiveId" clId="{49FAF455-AB81-4D23-9E46-98491D21E4DD}" dt="2024-12-02T17:26:14.615" v="1060" actId="478"/>
-          <ac:spMkLst>
-            <pc:docMk/>
-            <pc:sldMk cId="2069393026" sldId="278"/>
-            <ac:spMk id="10" creationId="{BC1DF189-6F2F-4C21-88CC-C82D3D0D147B}"/>
-          </ac:spMkLst>
-        </pc:spChg>
-        <pc:spChg chg="add del mod">
-          <ac:chgData name="Pratiksha Datir" userId="f6bc0e6a94cf4b74" providerId="LiveId" clId="{49FAF455-AB81-4D23-9E46-98491D21E4DD}" dt="2024-12-02T17:25:40.853" v="1046" actId="478"/>
-          <ac:spMkLst>
-            <pc:docMk/>
-            <pc:sldMk cId="2069393026" sldId="278"/>
-            <ac:spMk id="12" creationId="{932E050A-1AFD-3E8D-7A16-0F5D633B49C1}"/>
-          </ac:spMkLst>
-        </pc:spChg>
-        <pc:spChg chg="add del mod">
-          <ac:chgData name="Pratiksha Datir" userId="f6bc0e6a94cf4b74" providerId="LiveId" clId="{49FAF455-AB81-4D23-9E46-98491D21E4DD}" dt="2024-12-02T17:25:45.213" v="1049" actId="478"/>
-          <ac:spMkLst>
-            <pc:docMk/>
-            <pc:sldMk cId="2069393026" sldId="278"/>
-            <ac:spMk id="14" creationId="{DA7B7127-423A-884F-6EC3-65BAB63DD668}"/>
-          </ac:spMkLst>
-        </pc:spChg>
-        <pc:spChg chg="add del mod">
-          <ac:chgData name="Pratiksha Datir" userId="f6bc0e6a94cf4b74" providerId="LiveId" clId="{49FAF455-AB81-4D23-9E46-98491D21E4DD}" dt="2024-12-02T17:25:49.241" v="1051" actId="478"/>
-          <ac:spMkLst>
-            <pc:docMk/>
-            <pc:sldMk cId="2069393026" sldId="278"/>
-            <ac:spMk id="16" creationId="{420A98B9-1738-E89B-9DD7-5B30C6E0A9D2}"/>
-          </ac:spMkLst>
-        </pc:spChg>
-        <pc:spChg chg="add del mod">
-          <ac:chgData name="Pratiksha Datir" userId="f6bc0e6a94cf4b74" providerId="LiveId" clId="{49FAF455-AB81-4D23-9E46-98491D21E4DD}" dt="2024-12-02T17:25:55.913" v="1054" actId="478"/>
-          <ac:spMkLst>
-            <pc:docMk/>
-            <pc:sldMk cId="2069393026" sldId="278"/>
-            <ac:spMk id="18" creationId="{09B81ABB-BFEE-0E37-1366-52E852EC3581}"/>
-          </ac:spMkLst>
-        </pc:spChg>
-        <pc:spChg chg="add del mod">
-          <ac:chgData name="Pratiksha Datir" userId="f6bc0e6a94cf4b74" providerId="LiveId" clId="{49FAF455-AB81-4D23-9E46-98491D21E4DD}" dt="2024-12-02T17:26:06.561" v="1058" actId="478"/>
-          <ac:spMkLst>
-            <pc:docMk/>
-            <pc:sldMk cId="2069393026" sldId="278"/>
-            <ac:spMk id="20" creationId="{2A2A92CC-555E-9498-A191-50C87F3A16F2}"/>
-          </ac:spMkLst>
-        </pc:spChg>
-        <pc:spChg chg="add del mod">
-          <ac:chgData name="Pratiksha Datir" userId="f6bc0e6a94cf4b74" providerId="LiveId" clId="{49FAF455-AB81-4D23-9E46-98491D21E4DD}" dt="2024-12-02T17:26:16.549" v="1062" actId="478"/>
-          <ac:spMkLst>
-            <pc:docMk/>
-            <pc:sldMk cId="2069393026" sldId="278"/>
-            <ac:spMk id="22" creationId="{22CF9A7F-FD4B-E93C-5542-54C4365DD7C4}"/>
-          </ac:spMkLst>
-        </pc:spChg>
       </pc:sldChg>
       <pc:sldChg chg="del">
         <pc:chgData name="Pratiksha Datir" userId="f6bc0e6a94cf4b74" providerId="LiveId" clId="{49FAF455-AB81-4D23-9E46-98491D21E4DD}" dt="2024-12-02T17:58:33.596" v="1346" actId="47"/>
@@ -922,182 +561,6 @@
           <pc:docMk/>
           <pc:sldMk cId="1844941827" sldId="289"/>
         </pc:sldMkLst>
-        <pc:spChg chg="mod">
-          <ac:chgData name="Pratiksha Datir" userId="f6bc0e6a94cf4b74" providerId="LiveId" clId="{49FAF455-AB81-4D23-9E46-98491D21E4DD}" dt="2024-12-02T18:03:44.329" v="1396" actId="2711"/>
-          <ac:spMkLst>
-            <pc:docMk/>
-            <pc:sldMk cId="1844941827" sldId="289"/>
-            <ac:spMk id="2" creationId="{75031FE9-9059-4FE8-B4AC-9771F23A1B89}"/>
-          </ac:spMkLst>
-        </pc:spChg>
-        <pc:spChg chg="del mod">
-          <ac:chgData name="Pratiksha Datir" userId="f6bc0e6a94cf4b74" providerId="LiveId" clId="{49FAF455-AB81-4D23-9E46-98491D21E4DD}" dt="2024-12-02T13:55:28.522" v="148" actId="478"/>
-          <ac:spMkLst>
-            <pc:docMk/>
-            <pc:sldMk cId="1844941827" sldId="289"/>
-            <ac:spMk id="3" creationId="{D4A2EB3F-4D60-451F-8F45-7D6654D2FCD9}"/>
-          </ac:spMkLst>
-        </pc:spChg>
-        <pc:spChg chg="del mod">
-          <ac:chgData name="Pratiksha Datir" userId="f6bc0e6a94cf4b74" providerId="LiveId" clId="{49FAF455-AB81-4D23-9E46-98491D21E4DD}" dt="2024-12-02T13:55:18.587" v="146" actId="478"/>
-          <ac:spMkLst>
-            <pc:docMk/>
-            <pc:sldMk cId="1844941827" sldId="289"/>
-            <ac:spMk id="4" creationId="{AC1C80FB-53F9-42EE-B1E6-D0F998EC5DFA}"/>
-          </ac:spMkLst>
-        </pc:spChg>
-        <pc:spChg chg="del">
-          <ac:chgData name="Pratiksha Datir" userId="f6bc0e6a94cf4b74" providerId="LiveId" clId="{49FAF455-AB81-4D23-9E46-98491D21E4DD}" dt="2024-12-02T13:55:34.549" v="149" actId="478"/>
-          <ac:spMkLst>
-            <pc:docMk/>
-            <pc:sldMk cId="1844941827" sldId="289"/>
-            <ac:spMk id="5" creationId="{E81BA2B5-6A90-4204-ABDD-7183FBB03A02}"/>
-          </ac:spMkLst>
-        </pc:spChg>
-        <pc:spChg chg="del">
-          <ac:chgData name="Pratiksha Datir" userId="f6bc0e6a94cf4b74" providerId="LiveId" clId="{49FAF455-AB81-4D23-9E46-98491D21E4DD}" dt="2024-12-02T13:55:49.294" v="152" actId="478"/>
-          <ac:spMkLst>
-            <pc:docMk/>
-            <pc:sldMk cId="1844941827" sldId="289"/>
-            <ac:spMk id="6" creationId="{7E7D4C34-22A0-4D54-A07D-E1E9A11463E5}"/>
-          </ac:spMkLst>
-        </pc:spChg>
-        <pc:spChg chg="del">
-          <ac:chgData name="Pratiksha Datir" userId="f6bc0e6a94cf4b74" providerId="LiveId" clId="{49FAF455-AB81-4D23-9E46-98491D21E4DD}" dt="2024-12-02T13:55:57.848" v="154" actId="478"/>
-          <ac:spMkLst>
-            <pc:docMk/>
-            <pc:sldMk cId="1844941827" sldId="289"/>
-            <ac:spMk id="7" creationId="{301D392D-FB66-47A0-B628-5ADE822A2CFF}"/>
-          </ac:spMkLst>
-        </pc:spChg>
-        <pc:spChg chg="del">
-          <ac:chgData name="Pratiksha Datir" userId="f6bc0e6a94cf4b74" providerId="LiveId" clId="{49FAF455-AB81-4D23-9E46-98491D21E4DD}" dt="2024-12-02T13:56:05.299" v="157" actId="478"/>
-          <ac:spMkLst>
-            <pc:docMk/>
-            <pc:sldMk cId="1844941827" sldId="289"/>
-            <ac:spMk id="8" creationId="{51C26CE0-2506-4B44-A26F-C12BFA5B18B5}"/>
-          </ac:spMkLst>
-        </pc:spChg>
-        <pc:spChg chg="del">
-          <ac:chgData name="Pratiksha Datir" userId="f6bc0e6a94cf4b74" providerId="LiveId" clId="{49FAF455-AB81-4D23-9E46-98491D21E4DD}" dt="2024-12-02T13:56:12.209" v="159" actId="478"/>
-          <ac:spMkLst>
-            <pc:docMk/>
-            <pc:sldMk cId="1844941827" sldId="289"/>
-            <ac:spMk id="9" creationId="{868F40F8-BF35-45E9-B3DD-5436362D746E}"/>
-          </ac:spMkLst>
-        </pc:spChg>
-        <pc:spChg chg="del">
-          <ac:chgData name="Pratiksha Datir" userId="f6bc0e6a94cf4b74" providerId="LiveId" clId="{49FAF455-AB81-4D23-9E46-98491D21E4DD}" dt="2024-12-02T13:56:18.764" v="162" actId="478"/>
-          <ac:spMkLst>
-            <pc:docMk/>
-            <pc:sldMk cId="1844941827" sldId="289"/>
-            <ac:spMk id="10" creationId="{7F39C97C-2DDC-4706-B96C-B02FAE53A426}"/>
-          </ac:spMkLst>
-        </pc:spChg>
-        <pc:spChg chg="add del mod">
-          <ac:chgData name="Pratiksha Datir" userId="f6bc0e6a94cf4b74" providerId="LiveId" clId="{49FAF455-AB81-4D23-9E46-98491D21E4DD}" dt="2024-12-02T13:55:25.681" v="147" actId="478"/>
-          <ac:spMkLst>
-            <pc:docMk/>
-            <pc:sldMk cId="1844941827" sldId="289"/>
-            <ac:spMk id="12" creationId="{5316D7B7-BFC6-CD15-E1C6-7A4982E6DE0D}"/>
-          </ac:spMkLst>
-        </pc:spChg>
-        <pc:spChg chg="add del mod">
-          <ac:chgData name="Pratiksha Datir" userId="f6bc0e6a94cf4b74" providerId="LiveId" clId="{49FAF455-AB81-4D23-9E46-98491D21E4DD}" dt="2024-12-02T13:55:42.709" v="151" actId="478"/>
-          <ac:spMkLst>
-            <pc:docMk/>
-            <pc:sldMk cId="1844941827" sldId="289"/>
-            <ac:spMk id="14" creationId="{BB3994F9-6FEF-B867-BF34-95052502A8EB}"/>
-          </ac:spMkLst>
-        </pc:spChg>
-        <pc:spChg chg="add del mod">
-          <ac:chgData name="Pratiksha Datir" userId="f6bc0e6a94cf4b74" providerId="LiveId" clId="{49FAF455-AB81-4D23-9E46-98491D21E4DD}" dt="2024-12-02T13:55:52.516" v="153" actId="478"/>
-          <ac:spMkLst>
-            <pc:docMk/>
-            <pc:sldMk cId="1844941827" sldId="289"/>
-            <ac:spMk id="16" creationId="{2EB6C1C8-A95D-0330-C728-057C307EA175}"/>
-          </ac:spMkLst>
-        </pc:spChg>
-        <pc:spChg chg="add del mod">
-          <ac:chgData name="Pratiksha Datir" userId="f6bc0e6a94cf4b74" providerId="LiveId" clId="{49FAF455-AB81-4D23-9E46-98491D21E4DD}" dt="2024-12-02T13:56:00.636" v="156" actId="478"/>
-          <ac:spMkLst>
-            <pc:docMk/>
-            <pc:sldMk cId="1844941827" sldId="289"/>
-            <ac:spMk id="18" creationId="{6EB74E66-41A6-E7AE-963C-12ECD3231571}"/>
-          </ac:spMkLst>
-        </pc:spChg>
-        <pc:spChg chg="del">
-          <ac:chgData name="Pratiksha Datir" userId="f6bc0e6a94cf4b74" providerId="LiveId" clId="{49FAF455-AB81-4D23-9E46-98491D21E4DD}" dt="2024-12-02T13:56:28.119" v="165" actId="478"/>
-          <ac:spMkLst>
-            <pc:docMk/>
-            <pc:sldMk cId="1844941827" sldId="289"/>
-            <ac:spMk id="20" creationId="{A74D661B-510C-4CF2-BF77-3EAFB649883D}"/>
-          </ac:spMkLst>
-        </pc:spChg>
-        <pc:spChg chg="del">
-          <ac:chgData name="Pratiksha Datir" userId="f6bc0e6a94cf4b74" providerId="LiveId" clId="{49FAF455-AB81-4D23-9E46-98491D21E4DD}" dt="2024-12-02T13:56:24.318" v="164" actId="478"/>
-          <ac:spMkLst>
-            <pc:docMk/>
-            <pc:sldMk cId="1844941827" sldId="289"/>
-            <ac:spMk id="21" creationId="{7E44CAC0-3B5A-49F6-A2CB-0BC80D111A87}"/>
-          </ac:spMkLst>
-        </pc:spChg>
-        <pc:spChg chg="add del mod">
-          <ac:chgData name="Pratiksha Datir" userId="f6bc0e6a94cf4b74" providerId="LiveId" clId="{49FAF455-AB81-4D23-9E46-98491D21E4DD}" dt="2024-12-02T13:56:07.218" v="158" actId="478"/>
-          <ac:spMkLst>
-            <pc:docMk/>
-            <pc:sldMk cId="1844941827" sldId="289"/>
-            <ac:spMk id="23" creationId="{1F081C50-5F33-FB6F-B896-AD0972EE87BC}"/>
-          </ac:spMkLst>
-        </pc:spChg>
-        <pc:spChg chg="add del mod">
-          <ac:chgData name="Pratiksha Datir" userId="f6bc0e6a94cf4b74" providerId="LiveId" clId="{49FAF455-AB81-4D23-9E46-98491D21E4DD}" dt="2024-12-02T13:56:15.289" v="161" actId="478"/>
-          <ac:spMkLst>
-            <pc:docMk/>
-            <pc:sldMk cId="1844941827" sldId="289"/>
-            <ac:spMk id="25" creationId="{1E68D104-7003-58D3-A1F1-9E76B78BBDE3}"/>
-          </ac:spMkLst>
-        </pc:spChg>
-        <pc:spChg chg="add del mod">
-          <ac:chgData name="Pratiksha Datir" userId="f6bc0e6a94cf4b74" providerId="LiveId" clId="{49FAF455-AB81-4D23-9E46-98491D21E4DD}" dt="2024-12-02T13:56:20.353" v="163" actId="478"/>
-          <ac:spMkLst>
-            <pc:docMk/>
-            <pc:sldMk cId="1844941827" sldId="289"/>
-            <ac:spMk id="27" creationId="{FB8D9FC8-1279-C379-089B-FE982A212B24}"/>
-          </ac:spMkLst>
-        </pc:spChg>
-        <pc:spChg chg="add del mod">
-          <ac:chgData name="Pratiksha Datir" userId="f6bc0e6a94cf4b74" providerId="LiveId" clId="{49FAF455-AB81-4D23-9E46-98491D21E4DD}" dt="2024-12-02T14:10:14.986" v="290"/>
-          <ac:spMkLst>
-            <pc:docMk/>
-            <pc:sldMk cId="1844941827" sldId="289"/>
-            <ac:spMk id="28" creationId="{E616B35D-19A6-C97C-BFFE-0C68E1F5933E}"/>
-          </ac:spMkLst>
-        </pc:spChg>
-        <pc:spChg chg="add del mod">
-          <ac:chgData name="Pratiksha Datir" userId="f6bc0e6a94cf4b74" providerId="LiveId" clId="{49FAF455-AB81-4D23-9E46-98491D21E4DD}" dt="2024-12-02T16:51:47.312" v="439"/>
-          <ac:spMkLst>
-            <pc:docMk/>
-            <pc:sldMk cId="1844941827" sldId="289"/>
-            <ac:spMk id="29" creationId="{F42822B9-3797-9993-7BB4-777E1E5A7965}"/>
-          </ac:spMkLst>
-        </pc:spChg>
-        <pc:spChg chg="add mod">
-          <ac:chgData name="Pratiksha Datir" userId="f6bc0e6a94cf4b74" providerId="LiveId" clId="{49FAF455-AB81-4D23-9E46-98491D21E4DD}" dt="2024-12-02T17:21:37.147" v="982" actId="1076"/>
-          <ac:spMkLst>
-            <pc:docMk/>
-            <pc:sldMk cId="1844941827" sldId="289"/>
-            <ac:spMk id="30" creationId="{0F62DC62-CC40-3C4B-A918-EBEBC7F141BC}"/>
-          </ac:spMkLst>
-        </pc:spChg>
-        <pc:spChg chg="add del mod">
-          <ac:chgData name="Pratiksha Datir" userId="f6bc0e6a94cf4b74" providerId="LiveId" clId="{49FAF455-AB81-4D23-9E46-98491D21E4DD}" dt="2024-12-02T17:17:14.816" v="911"/>
-          <ac:spMkLst>
-            <pc:docMk/>
-            <pc:sldMk cId="1844941827" sldId="289"/>
-            <ac:spMk id="31" creationId="{031A2E7E-A490-0C56-30DE-3AFB224B63E6}"/>
-          </ac:spMkLst>
-        </pc:spChg>
       </pc:sldChg>
       <pc:sldChg chg="del">
         <pc:chgData name="Pratiksha Datir" userId="f6bc0e6a94cf4b74" providerId="LiveId" clId="{49FAF455-AB81-4D23-9E46-98491D21E4DD}" dt="2024-12-02T17:58:43.081" v="1353" actId="47"/>
@@ -1133,38 +596,6 @@
           <pc:docMk/>
           <pc:sldMk cId="2406704738" sldId="295"/>
         </pc:sldMkLst>
-        <pc:spChg chg="del">
-          <ac:chgData name="Pratiksha Datir" userId="f6bc0e6a94cf4b74" providerId="LiveId" clId="{49FAF455-AB81-4D23-9E46-98491D21E4DD}" dt="2024-12-02T17:04:15.310" v="590" actId="21"/>
-          <ac:spMkLst>
-            <pc:docMk/>
-            <pc:sldMk cId="2406704738" sldId="295"/>
-            <ac:spMk id="2" creationId="{453D7DDC-14AE-3D40-6DE4-7E8209D9EC7F}"/>
-          </ac:spMkLst>
-        </pc:spChg>
-        <pc:spChg chg="del mod">
-          <ac:chgData name="Pratiksha Datir" userId="f6bc0e6a94cf4b74" providerId="LiveId" clId="{49FAF455-AB81-4D23-9E46-98491D21E4DD}" dt="2024-12-02T17:24:36.747" v="1033" actId="478"/>
-          <ac:spMkLst>
-            <pc:docMk/>
-            <pc:sldMk cId="2406704738" sldId="295"/>
-            <ac:spMk id="3" creationId="{3DD6B0BA-1303-75B8-7F8E-E13835C523FE}"/>
-          </ac:spMkLst>
-        </pc:spChg>
-        <pc:spChg chg="del mod">
-          <ac:chgData name="Pratiksha Datir" userId="f6bc0e6a94cf4b74" providerId="LiveId" clId="{49FAF455-AB81-4D23-9E46-98491D21E4DD}" dt="2024-12-02T17:24:31.824" v="1031" actId="478"/>
-          <ac:spMkLst>
-            <pc:docMk/>
-            <pc:sldMk cId="2406704738" sldId="295"/>
-            <ac:spMk id="4" creationId="{86137F3D-26AC-12FC-499A-9F3125947019}"/>
-          </ac:spMkLst>
-        </pc:spChg>
-        <pc:spChg chg="mod">
-          <ac:chgData name="Pratiksha Datir" userId="f6bc0e6a94cf4b74" providerId="LiveId" clId="{49FAF455-AB81-4D23-9E46-98491D21E4DD}" dt="2024-12-03T07:47:16.922" v="1598" actId="20577"/>
-          <ac:spMkLst>
-            <pc:docMk/>
-            <pc:sldMk cId="2406704738" sldId="295"/>
-            <ac:spMk id="6" creationId="{F1CF0A90-968E-1B0B-F3F0-4C9A4CAB69E2}"/>
-          </ac:spMkLst>
-        </pc:spChg>
       </pc:sldChg>
       <pc:sldChg chg="addSp delSp modSp new mod">
         <pc:chgData name="Pratiksha Datir" userId="f6bc0e6a94cf4b74" providerId="LiveId" clId="{49FAF455-AB81-4D23-9E46-98491D21E4DD}" dt="2024-12-02T18:04:25.959" v="1398" actId="2"/>
@@ -1172,102 +603,6 @@
           <pc:docMk/>
           <pc:sldMk cId="1231989317" sldId="296"/>
         </pc:sldMkLst>
-        <pc:spChg chg="del mod">
-          <ac:chgData name="Pratiksha Datir" userId="f6bc0e6a94cf4b74" providerId="LiveId" clId="{49FAF455-AB81-4D23-9E46-98491D21E4DD}" dt="2024-12-02T17:17:32.970" v="917" actId="478"/>
-          <ac:spMkLst>
-            <pc:docMk/>
-            <pc:sldMk cId="1231989317" sldId="296"/>
-            <ac:spMk id="2" creationId="{1FAE4B74-935D-4662-9CCE-A15BCBF97377}"/>
-          </ac:spMkLst>
-        </pc:spChg>
-        <pc:spChg chg="del">
-          <ac:chgData name="Pratiksha Datir" userId="f6bc0e6a94cf4b74" providerId="LiveId" clId="{49FAF455-AB81-4D23-9E46-98491D21E4DD}" dt="2024-12-02T17:16:39.158" v="901" actId="478"/>
-          <ac:spMkLst>
-            <pc:docMk/>
-            <pc:sldMk cId="1231989317" sldId="296"/>
-            <ac:spMk id="3" creationId="{06BD3DBC-AD12-7820-9BEC-FED1D5611E23}"/>
-          </ac:spMkLst>
-        </pc:spChg>
-        <pc:spChg chg="del">
-          <ac:chgData name="Pratiksha Datir" userId="f6bc0e6a94cf4b74" providerId="LiveId" clId="{49FAF455-AB81-4D23-9E46-98491D21E4DD}" dt="2024-12-02T17:16:36.832" v="900" actId="478"/>
-          <ac:spMkLst>
-            <pc:docMk/>
-            <pc:sldMk cId="1231989317" sldId="296"/>
-            <ac:spMk id="4" creationId="{6E794269-1FB4-2302-B0F5-1940CCB32F2F}"/>
-          </ac:spMkLst>
-        </pc:spChg>
-        <pc:spChg chg="del">
-          <ac:chgData name="Pratiksha Datir" userId="f6bc0e6a94cf4b74" providerId="LiveId" clId="{49FAF455-AB81-4D23-9E46-98491D21E4DD}" dt="2024-12-02T17:16:31.869" v="899" actId="478"/>
-          <ac:spMkLst>
-            <pc:docMk/>
-            <pc:sldMk cId="1231989317" sldId="296"/>
-            <ac:spMk id="5" creationId="{6403080D-1BBD-C422-9C86-55A4BFD4385C}"/>
-          </ac:spMkLst>
-        </pc:spChg>
-        <pc:spChg chg="del">
-          <ac:chgData name="Pratiksha Datir" userId="f6bc0e6a94cf4b74" providerId="LiveId" clId="{49FAF455-AB81-4D23-9E46-98491D21E4DD}" dt="2024-12-02T17:16:41.585" v="902" actId="478"/>
-          <ac:spMkLst>
-            <pc:docMk/>
-            <pc:sldMk cId="1231989317" sldId="296"/>
-            <ac:spMk id="6" creationId="{0D614456-17BE-5249-071A-2E20C148A54C}"/>
-          </ac:spMkLst>
-        </pc:spChg>
-        <pc:spChg chg="del">
-          <ac:chgData name="Pratiksha Datir" userId="f6bc0e6a94cf4b74" providerId="LiveId" clId="{49FAF455-AB81-4D23-9E46-98491D21E4DD}" dt="2024-12-02T17:16:48.141" v="904" actId="478"/>
-          <ac:spMkLst>
-            <pc:docMk/>
-            <pc:sldMk cId="1231989317" sldId="296"/>
-            <ac:spMk id="7" creationId="{24FF2489-2A14-21F1-3C34-1C21949F0192}"/>
-          </ac:spMkLst>
-        </pc:spChg>
-        <pc:spChg chg="del">
-          <ac:chgData name="Pratiksha Datir" userId="f6bc0e6a94cf4b74" providerId="LiveId" clId="{49FAF455-AB81-4D23-9E46-98491D21E4DD}" dt="2024-12-02T17:16:45.921" v="903" actId="478"/>
-          <ac:spMkLst>
-            <pc:docMk/>
-            <pc:sldMk cId="1231989317" sldId="296"/>
-            <ac:spMk id="8" creationId="{343EE8FF-1337-0ED8-9BC8-0EFF4071E62A}"/>
-          </ac:spMkLst>
-        </pc:spChg>
-        <pc:spChg chg="del">
-          <ac:chgData name="Pratiksha Datir" userId="f6bc0e6a94cf4b74" providerId="LiveId" clId="{49FAF455-AB81-4D23-9E46-98491D21E4DD}" dt="2024-12-02T17:16:53.984" v="906" actId="478"/>
-          <ac:spMkLst>
-            <pc:docMk/>
-            <pc:sldMk cId="1231989317" sldId="296"/>
-            <ac:spMk id="9" creationId="{A64BB039-DD77-0D72-3F70-242503348613}"/>
-          </ac:spMkLst>
-        </pc:spChg>
-        <pc:spChg chg="del">
-          <ac:chgData name="Pratiksha Datir" userId="f6bc0e6a94cf4b74" providerId="LiveId" clId="{49FAF455-AB81-4D23-9E46-98491D21E4DD}" dt="2024-12-02T17:16:52.026" v="905" actId="478"/>
-          <ac:spMkLst>
-            <pc:docMk/>
-            <pc:sldMk cId="1231989317" sldId="296"/>
-            <ac:spMk id="10" creationId="{1CDF3C3C-5E86-4C37-C658-22080AF22C68}"/>
-          </ac:spMkLst>
-        </pc:spChg>
-        <pc:spChg chg="del">
-          <ac:chgData name="Pratiksha Datir" userId="f6bc0e6a94cf4b74" providerId="LiveId" clId="{49FAF455-AB81-4D23-9E46-98491D21E4DD}" dt="2024-12-02T17:20:34.047" v="971" actId="478"/>
-          <ac:spMkLst>
-            <pc:docMk/>
-            <pc:sldMk cId="1231989317" sldId="296"/>
-            <ac:spMk id="11" creationId="{E1470AE7-86D7-25EA-4822-EA2B9CE28587}"/>
-          </ac:spMkLst>
-        </pc:spChg>
-        <pc:spChg chg="del">
-          <ac:chgData name="Pratiksha Datir" userId="f6bc0e6a94cf4b74" providerId="LiveId" clId="{49FAF455-AB81-4D23-9E46-98491D21E4DD}" dt="2024-12-02T17:20:31.666" v="970" actId="478"/>
-          <ac:spMkLst>
-            <pc:docMk/>
-            <pc:sldMk cId="1231989317" sldId="296"/>
-            <ac:spMk id="12" creationId="{E3045E1F-9ECC-4CAC-4036-33C490F2A8B7}"/>
-          </ac:spMkLst>
-        </pc:spChg>
-        <pc:spChg chg="add mod">
-          <ac:chgData name="Pratiksha Datir" userId="f6bc0e6a94cf4b74" providerId="LiveId" clId="{49FAF455-AB81-4D23-9E46-98491D21E4DD}" dt="2024-12-02T18:04:25.959" v="1398" actId="2"/>
-          <ac:spMkLst>
-            <pc:docMk/>
-            <pc:sldMk cId="1231989317" sldId="296"/>
-            <ac:spMk id="14" creationId="{7819ABE9-6440-5362-B5F0-DB6DB8186481}"/>
-          </ac:spMkLst>
-        </pc:spChg>
       </pc:sldChg>
       <pc:sldChg chg="addSp delSp modSp new mod">
         <pc:chgData name="Pratiksha Datir" userId="f6bc0e6a94cf4b74" providerId="LiveId" clId="{49FAF455-AB81-4D23-9E46-98491D21E4DD}" dt="2024-12-02T18:08:41.655" v="1448" actId="20577"/>
@@ -1275,46 +610,6 @@
           <pc:docMk/>
           <pc:sldMk cId="198062731" sldId="297"/>
         </pc:sldMkLst>
-        <pc:spChg chg="del mod">
-          <ac:chgData name="Pratiksha Datir" userId="f6bc0e6a94cf4b74" providerId="LiveId" clId="{49FAF455-AB81-4D23-9E46-98491D21E4DD}" dt="2024-12-02T17:42:34.802" v="1222" actId="478"/>
-          <ac:spMkLst>
-            <pc:docMk/>
-            <pc:sldMk cId="198062731" sldId="297"/>
-            <ac:spMk id="2" creationId="{E6C5A070-95D9-1CCD-D3B6-90A5FBF91D32}"/>
-          </ac:spMkLst>
-        </pc:spChg>
-        <pc:spChg chg="del">
-          <ac:chgData name="Pratiksha Datir" userId="f6bc0e6a94cf4b74" providerId="LiveId" clId="{49FAF455-AB81-4D23-9E46-98491D21E4DD}" dt="2024-12-02T17:48:57.867" v="1300" actId="478"/>
-          <ac:spMkLst>
-            <pc:docMk/>
-            <pc:sldMk cId="198062731" sldId="297"/>
-            <ac:spMk id="4" creationId="{AC13101A-FBA4-94EB-B5F5-2F03525E6EB7}"/>
-          </ac:spMkLst>
-        </pc:spChg>
-        <pc:spChg chg="mod">
-          <ac:chgData name="Pratiksha Datir" userId="f6bc0e6a94cf4b74" providerId="LiveId" clId="{49FAF455-AB81-4D23-9E46-98491D21E4DD}" dt="2024-12-02T18:08:41.655" v="1448" actId="20577"/>
-          <ac:spMkLst>
-            <pc:docMk/>
-            <pc:sldMk cId="198062731" sldId="297"/>
-            <ac:spMk id="6" creationId="{0A4A21D8-D279-2F19-B41B-6633BFB0DAFF}"/>
-          </ac:spMkLst>
-        </pc:spChg>
-        <pc:spChg chg="add del mod">
-          <ac:chgData name="Pratiksha Datir" userId="f6bc0e6a94cf4b74" providerId="LiveId" clId="{49FAF455-AB81-4D23-9E46-98491D21E4DD}" dt="2024-12-02T17:42:36.448" v="1223" actId="478"/>
-          <ac:spMkLst>
-            <pc:docMk/>
-            <pc:sldMk cId="198062731" sldId="297"/>
-            <ac:spMk id="8" creationId="{153A0713-C9C8-4BFB-85DE-E2686B7B191C}"/>
-          </ac:spMkLst>
-        </pc:spChg>
-        <pc:spChg chg="add mod">
-          <ac:chgData name="Pratiksha Datir" userId="f6bc0e6a94cf4b74" providerId="LiveId" clId="{49FAF455-AB81-4D23-9E46-98491D21E4DD}" dt="2024-12-02T17:55:23.691" v="1334" actId="207"/>
-          <ac:spMkLst>
-            <pc:docMk/>
-            <pc:sldMk cId="198062731" sldId="297"/>
-            <ac:spMk id="9" creationId="{92EEFBF7-3E80-D39A-7362-C8DF67CAB559}"/>
-          </ac:spMkLst>
-        </pc:spChg>
       </pc:sldChg>
       <pc:sldChg chg="delSp modSp new mod">
         <pc:chgData name="Pratiksha Datir" userId="f6bc0e6a94cf4b74" providerId="LiveId" clId="{49FAF455-AB81-4D23-9E46-98491D21E4DD}" dt="2024-12-03T09:19:03.082" v="1613" actId="15"/>
@@ -1322,22 +617,6 @@
           <pc:docMk/>
           <pc:sldMk cId="941434634" sldId="298"/>
         </pc:sldMkLst>
-        <pc:spChg chg="del">
-          <ac:chgData name="Pratiksha Datir" userId="f6bc0e6a94cf4b74" providerId="LiveId" clId="{49FAF455-AB81-4D23-9E46-98491D21E4DD}" dt="2024-12-02T17:52:39.545" v="1310" actId="478"/>
-          <ac:spMkLst>
-            <pc:docMk/>
-            <pc:sldMk cId="941434634" sldId="298"/>
-            <ac:spMk id="2" creationId="{EAA8610E-C310-4939-4C84-EBF9A368E296}"/>
-          </ac:spMkLst>
-        </pc:spChg>
-        <pc:spChg chg="mod">
-          <ac:chgData name="Pratiksha Datir" userId="f6bc0e6a94cf4b74" providerId="LiveId" clId="{49FAF455-AB81-4D23-9E46-98491D21E4DD}" dt="2024-12-03T09:19:03.082" v="1613" actId="15"/>
-          <ac:spMkLst>
-            <pc:docMk/>
-            <pc:sldMk cId="941434634" sldId="298"/>
-            <ac:spMk id="3" creationId="{D6AA6845-4445-1524-513E-6A11C0E7FF2A}"/>
-          </ac:spMkLst>
-        </pc:spChg>
       </pc:sldChg>
       <pc:sldChg chg="delSp modSp new mod">
         <pc:chgData name="Pratiksha Datir" userId="f6bc0e6a94cf4b74" providerId="LiveId" clId="{49FAF455-AB81-4D23-9E46-98491D21E4DD}" dt="2024-12-03T09:19:24.733" v="1614" actId="255"/>
@@ -1345,22 +624,6 @@
           <pc:docMk/>
           <pc:sldMk cId="807356943" sldId="299"/>
         </pc:sldMkLst>
-        <pc:spChg chg="del">
-          <ac:chgData name="Pratiksha Datir" userId="f6bc0e6a94cf4b74" providerId="LiveId" clId="{49FAF455-AB81-4D23-9E46-98491D21E4DD}" dt="2024-12-02T17:59:37.518" v="1365" actId="478"/>
-          <ac:spMkLst>
-            <pc:docMk/>
-            <pc:sldMk cId="807356943" sldId="299"/>
-            <ac:spMk id="2" creationId="{2217E0A8-3B02-6825-8108-747B4AC48C56}"/>
-          </ac:spMkLst>
-        </pc:spChg>
-        <pc:spChg chg="mod">
-          <ac:chgData name="Pratiksha Datir" userId="f6bc0e6a94cf4b74" providerId="LiveId" clId="{49FAF455-AB81-4D23-9E46-98491D21E4DD}" dt="2024-12-03T09:19:24.733" v="1614" actId="255"/>
-          <ac:spMkLst>
-            <pc:docMk/>
-            <pc:sldMk cId="807356943" sldId="299"/>
-            <ac:spMk id="3" creationId="{19583154-8B17-9F19-F9F2-623E5812DD7C}"/>
-          </ac:spMkLst>
-        </pc:spChg>
       </pc:sldChg>
       <pc:sldMasterChg chg="delSldLayout">
         <pc:chgData name="Pratiksha Datir" userId="f6bc0e6a94cf4b74" providerId="LiveId" clId="{49FAF455-AB81-4D23-9E46-98491D21E4DD}" dt="2024-12-02T17:58:37.079" v="1348" actId="47"/>
@@ -1484,7 +747,7 @@
           <a:p>
             <a:fld id="{F352A77B-D33C-49B3-A83C-450AA2ED72B3}" type="datetimeFigureOut">
               <a:rPr lang="en-US" smtClean="0"/>
-              <a:t>12/3/2024</a:t>
+              <a:t>2/11/2026</a:t>
             </a:fld>
             <a:endParaRPr lang="en-US" dirty="0"/>
           </a:p>
@@ -1661,7 +924,7 @@
           <a:p>
             <a:fld id="{E38D8F9A-F5CB-4EF8-A859-ED5E107B9763}" type="datetimeFigureOut">
               <a:rPr lang="en-US" smtClean="0"/>
-              <a:t>12/3/2024</a:t>
+              <a:t>2/11/2026</a:t>
             </a:fld>
             <a:endParaRPr lang="en-US" dirty="0"/>
           </a:p>
@@ -3174,10 +2437,7 @@
             </a:lvl1pPr>
           </a:lstStyle>
           <a:p>
-            <a:r>
-              <a:rPr lang="en-US" dirty="0"/>
-              <a:t>20XX</a:t>
-            </a:r>
+            <a:endParaRPr lang="en-US" dirty="0"/>
           </a:p>
         </p:txBody>
       </p:sp>
@@ -3206,10 +2466,7 @@
             </a:lvl1pPr>
           </a:lstStyle>
           <a:p>
-            <a:r>
-              <a:rPr lang="en-US" dirty="0"/>
-              <a:t>Pitch Deck</a:t>
-            </a:r>
+            <a:endParaRPr lang="en-US" dirty="0"/>
           </a:p>
         </p:txBody>
       </p:sp>
@@ -3803,10 +3060,7 @@
             </a:lvl1pPr>
           </a:lstStyle>
           <a:p>
-            <a:r>
-              <a:rPr lang="en-US" dirty="0"/>
-              <a:t>20XX</a:t>
-            </a:r>
+            <a:endParaRPr lang="en-US" dirty="0"/>
           </a:p>
         </p:txBody>
       </p:sp>
@@ -3835,10 +3089,7 @@
             </a:lvl1pPr>
           </a:lstStyle>
           <a:p>
-            <a:r>
-              <a:rPr lang="en-US" dirty="0"/>
-              <a:t>Pitch Deck</a:t>
-            </a:r>
+            <a:endParaRPr lang="en-US" dirty="0"/>
           </a:p>
         </p:txBody>
       </p:sp>
@@ -4409,10 +3660,7 @@
             </a:lvl1pPr>
           </a:lstStyle>
           <a:p>
-            <a:r>
-              <a:rPr lang="en-US" dirty="0"/>
-              <a:t>20XX</a:t>
-            </a:r>
+            <a:endParaRPr lang="en-US" dirty="0"/>
           </a:p>
         </p:txBody>
       </p:sp>
@@ -4446,10 +3694,7 @@
             </a:lvl1pPr>
           </a:lstStyle>
           <a:p>
-            <a:r>
-              <a:rPr lang="en-US" dirty="0"/>
-              <a:t>Pitch Deck</a:t>
-            </a:r>
+            <a:endParaRPr lang="en-US" dirty="0"/>
           </a:p>
         </p:txBody>
       </p:sp>
@@ -5969,10 +5214,7 @@
             </a:lvl1pPr>
           </a:lstStyle>
           <a:p>
-            <a:r>
-              <a:rPr lang="en-US" noProof="0" dirty="0"/>
-              <a:t>20XX</a:t>
-            </a:r>
+            <a:endParaRPr lang="en-US" noProof="0" dirty="0"/>
           </a:p>
         </p:txBody>
       </p:sp>
@@ -6006,10 +5248,7 @@
             </a:lvl1pPr>
           </a:lstStyle>
           <a:p>
-            <a:r>
-              <a:rPr lang="en-US" noProof="0" dirty="0"/>
-              <a:t>Pitch Deck</a:t>
-            </a:r>
+            <a:endParaRPr lang="en-US" noProof="0" dirty="0"/>
           </a:p>
         </p:txBody>
       </p:sp>
@@ -6155,10 +5394,7 @@
             </a:lvl1pPr>
           </a:lstStyle>
           <a:p>
-            <a:r>
-              <a:rPr lang="en-US" dirty="0"/>
-              <a:t>20XX</a:t>
-            </a:r>
+            <a:endParaRPr lang="en-US" dirty="0"/>
           </a:p>
         </p:txBody>
       </p:sp>
@@ -6187,10 +5423,7 @@
             </a:lvl1pPr>
           </a:lstStyle>
           <a:p>
-            <a:r>
-              <a:rPr lang="en-US" dirty="0"/>
-              <a:t>Pitch Deck</a:t>
-            </a:r>
+            <a:endParaRPr lang="en-US" dirty="0"/>
           </a:p>
         </p:txBody>
       </p:sp>
@@ -7381,10 +6614,7 @@
             </a:lvl1pPr>
           </a:lstStyle>
           <a:p>
-            <a:r>
-              <a:rPr lang="en-US" dirty="0"/>
-              <a:t>20XX</a:t>
-            </a:r>
+            <a:endParaRPr lang="en-US" dirty="0"/>
           </a:p>
         </p:txBody>
       </p:sp>
@@ -7413,10 +6643,7 @@
             </a:lvl1pPr>
           </a:lstStyle>
           <a:p>
-            <a:r>
-              <a:rPr lang="en-US" dirty="0"/>
-              <a:t>Pitch Deck</a:t>
-            </a:r>
+            <a:endParaRPr lang="en-US" dirty="0"/>
           </a:p>
         </p:txBody>
       </p:sp>
@@ -9458,10 +8685,7 @@
             </a:lvl1pPr>
           </a:lstStyle>
           <a:p>
-            <a:r>
-              <a:rPr lang="en-US" dirty="0"/>
-              <a:t>20XX</a:t>
-            </a:r>
+            <a:endParaRPr lang="en-US" dirty="0"/>
           </a:p>
         </p:txBody>
       </p:sp>
@@ -9494,10 +8718,7 @@
             </a:lvl1pPr>
           </a:lstStyle>
           <a:p>
-            <a:r>
-              <a:rPr lang="en-US" dirty="0"/>
-              <a:t>Pitch Deck</a:t>
-            </a:r>
+            <a:endParaRPr lang="en-US" dirty="0"/>
           </a:p>
         </p:txBody>
       </p:sp>
@@ -11041,10 +10262,7 @@
             </a:lvl1pPr>
           </a:lstStyle>
           <a:p>
-            <a:r>
-              <a:rPr lang="en-US" dirty="0"/>
-              <a:t>20XX</a:t>
-            </a:r>
+            <a:endParaRPr lang="en-US" dirty="0"/>
           </a:p>
         </p:txBody>
       </p:sp>
@@ -11073,10 +10291,7 @@
             </a:lvl1pPr>
           </a:lstStyle>
           <a:p>
-            <a:r>
-              <a:rPr lang="en-US" dirty="0"/>
-              <a:t>Pitch Deck</a:t>
-            </a:r>
+            <a:endParaRPr lang="en-US" dirty="0"/>
           </a:p>
         </p:txBody>
       </p:sp>
@@ -11443,10 +10658,7 @@
             </a:lvl1pPr>
           </a:lstStyle>
           <a:p>
-            <a:r>
-              <a:rPr lang="en-US" dirty="0"/>
-              <a:t>20XX</a:t>
-            </a:r>
+            <a:endParaRPr lang="en-US" dirty="0"/>
           </a:p>
         </p:txBody>
       </p:sp>
@@ -11480,10 +10692,7 @@
             </a:lvl1pPr>
           </a:lstStyle>
           <a:p>
-            <a:r>
-              <a:rPr lang="en-US" dirty="0"/>
-              <a:t>Pitch Deck</a:t>
-            </a:r>
+            <a:endParaRPr lang="en-US" dirty="0"/>
           </a:p>
         </p:txBody>
       </p:sp>
@@ -11768,10 +10977,7 @@
             </a:lvl1pPr>
           </a:lstStyle>
           <a:p>
-            <a:r>
-              <a:rPr lang="en-US" dirty="0"/>
-              <a:t>20XX</a:t>
-            </a:r>
+            <a:endParaRPr lang="en-US" dirty="0"/>
           </a:p>
         </p:txBody>
       </p:sp>
@@ -11805,10 +11011,7 @@
             </a:lvl1pPr>
           </a:lstStyle>
           <a:p>
-            <a:r>
-              <a:rPr lang="en-US" dirty="0"/>
-              <a:t>Pitch Deck</a:t>
-            </a:r>
+            <a:endParaRPr lang="en-US" dirty="0"/>
           </a:p>
         </p:txBody>
       </p:sp>
@@ -12149,10 +11352,7 @@
             </a:lvl1pPr>
           </a:lstStyle>
           <a:p>
-            <a:r>
-              <a:rPr lang="en-US" dirty="0"/>
-              <a:t>20XX</a:t>
-            </a:r>
+            <a:endParaRPr lang="en-US" dirty="0"/>
           </a:p>
         </p:txBody>
       </p:sp>
@@ -12186,10 +11386,7 @@
             </a:lvl1pPr>
           </a:lstStyle>
           <a:p>
-            <a:r>
-              <a:rPr lang="en-US" dirty="0"/>
-              <a:t>Pitch Deck</a:t>
-            </a:r>
+            <a:endParaRPr lang="en-US" dirty="0"/>
           </a:p>
         </p:txBody>
       </p:sp>
@@ -13010,10 +12207,7 @@
             </a:lvl1pPr>
           </a:lstStyle>
           <a:p>
-            <a:r>
-              <a:rPr lang="en-US" dirty="0"/>
-              <a:t>20XX</a:t>
-            </a:r>
+            <a:endParaRPr lang="en-US" dirty="0"/>
           </a:p>
         </p:txBody>
       </p:sp>
@@ -13047,10 +12241,7 @@
             </a:lvl1pPr>
           </a:lstStyle>
           <a:p>
-            <a:r>
-              <a:rPr lang="en-US" dirty="0"/>
-              <a:t>Pitch Deck</a:t>
-            </a:r>
+            <a:endParaRPr lang="en-US" dirty="0"/>
           </a:p>
         </p:txBody>
       </p:sp>
@@ -13639,10 +12830,7 @@
           <a:bodyPr/>
           <a:lstStyle/>
           <a:p>
-            <a:r>
-              <a:rPr lang="en-US" dirty="0"/>
-              <a:t>20XX</a:t>
-            </a:r>
+            <a:endParaRPr lang="en-US" dirty="0"/>
           </a:p>
         </p:txBody>
       </p:sp>
@@ -13667,10 +12855,7 @@
           <a:bodyPr/>
           <a:lstStyle/>
           <a:p>
-            <a:r>
-              <a:rPr lang="en-US" dirty="0"/>
-              <a:t>Pitch Deck</a:t>
-            </a:r>
+            <a:endParaRPr lang="en-US" dirty="0"/>
           </a:p>
         </p:txBody>
       </p:sp>
@@ -14392,10 +13577,7 @@
             </a:lvl1pPr>
           </a:lstStyle>
           <a:p>
-            <a:r>
-              <a:rPr lang="en-US" dirty="0"/>
-              <a:t>20XX</a:t>
-            </a:r>
+            <a:endParaRPr lang="en-US" dirty="0"/>
           </a:p>
         </p:txBody>
       </p:sp>
@@ -14429,10 +13611,7 @@
             </a:lvl1pPr>
           </a:lstStyle>
           <a:p>
-            <a:r>
-              <a:rPr lang="en-US" dirty="0"/>
-              <a:t>Pitch Deck</a:t>
-            </a:r>
+            <a:endParaRPr lang="en-US" dirty="0"/>
           </a:p>
         </p:txBody>
       </p:sp>
@@ -14847,10 +14026,7 @@
             </a:lvl1pPr>
           </a:lstStyle>
           <a:p>
-            <a:r>
-              <a:rPr lang="en-US" dirty="0"/>
-              <a:t>20XX</a:t>
-            </a:r>
+            <a:endParaRPr lang="en-US" dirty="0"/>
           </a:p>
         </p:txBody>
       </p:sp>
@@ -14884,10 +14060,7 @@
             </a:lvl1pPr>
           </a:lstStyle>
           <a:p>
-            <a:r>
-              <a:rPr lang="en-US" dirty="0"/>
-              <a:t>Pitch Deck</a:t>
-            </a:r>
+            <a:endParaRPr lang="en-US" dirty="0"/>
           </a:p>
         </p:txBody>
       </p:sp>
@@ -15546,10 +14719,7 @@
             </a:lvl1pPr>
           </a:lstStyle>
           <a:p>
-            <a:r>
-              <a:rPr lang="en-US" dirty="0"/>
-              <a:t>20XX</a:t>
-            </a:r>
+            <a:endParaRPr lang="en-US" dirty="0"/>
           </a:p>
         </p:txBody>
       </p:sp>
@@ -15583,10 +14753,7 @@
             </a:lvl1pPr>
           </a:lstStyle>
           <a:p>
-            <a:r>
-              <a:rPr lang="en-US" dirty="0"/>
-              <a:t>Pitch Deck</a:t>
-            </a:r>
+            <a:endParaRPr lang="en-US" dirty="0"/>
           </a:p>
         </p:txBody>
       </p:sp>
@@ -16401,10 +15568,7 @@
             </a:lvl1pPr>
           </a:lstStyle>
           <a:p>
-            <a:r>
-              <a:rPr lang="en-US" dirty="0"/>
-              <a:t>20XX</a:t>
-            </a:r>
+            <a:endParaRPr lang="en-US" dirty="0"/>
           </a:p>
         </p:txBody>
       </p:sp>
@@ -16433,10 +15597,7 @@
             </a:lvl1pPr>
           </a:lstStyle>
           <a:p>
-            <a:r>
-              <a:rPr lang="en-US" dirty="0"/>
-              <a:t>Pitch Deck</a:t>
-            </a:r>
+            <a:endParaRPr lang="en-US" dirty="0"/>
           </a:p>
         </p:txBody>
       </p:sp>
@@ -16749,10 +15910,7 @@
             </a:lvl1pPr>
           </a:lstStyle>
           <a:p>
-            <a:r>
-              <a:rPr lang="en-US" dirty="0"/>
-              <a:t>20XX</a:t>
-            </a:r>
+            <a:endParaRPr lang="en-US" dirty="0"/>
           </a:p>
         </p:txBody>
       </p:sp>
@@ -16795,10 +15953,7 @@
             </a:lvl1pPr>
           </a:lstStyle>
           <a:p>
-            <a:r>
-              <a:rPr lang="en-US" dirty="0"/>
-              <a:t>Pitch Deck</a:t>
-            </a:r>
+            <a:endParaRPr lang="en-US" dirty="0"/>
           </a:p>
         </p:txBody>
       </p:sp>
@@ -16879,7 +16034,7 @@
     <p:sldLayoutId id="2147483677" r:id="rId18"/>
     <p:sldLayoutId id="2147483678" r:id="rId19"/>
   </p:sldLayoutIdLst>
-  <p:hf hdr="0"/>
+  <p:hf sldNum="0" hdr="0" ftr="0" dt="0"/>
   <p:txStyles>
     <p:titleStyle>
       <a:lvl1pPr algn="l" defTabSz="914400" rtl="0" eaLnBrk="1" latinLnBrk="0" hangingPunct="1">
@@ -17309,347 +16464,661 @@
       </p:grpSpPr>
       <p:sp>
         <p:nvSpPr>
-          <p:cNvPr id="3" name="Text Placeholder 2">
-            <a:extLst>
-              <a:ext uri="{FF2B5EF4-FFF2-40B4-BE49-F238E27FC236}">
-                <a16:creationId xmlns:a16="http://schemas.microsoft.com/office/drawing/2014/main" id="{D6AA6845-4445-1524-513E-6A11C0E7FF2A}"/>
-              </a:ext>
-            </a:extLst>
-          </p:cNvPr>
-          <p:cNvSpPr>
-            <a:spLocks noGrp="1"/>
-          </p:cNvSpPr>
-          <p:nvPr>
-            <p:ph type="body" idx="1"/>
-          </p:nvPr>
-        </p:nvSpPr>
-        <p:spPr>
-          <a:xfrm>
-            <a:off x="959370" y="884420"/>
-            <a:ext cx="9863528" cy="4796852"/>
-          </a:xfrm>
-        </p:spPr>
-        <p:txBody>
-          <a:bodyPr>
-            <a:normAutofit/>
-          </a:bodyPr>
+          <p:cNvPr id="6" name="Content Placeholder 5">
+            <a:extLst>
+              <a:ext uri="{FF2B5EF4-FFF2-40B4-BE49-F238E27FC236}">
+                <a16:creationId xmlns:a16="http://schemas.microsoft.com/office/drawing/2014/main" id="{0A4A21D8-D279-2F19-B41B-6633BFB0DAFF}"/>
+              </a:ext>
+            </a:extLst>
+          </p:cNvPr>
+          <p:cNvSpPr>
+            <a:spLocks noGrp="1"/>
+          </p:cNvSpPr>
+          <p:nvPr>
+            <p:ph sz="quarter" idx="16"/>
+          </p:nvPr>
+        </p:nvSpPr>
+        <p:spPr>
+          <a:xfrm>
+            <a:off x="986589" y="673768"/>
+            <a:ext cx="10855640" cy="5682582"/>
+          </a:xfrm>
+        </p:spPr>
+        <p:txBody>
+          <a:bodyPr/>
           <a:lstStyle/>
           <a:p>
-            <a:pPr marL="457200" indent="-457200">
-              <a:buFont typeface="Arial" panose="020B0604020202020204" pitchFamily="34" charset="0"/>
-              <a:buChar char="•"/>
-            </a:pPr>
-            <a:r>
-              <a:rPr lang="en-IN" sz="2800" b="1" dirty="0">
+            <a:r>
+              <a:rPr lang="en-IN" b="1" dirty="0">
                 <a:solidFill>
                   <a:schemeClr val="tx1"/>
                 </a:solidFill>
                 <a:latin typeface="Arial" panose="020B0604020202020204" pitchFamily="34" charset="0"/>
                 <a:cs typeface="Arial" panose="020B0604020202020204" pitchFamily="34" charset="0"/>
               </a:rPr>
-              <a:t>ADVANTAGES</a:t>
-            </a:r>
-            <a:r>
-              <a:rPr lang="en-IN" sz="2800" b="1" dirty="0">
+              <a:t> OOP FEATURES IN JAVA</a:t>
+            </a:r>
+          </a:p>
+          <a:p>
+            <a:pPr marL="0" indent="0">
+              <a:buNone/>
+            </a:pPr>
+            <a:endParaRPr lang="en-IN" b="1" dirty="0">
+              <a:solidFill>
+                <a:schemeClr val="tx1"/>
+              </a:solidFill>
+            </a:endParaRPr>
+          </a:p>
+        </p:txBody>
+      </p:sp>
+      <p:sp>
+        <p:nvSpPr>
+          <p:cNvPr id="9" name="Rectangle 1">
+            <a:extLst>
+              <a:ext uri="{FF2B5EF4-FFF2-40B4-BE49-F238E27FC236}">
+                <a16:creationId xmlns:a16="http://schemas.microsoft.com/office/drawing/2014/main" id="{92EEFBF7-3E80-D39A-7362-C8DF67CAB559}"/>
+              </a:ext>
+            </a:extLst>
+          </p:cNvPr>
+          <p:cNvSpPr>
+            <a:spLocks noChangeArrowheads="1"/>
+          </p:cNvSpPr>
+          <p:nvPr/>
+        </p:nvSpPr>
+        <p:spPr bwMode="auto">
+          <a:xfrm>
+            <a:off x="1289154" y="1296699"/>
+            <a:ext cx="9779899" cy="5170646"/>
+          </a:xfrm>
+          <a:prstGeom prst="rect">
+            <a:avLst/>
+          </a:prstGeom>
+          <a:noFill/>
+          <a:ln>
+            <a:noFill/>
+          </a:ln>
+          <a:effectLst/>
+          <a:extLst>
+            <a:ext uri="{909E8E84-426E-40DD-AFC4-6F175D3DCCD1}">
+              <a14:hiddenFill xmlns:a14="http://schemas.microsoft.com/office/drawing/2010/main">
+                <a:solidFill>
+                  <a:schemeClr val="accent1"/>
+                </a:solidFill>
+              </a14:hiddenFill>
+            </a:ext>
+            <a:ext uri="{91240B29-F687-4F45-9708-019B960494DF}">
+              <a14:hiddenLine xmlns:a14="http://schemas.microsoft.com/office/drawing/2010/main" w="9525">
                 <a:solidFill>
                   <a:schemeClr val="tx1"/>
                 </a:solidFill>
-              </a:rPr>
-              <a:t> </a:t>
-            </a:r>
-            <a:r>
-              <a:rPr lang="en-IN" sz="2800" b="1" dirty="0">
-                <a:solidFill>
-                  <a:schemeClr val="tx1"/>
-                </a:solidFill>
-                <a:latin typeface="Arial" panose="020B0604020202020204" pitchFamily="34" charset="0"/>
-                <a:cs typeface="Arial" panose="020B0604020202020204" pitchFamily="34" charset="0"/>
-              </a:rPr>
-              <a:t>OF OOP</a:t>
-            </a:r>
-          </a:p>
-          <a:p>
-            <a:endParaRPr lang="en-IN" sz="2800" b="1" dirty="0"/>
-          </a:p>
-          <a:p>
-            <a:pPr lvl="1">
-              <a:buFont typeface="+mj-lt"/>
-              <a:buAutoNum type="arabicPeriod"/>
+                <a:miter lim="800000"/>
+                <a:headEnd/>
+                <a:tailEnd/>
+              </a14:hiddenLine>
+            </a:ext>
+            <a:ext uri="{AF507438-7753-43E0-B8FC-AC1667EBCBE1}">
+              <a14:hiddenEffects xmlns:a14="http://schemas.microsoft.com/office/drawing/2010/main">
+                <a:effectLst>
+                  <a:outerShdw dist="35921" dir="2700000" algn="ctr" rotWithShape="0">
+                    <a:schemeClr val="bg2"/>
+                  </a:outerShdw>
+                </a:effectLst>
+              </a14:hiddenEffects>
+            </a:ext>
+          </a:extLst>
+        </p:spPr>
+        <p:txBody>
+          <a:bodyPr vert="horz" wrap="square" lIns="91440" tIns="45720" rIns="91440" bIns="45720" numCol="1" anchor="ctr" anchorCtr="0" compatLnSpc="1">
+            <a:prstTxWarp prst="textNoShape">
+              <a:avLst/>
+            </a:prstTxWarp>
+            <a:spAutoFit/>
+          </a:bodyPr>
+          <a:lstStyle/>
+          <a:p>
+            <a:pPr marL="0" marR="0" lvl="0" indent="0" algn="l" defTabSz="914400" rtl="0" eaLnBrk="0" fontAlgn="base" latinLnBrk="0" hangingPunct="0">
+              <a:lnSpc>
+                <a:spcPct val="100000"/>
+              </a:lnSpc>
+              <a:spcBef>
+                <a:spcPct val="0"/>
+              </a:spcBef>
+              <a:spcAft>
+                <a:spcPct val="0"/>
+              </a:spcAft>
+              <a:buClrTx/>
+              <a:buSzTx/>
+              <a:tabLst/>
             </a:pPr>
             <a:r>
-              <a:rPr lang="en-IN" sz="2400" b="1" dirty="0">
+              <a:rPr kumimoji="0" lang="en-US" altLang="en-US" sz="2400" b="1" i="0" u="none" strike="noStrike" cap="none" normalizeH="0" baseline="0" dirty="0">
+                <a:ln>
+                  <a:noFill/>
+                </a:ln>
                 <a:solidFill>
                   <a:schemeClr val="tx1">
                     <a:lumMod val="75000"/>
                     <a:lumOff val="25000"/>
                   </a:schemeClr>
                 </a:solidFill>
+                <a:effectLst/>
                 <a:latin typeface="Arial" panose="020B0604020202020204" pitchFamily="34" charset="0"/>
-                <a:cs typeface="Arial" panose="020B0604020202020204" pitchFamily="34" charset="0"/>
               </a:rPr>
-              <a:t>Modularity:</a:t>
-            </a:r>
-            <a:r>
-              <a:rPr lang="en-IN" sz="2400" dirty="0">
+              <a:t>1. Classes and Objects</a:t>
+            </a:r>
+          </a:p>
+          <a:p>
+            <a:pPr lvl="1" eaLnBrk="0" fontAlgn="base" hangingPunct="0">
+              <a:spcBef>
+                <a:spcPct val="0"/>
+              </a:spcBef>
+              <a:spcAft>
+                <a:spcPct val="0"/>
+              </a:spcAft>
+              <a:buFontTx/>
+              <a:buChar char="•"/>
+            </a:pPr>
+            <a:r>
+              <a:rPr kumimoji="0" lang="en-US" altLang="en-US" sz="2400" i="0" u="none" strike="noStrike" cap="none" normalizeH="0" baseline="0" dirty="0">
+                <a:ln>
+                  <a:noFill/>
+                </a:ln>
                 <a:solidFill>
                   <a:schemeClr val="tx1">
                     <a:lumMod val="75000"/>
                     <a:lumOff val="25000"/>
                   </a:schemeClr>
                 </a:solidFill>
+                <a:effectLst/>
                 <a:latin typeface="Arial" panose="020B0604020202020204" pitchFamily="34" charset="0"/>
-                <a:cs typeface="Arial" panose="020B0604020202020204" pitchFamily="34" charset="0"/>
               </a:rPr>
-              <a:t> Easy to debug and maintain.</a:t>
-            </a:r>
-          </a:p>
-          <a:p>
-            <a:pPr marL="971550" lvl="1" indent="-514350">
-              <a:buFont typeface="+mj-lt"/>
-              <a:buAutoNum type="arabicPeriod"/>
+              <a:t> Class: Blueprint for creating objects.</a:t>
+            </a:r>
+          </a:p>
+          <a:p>
+            <a:pPr lvl="1" eaLnBrk="0" fontAlgn="base" hangingPunct="0">
+              <a:spcBef>
+                <a:spcPct val="0"/>
+              </a:spcBef>
+              <a:spcAft>
+                <a:spcPct val="0"/>
+              </a:spcAft>
+              <a:buFontTx/>
+              <a:buChar char="•"/>
             </a:pPr>
-            <a:endParaRPr lang="en-IN" sz="2400" dirty="0">
+            <a:r>
+              <a:rPr kumimoji="0" lang="en-US" altLang="en-US" sz="2400" i="0" u="none" strike="noStrike" cap="none" normalizeH="0" baseline="0" dirty="0">
+                <a:ln>
+                  <a:noFill/>
+                </a:ln>
+                <a:solidFill>
+                  <a:schemeClr val="tx1">
+                    <a:lumMod val="75000"/>
+                    <a:lumOff val="25000"/>
+                  </a:schemeClr>
+                </a:solidFill>
+                <a:effectLst/>
+                <a:latin typeface="Arial" panose="020B0604020202020204" pitchFamily="34" charset="0"/>
+              </a:rPr>
+              <a:t> Object: Instance of a class.</a:t>
+            </a:r>
+          </a:p>
+          <a:p>
+            <a:pPr lvl="1" eaLnBrk="0" fontAlgn="base" hangingPunct="0">
+              <a:spcBef>
+                <a:spcPct val="0"/>
+              </a:spcBef>
+              <a:spcAft>
+                <a:spcPct val="0"/>
+              </a:spcAft>
+            </a:pPr>
+            <a:endParaRPr kumimoji="0" lang="en-US" altLang="en-US" sz="2400" i="0" u="none" strike="noStrike" cap="none" normalizeH="0" baseline="0" dirty="0">
+              <a:ln>
+                <a:noFill/>
+              </a:ln>
               <a:solidFill>
                 <a:schemeClr val="tx1">
                   <a:lumMod val="75000"/>
                   <a:lumOff val="25000"/>
                 </a:schemeClr>
               </a:solidFill>
+              <a:effectLst/>
               <a:latin typeface="Arial" panose="020B0604020202020204" pitchFamily="34" charset="0"/>
-              <a:cs typeface="Arial" panose="020B0604020202020204" pitchFamily="34" charset="0"/>
             </a:endParaRPr>
           </a:p>
           <a:p>
-            <a:pPr lvl="1">
-              <a:buFont typeface="+mj-lt"/>
-              <a:buAutoNum type="arabicPeriod"/>
+            <a:pPr marL="0" marR="0" lvl="0" indent="0" algn="l" defTabSz="914400" rtl="0" eaLnBrk="0" fontAlgn="base" latinLnBrk="0" hangingPunct="0">
+              <a:lnSpc>
+                <a:spcPct val="100000"/>
+              </a:lnSpc>
+              <a:spcBef>
+                <a:spcPct val="0"/>
+              </a:spcBef>
+              <a:spcAft>
+                <a:spcPct val="0"/>
+              </a:spcAft>
+              <a:buClrTx/>
+              <a:buSzTx/>
+              <a:tabLst/>
             </a:pPr>
             <a:r>
-              <a:rPr lang="en-IN" sz="2400" b="1" dirty="0">
+              <a:rPr kumimoji="0" lang="en-US" altLang="en-US" sz="2400" b="1" i="0" u="none" strike="noStrike" cap="none" normalizeH="0" baseline="0" dirty="0">
+                <a:ln>
+                  <a:noFill/>
+                </a:ln>
                 <a:solidFill>
                   <a:schemeClr val="tx1">
                     <a:lumMod val="75000"/>
                     <a:lumOff val="25000"/>
                   </a:schemeClr>
                 </a:solidFill>
+                <a:effectLst/>
                 <a:latin typeface="Arial" panose="020B0604020202020204" pitchFamily="34" charset="0"/>
-                <a:cs typeface="Arial" panose="020B0604020202020204" pitchFamily="34" charset="0"/>
               </a:rPr>
-              <a:t>Reusability:</a:t>
-            </a:r>
-            <a:r>
-              <a:rPr lang="en-IN" sz="2400" dirty="0">
-                <a:solidFill>
-                  <a:schemeClr val="tx1">
-                    <a:lumMod val="75000"/>
-                    <a:lumOff val="25000"/>
-                  </a:schemeClr>
-                </a:solidFill>
-                <a:latin typeface="Arial" panose="020B0604020202020204" pitchFamily="34" charset="0"/>
-                <a:cs typeface="Arial" panose="020B0604020202020204" pitchFamily="34" charset="0"/>
-              </a:rPr>
-              <a:t> Use existing code through inheritance.</a:t>
-            </a:r>
-          </a:p>
-          <a:p>
-            <a:pPr marL="971550" lvl="1" indent="-514350">
-              <a:buFont typeface="+mj-lt"/>
-              <a:buAutoNum type="arabicPeriod"/>
-            </a:pPr>
-            <a:endParaRPr lang="en-IN" sz="2400" dirty="0">
+              <a:t>2. Constructors</a:t>
+            </a:r>
+            <a:endParaRPr kumimoji="0" lang="en-US" altLang="en-US" sz="2400" b="0" i="0" u="none" strike="noStrike" cap="none" normalizeH="0" baseline="0" dirty="0">
+              <a:ln>
+                <a:noFill/>
+              </a:ln>
               <a:solidFill>
                 <a:schemeClr val="tx1">
                   <a:lumMod val="75000"/>
                   <a:lumOff val="25000"/>
                 </a:schemeClr>
               </a:solidFill>
+              <a:effectLst/>
               <a:latin typeface="Arial" panose="020B0604020202020204" pitchFamily="34" charset="0"/>
-              <a:cs typeface="Arial" panose="020B0604020202020204" pitchFamily="34" charset="0"/>
             </a:endParaRPr>
           </a:p>
           <a:p>
-            <a:pPr lvl="1">
-              <a:buFont typeface="+mj-lt"/>
-              <a:buAutoNum type="arabicPeriod"/>
+            <a:pPr lvl="1" eaLnBrk="0" fontAlgn="base" hangingPunct="0">
+              <a:spcBef>
+                <a:spcPct val="0"/>
+              </a:spcBef>
+              <a:spcAft>
+                <a:spcPct val="0"/>
+              </a:spcAft>
+              <a:buFontTx/>
+              <a:buChar char="•"/>
             </a:pPr>
             <a:r>
-              <a:rPr lang="en-IN" sz="2400" b="1" dirty="0">
+              <a:rPr kumimoji="0" lang="en-US" altLang="en-US" sz="2400" b="0" i="0" u="none" strike="noStrike" cap="none" normalizeH="0" baseline="0" dirty="0">
+                <a:ln>
+                  <a:noFill/>
+                </a:ln>
                 <a:solidFill>
                   <a:schemeClr val="tx1">
                     <a:lumMod val="75000"/>
                     <a:lumOff val="25000"/>
                   </a:schemeClr>
                 </a:solidFill>
+                <a:effectLst/>
                 <a:latin typeface="Arial" panose="020B0604020202020204" pitchFamily="34" charset="0"/>
-                <a:cs typeface="Arial" panose="020B0604020202020204" pitchFamily="34" charset="0"/>
               </a:rPr>
-              <a:t>Flexibility:</a:t>
-            </a:r>
-            <a:r>
-              <a:rPr lang="en-IN" sz="2400" dirty="0">
-                <a:solidFill>
-                  <a:schemeClr val="tx1">
-                    <a:lumMod val="75000"/>
-                    <a:lumOff val="25000"/>
-                  </a:schemeClr>
-                </a:solidFill>
-                <a:latin typeface="Arial" panose="020B0604020202020204" pitchFamily="34" charset="0"/>
-                <a:cs typeface="Arial" panose="020B0604020202020204" pitchFamily="34" charset="0"/>
-              </a:rPr>
-              <a:t> Polymorphism simplifies code extensibility.</a:t>
-            </a:r>
-          </a:p>
-          <a:p>
-            <a:pPr marL="971550" lvl="1" indent="-514350">
-              <a:buFont typeface="+mj-lt"/>
-              <a:buAutoNum type="arabicPeriod"/>
+              <a:t> Special methods to initialize objects.</a:t>
+            </a:r>
+          </a:p>
+          <a:p>
+            <a:pPr lvl="1" eaLnBrk="0" fontAlgn="base" hangingPunct="0">
+              <a:spcBef>
+                <a:spcPct val="0"/>
+              </a:spcBef>
+              <a:spcAft>
+                <a:spcPct val="0"/>
+              </a:spcAft>
             </a:pPr>
-            <a:endParaRPr lang="en-IN" sz="2400" dirty="0">
+            <a:endParaRPr kumimoji="0" lang="en-US" altLang="en-US" sz="2400" b="0" i="0" u="none" strike="noStrike" cap="none" normalizeH="0" baseline="0" dirty="0">
+              <a:ln>
+                <a:noFill/>
+              </a:ln>
               <a:solidFill>
                 <a:schemeClr val="tx1">
                   <a:lumMod val="75000"/>
                   <a:lumOff val="25000"/>
                 </a:schemeClr>
               </a:solidFill>
+              <a:effectLst/>
               <a:latin typeface="Arial" panose="020B0604020202020204" pitchFamily="34" charset="0"/>
-              <a:cs typeface="Arial" panose="020B0604020202020204" pitchFamily="34" charset="0"/>
             </a:endParaRPr>
           </a:p>
           <a:p>
-            <a:pPr lvl="1">
-              <a:buFont typeface="+mj-lt"/>
-              <a:buAutoNum type="arabicPeriod"/>
+            <a:pPr marL="0" marR="0" lvl="0" indent="0" algn="l" defTabSz="914400" rtl="0" eaLnBrk="0" fontAlgn="base" latinLnBrk="0" hangingPunct="0">
+              <a:lnSpc>
+                <a:spcPct val="100000"/>
+              </a:lnSpc>
+              <a:spcBef>
+                <a:spcPct val="0"/>
+              </a:spcBef>
+              <a:spcAft>
+                <a:spcPct val="0"/>
+              </a:spcAft>
+              <a:buClrTx/>
+              <a:buSzTx/>
+              <a:tabLst/>
             </a:pPr>
             <a:r>
-              <a:rPr lang="en-IN" sz="2400" b="1" dirty="0">
+              <a:rPr kumimoji="0" lang="en-US" altLang="en-US" sz="2400" b="1" i="0" u="none" strike="noStrike" cap="none" normalizeH="0" baseline="0" dirty="0">
+                <a:ln>
+                  <a:noFill/>
+                </a:ln>
                 <a:solidFill>
                   <a:schemeClr val="tx1">
                     <a:lumMod val="75000"/>
                     <a:lumOff val="25000"/>
                   </a:schemeClr>
                 </a:solidFill>
+                <a:effectLst/>
                 <a:latin typeface="Arial" panose="020B0604020202020204" pitchFamily="34" charset="0"/>
-                <a:cs typeface="Arial" panose="020B0604020202020204" pitchFamily="34" charset="0"/>
               </a:rPr>
-              <a:t>Security:</a:t>
-            </a:r>
-            <a:r>
-              <a:rPr lang="en-IN" sz="2400" dirty="0">
+              <a:t>3. Access Modifiers</a:t>
+            </a:r>
+            <a:endParaRPr kumimoji="0" lang="en-US" altLang="en-US" sz="2400" b="0" i="0" u="none" strike="noStrike" cap="none" normalizeH="0" baseline="0" dirty="0">
+              <a:ln>
+                <a:noFill/>
+              </a:ln>
+              <a:solidFill>
+                <a:schemeClr val="tx1">
+                  <a:lumMod val="75000"/>
+                  <a:lumOff val="25000"/>
+                </a:schemeClr>
+              </a:solidFill>
+              <a:effectLst/>
+              <a:latin typeface="Arial" panose="020B0604020202020204" pitchFamily="34" charset="0"/>
+            </a:endParaRPr>
+          </a:p>
+          <a:p>
+            <a:pPr lvl="1" eaLnBrk="0" fontAlgn="base" hangingPunct="0">
+              <a:spcBef>
+                <a:spcPct val="0"/>
+              </a:spcBef>
+              <a:spcAft>
+                <a:spcPct val="0"/>
+              </a:spcAft>
+              <a:buFontTx/>
+              <a:buChar char="•"/>
+            </a:pPr>
+            <a:r>
+              <a:rPr kumimoji="0" lang="en-US" altLang="en-US" sz="2400" b="0" i="0" u="none" strike="noStrike" cap="none" normalizeH="0" baseline="0" dirty="0">
+                <a:ln>
+                  <a:noFill/>
+                </a:ln>
                 <a:solidFill>
                   <a:schemeClr val="tx1">
                     <a:lumMod val="75000"/>
                     <a:lumOff val="25000"/>
                   </a:schemeClr>
                 </a:solidFill>
+                <a:effectLst/>
                 <a:latin typeface="Arial" panose="020B0604020202020204" pitchFamily="34" charset="0"/>
-                <a:cs typeface="Arial" panose="020B0604020202020204" pitchFamily="34" charset="0"/>
               </a:rPr>
-              <a:t> Encapsulation protects sensitive data</a:t>
-            </a:r>
-            <a:r>
-              <a:rPr lang="en-IN" sz="2400" dirty="0">
+              <a:t> Control visibility (e.g., </a:t>
+            </a:r>
+            <a:r>
+              <a:rPr kumimoji="0" lang="en-US" altLang="en-US" sz="2400" b="0" i="0" u="none" strike="noStrike" cap="none" normalizeH="0" baseline="0" dirty="0">
+                <a:ln>
+                  <a:noFill/>
+                </a:ln>
+                <a:solidFill>
+                  <a:schemeClr val="tx1">
+                    <a:lumMod val="75000"/>
+                    <a:lumOff val="25000"/>
+                  </a:schemeClr>
+                </a:solidFill>
+                <a:effectLst/>
+                <a:latin typeface="Arial Unicode MS"/>
+              </a:rPr>
+              <a:t>private</a:t>
+            </a:r>
+            <a:r>
+              <a:rPr kumimoji="0" lang="en-US" altLang="en-US" sz="2400" b="0" i="0" u="none" strike="noStrike" cap="none" normalizeH="0" baseline="0" dirty="0">
+                <a:ln>
+                  <a:noFill/>
+                </a:ln>
+                <a:solidFill>
+                  <a:schemeClr val="tx1">
+                    <a:lumMod val="75000"/>
+                    <a:lumOff val="25000"/>
+                  </a:schemeClr>
+                </a:solidFill>
+                <a:effectLst/>
+              </a:rPr>
+              <a:t>, </a:t>
+            </a:r>
+            <a:r>
+              <a:rPr kumimoji="0" lang="en-US" altLang="en-US" sz="2400" b="0" i="0" u="none" strike="noStrike" cap="none" normalizeH="0" baseline="0" dirty="0">
+                <a:ln>
+                  <a:noFill/>
+                </a:ln>
+                <a:solidFill>
+                  <a:schemeClr val="tx1">
+                    <a:lumMod val="75000"/>
+                    <a:lumOff val="25000"/>
+                  </a:schemeClr>
+                </a:solidFill>
+                <a:effectLst/>
+                <a:latin typeface="Arial Unicode MS"/>
+              </a:rPr>
+              <a:t>public</a:t>
+            </a:r>
+            <a:r>
+              <a:rPr kumimoji="0" lang="en-US" altLang="en-US" sz="2400" b="0" i="0" u="none" strike="noStrike" cap="none" normalizeH="0" baseline="0" dirty="0">
+                <a:ln>
+                  <a:noFill/>
+                </a:ln>
+                <a:solidFill>
+                  <a:schemeClr val="tx1">
+                    <a:lumMod val="75000"/>
+                    <a:lumOff val="25000"/>
+                  </a:schemeClr>
+                </a:solidFill>
+                <a:effectLst/>
+              </a:rPr>
+              <a:t>, </a:t>
+            </a:r>
+            <a:r>
+              <a:rPr kumimoji="0" lang="en-US" altLang="en-US" sz="2400" b="0" i="0" u="none" strike="noStrike" cap="none" normalizeH="0" baseline="0" dirty="0">
+                <a:ln>
+                  <a:noFill/>
+                </a:ln>
+                <a:solidFill>
+                  <a:schemeClr val="tx1">
+                    <a:lumMod val="75000"/>
+                    <a:lumOff val="25000"/>
+                  </a:schemeClr>
+                </a:solidFill>
+                <a:effectLst/>
+                <a:latin typeface="Arial Unicode MS"/>
+              </a:rPr>
+              <a:t>protected</a:t>
+            </a:r>
+            <a:r>
+              <a:rPr kumimoji="0" lang="en-US" altLang="en-US" sz="2400" b="0" i="0" u="none" strike="noStrike" cap="none" normalizeH="0" baseline="0" dirty="0">
+                <a:ln>
+                  <a:noFill/>
+                </a:ln>
+                <a:solidFill>
+                  <a:schemeClr val="tx1">
+                    <a:lumMod val="75000"/>
+                    <a:lumOff val="25000"/>
+                  </a:schemeClr>
+                </a:solidFill>
+                <a:effectLst/>
+              </a:rPr>
+              <a:t>).</a:t>
+            </a:r>
+          </a:p>
+          <a:p>
+            <a:pPr lvl="1" eaLnBrk="0" fontAlgn="base" hangingPunct="0">
+              <a:spcBef>
+                <a:spcPct val="0"/>
+              </a:spcBef>
+              <a:spcAft>
+                <a:spcPct val="0"/>
+              </a:spcAft>
+            </a:pPr>
+            <a:endParaRPr kumimoji="0" lang="en-US" altLang="en-US" sz="2400" b="0" i="0" u="none" strike="noStrike" cap="none" normalizeH="0" baseline="0" dirty="0">
+              <a:ln>
+                <a:noFill/>
+              </a:ln>
+              <a:solidFill>
+                <a:schemeClr val="tx1">
+                  <a:lumMod val="75000"/>
+                  <a:lumOff val="25000"/>
+                </a:schemeClr>
+              </a:solidFill>
+              <a:effectLst/>
+              <a:latin typeface="Arial" panose="020B0604020202020204" pitchFamily="34" charset="0"/>
+            </a:endParaRPr>
+          </a:p>
+          <a:p>
+            <a:pPr marL="0" marR="0" lvl="0" indent="0" algn="l" defTabSz="914400" rtl="0" eaLnBrk="0" fontAlgn="base" latinLnBrk="0" hangingPunct="0">
+              <a:lnSpc>
+                <a:spcPct val="100000"/>
+              </a:lnSpc>
+              <a:spcBef>
+                <a:spcPct val="0"/>
+              </a:spcBef>
+              <a:spcAft>
+                <a:spcPct val="0"/>
+              </a:spcAft>
+              <a:buClrTx/>
+              <a:buSzTx/>
+              <a:tabLst/>
+            </a:pPr>
+            <a:r>
+              <a:rPr kumimoji="0" lang="en-US" altLang="en-US" sz="2400" b="1" i="0" u="none" strike="noStrike" cap="none" normalizeH="0" baseline="0" dirty="0">
+                <a:ln>
+                  <a:noFill/>
+                </a:ln>
+                <a:solidFill>
+                  <a:schemeClr val="tx1">
+                    <a:lumMod val="75000"/>
+                    <a:lumOff val="25000"/>
+                  </a:schemeClr>
+                </a:solidFill>
+                <a:effectLst/>
                 <a:latin typeface="Arial" panose="020B0604020202020204" pitchFamily="34" charset="0"/>
-                <a:cs typeface="Arial" panose="020B0604020202020204" pitchFamily="34" charset="0"/>
+              </a:rPr>
+              <a:t>4. Interfaces and Abstract Classes</a:t>
+            </a:r>
+            <a:endParaRPr kumimoji="0" lang="en-US" altLang="en-US" sz="2400" b="0" i="0" u="none" strike="noStrike" cap="none" normalizeH="0" baseline="0" dirty="0">
+              <a:ln>
+                <a:noFill/>
+              </a:ln>
+              <a:solidFill>
+                <a:schemeClr val="tx1">
+                  <a:lumMod val="75000"/>
+                  <a:lumOff val="25000"/>
+                </a:schemeClr>
+              </a:solidFill>
+              <a:effectLst/>
+              <a:latin typeface="Arial" panose="020B0604020202020204" pitchFamily="34" charset="0"/>
+            </a:endParaRPr>
+          </a:p>
+          <a:p>
+            <a:pPr lvl="1" eaLnBrk="0" fontAlgn="base" hangingPunct="0">
+              <a:spcBef>
+                <a:spcPct val="0"/>
+              </a:spcBef>
+              <a:spcAft>
+                <a:spcPct val="0"/>
+              </a:spcAft>
+              <a:buFontTx/>
+              <a:buChar char="•"/>
+            </a:pPr>
+            <a:r>
+              <a:rPr kumimoji="0" lang="en-US" altLang="en-US" sz="2400" b="0" i="0" u="none" strike="noStrike" cap="none" normalizeH="0" baseline="0" dirty="0">
+                <a:ln>
+                  <a:noFill/>
+                </a:ln>
+                <a:solidFill>
+                  <a:schemeClr val="tx1">
+                    <a:lumMod val="75000"/>
+                    <a:lumOff val="25000"/>
+                  </a:schemeClr>
+                </a:solidFill>
+                <a:effectLst/>
+                <a:latin typeface="Arial" panose="020B0604020202020204" pitchFamily="34" charset="0"/>
+              </a:rPr>
+              <a:t> Interfaces: Define a contract with no implementation.</a:t>
+            </a:r>
+          </a:p>
+          <a:p>
+            <a:pPr lvl="1" eaLnBrk="0" fontAlgn="base" hangingPunct="0">
+              <a:spcBef>
+                <a:spcPct val="0"/>
+              </a:spcBef>
+              <a:spcAft>
+                <a:spcPct val="0"/>
+              </a:spcAft>
+              <a:buFontTx/>
+              <a:buChar char="•"/>
+            </a:pPr>
+            <a:r>
+              <a:rPr kumimoji="0" lang="en-US" altLang="en-US" sz="2400" b="0" i="0" u="none" strike="noStrike" cap="none" normalizeH="0" baseline="0" dirty="0">
+                <a:ln>
+                  <a:noFill/>
+                </a:ln>
+                <a:solidFill>
+                  <a:schemeClr val="tx1">
+                    <a:lumMod val="75000"/>
+                    <a:lumOff val="25000"/>
+                  </a:schemeClr>
+                </a:solidFill>
+                <a:effectLst/>
+                <a:latin typeface="Arial" panose="020B0604020202020204" pitchFamily="34" charset="0"/>
+              </a:rPr>
+              <a:t> Abstract Classes: Provide partial implementation</a:t>
+            </a:r>
+            <a:r>
+              <a:rPr kumimoji="0" lang="en-US" altLang="en-US" sz="2400" b="0" i="0" u="none" strike="noStrike" cap="none" normalizeH="0" baseline="0" dirty="0">
+                <a:ln>
+                  <a:noFill/>
+                </a:ln>
+                <a:solidFill>
+                  <a:schemeClr val="tx1"/>
+                </a:solidFill>
+                <a:effectLst/>
+                <a:latin typeface="Arial" panose="020B0604020202020204" pitchFamily="34" charset="0"/>
               </a:rPr>
               <a:t>.</a:t>
             </a:r>
           </a:p>
           <a:p>
-            <a:endParaRPr lang="en-IN" dirty="0"/>
-          </a:p>
-        </p:txBody>
-      </p:sp>
-      <p:sp>
-        <p:nvSpPr>
-          <p:cNvPr id="4" name="Date Placeholder 3">
-            <a:extLst>
-              <a:ext uri="{FF2B5EF4-FFF2-40B4-BE49-F238E27FC236}">
-                <a16:creationId xmlns:a16="http://schemas.microsoft.com/office/drawing/2014/main" id="{AE3DF5A8-2081-129A-25D1-07D17DA20A1A}"/>
-              </a:ext>
-            </a:extLst>
-          </p:cNvPr>
-          <p:cNvSpPr>
-            <a:spLocks noGrp="1"/>
-          </p:cNvSpPr>
-          <p:nvPr>
-            <p:ph type="dt" sz="half" idx="10"/>
-          </p:nvPr>
-        </p:nvSpPr>
-        <p:spPr/>
-        <p:txBody>
-          <a:bodyPr/>
-          <a:lstStyle/>
-          <a:p>
-            <a:r>
-              <a:rPr lang="en-US"/>
-              <a:t>20XX</a:t>
-            </a:r>
-            <a:endParaRPr lang="en-US" dirty="0"/>
-          </a:p>
-        </p:txBody>
-      </p:sp>
-      <p:sp>
-        <p:nvSpPr>
-          <p:cNvPr id="5" name="Footer Placeholder 4">
-            <a:extLst>
-              <a:ext uri="{FF2B5EF4-FFF2-40B4-BE49-F238E27FC236}">
-                <a16:creationId xmlns:a16="http://schemas.microsoft.com/office/drawing/2014/main" id="{4F4E7831-9957-5B45-AC30-2533A607E7A4}"/>
-              </a:ext>
-            </a:extLst>
-          </p:cNvPr>
-          <p:cNvSpPr>
-            <a:spLocks noGrp="1"/>
-          </p:cNvSpPr>
-          <p:nvPr>
-            <p:ph type="ftr" sz="quarter" idx="11"/>
-          </p:nvPr>
-        </p:nvSpPr>
-        <p:spPr/>
-        <p:txBody>
-          <a:bodyPr/>
-          <a:lstStyle/>
-          <a:p>
-            <a:r>
-              <a:rPr lang="en-US"/>
-              <a:t>Pitch Deck</a:t>
-            </a:r>
-            <a:endParaRPr lang="en-US" dirty="0"/>
-          </a:p>
-        </p:txBody>
-      </p:sp>
-      <p:sp>
-        <p:nvSpPr>
-          <p:cNvPr id="6" name="Slide Number Placeholder 5">
-            <a:extLst>
-              <a:ext uri="{FF2B5EF4-FFF2-40B4-BE49-F238E27FC236}">
-                <a16:creationId xmlns:a16="http://schemas.microsoft.com/office/drawing/2014/main" id="{92118F73-A164-0F30-28C4-7D3C08FA36A8}"/>
-              </a:ext>
-            </a:extLst>
-          </p:cNvPr>
-          <p:cNvSpPr>
-            <a:spLocks noGrp="1"/>
-          </p:cNvSpPr>
-          <p:nvPr>
-            <p:ph type="sldNum" sz="quarter" idx="12"/>
-          </p:nvPr>
-        </p:nvSpPr>
-        <p:spPr/>
-        <p:txBody>
-          <a:bodyPr/>
-          <a:lstStyle/>
-          <a:p>
-            <a:fld id="{B5CEABB6-07DC-46E8-9B57-56EC44A396E5}" type="slidenum">
-              <a:rPr lang="en-US" smtClean="0"/>
-              <a:t>10</a:t>
-            </a:fld>
-            <a:endParaRPr lang="en-US" dirty="0"/>
+            <a:pPr marL="0" marR="0" lvl="0" indent="0" algn="l" defTabSz="914400" rtl="0" eaLnBrk="0" fontAlgn="base" latinLnBrk="0" hangingPunct="0">
+              <a:lnSpc>
+                <a:spcPct val="100000"/>
+              </a:lnSpc>
+              <a:spcBef>
+                <a:spcPct val="0"/>
+              </a:spcBef>
+              <a:spcAft>
+                <a:spcPct val="0"/>
+              </a:spcAft>
+              <a:buClrTx/>
+              <a:buSzTx/>
+              <a:buFontTx/>
+              <a:buNone/>
+              <a:tabLst/>
+            </a:pPr>
+            <a:endParaRPr kumimoji="0" lang="en-US" altLang="en-US" sz="1800" b="0" i="0" u="none" strike="noStrike" cap="none" normalizeH="0" baseline="0" dirty="0">
+              <a:ln>
+                <a:noFill/>
+              </a:ln>
+              <a:solidFill>
+                <a:schemeClr val="tx1"/>
+              </a:solidFill>
+              <a:effectLst/>
+              <a:latin typeface="Arial" panose="020B0604020202020204" pitchFamily="34" charset="0"/>
+            </a:endParaRPr>
           </a:p>
         </p:txBody>
       </p:sp>
     </p:spTree>
     <p:extLst>
       <p:ext uri="{BB962C8B-B14F-4D97-AF65-F5344CB8AC3E}">
-        <p14:creationId xmlns:p14="http://schemas.microsoft.com/office/powerpoint/2010/main" val="941434634"/>
+        <p14:creationId xmlns:p14="http://schemas.microsoft.com/office/powerpoint/2010/main" val="198062731"/>
       </p:ext>
     </p:extLst>
   </p:cSld>
@@ -17681,7 +17150,7 @@
           <p:cNvPr id="3" name="Text Placeholder 2">
             <a:extLst>
               <a:ext uri="{FF2B5EF4-FFF2-40B4-BE49-F238E27FC236}">
-                <a16:creationId xmlns:a16="http://schemas.microsoft.com/office/drawing/2014/main" id="{19583154-8B17-9F19-F9F2-623E5812DD7C}"/>
+                <a16:creationId xmlns:a16="http://schemas.microsoft.com/office/drawing/2014/main" id="{D6AA6845-4445-1524-513E-6A11C0E7FF2A}"/>
               </a:ext>
             </a:extLst>
           </p:cNvPr>
@@ -17694,8 +17163,8 @@
         </p:nvSpPr>
         <p:spPr>
           <a:xfrm>
-            <a:off x="1499016" y="1109272"/>
-            <a:ext cx="7764905" cy="4212236"/>
+            <a:off x="959370" y="884420"/>
+            <a:ext cx="9863528" cy="4796852"/>
           </a:xfrm>
         </p:spPr>
         <p:txBody>
@@ -17709,29 +17178,44 @@
               <a:buChar char="•"/>
             </a:pPr>
             <a:r>
-              <a:rPr lang="en-US" sz="2800" b="1" dirty="0">
+              <a:rPr lang="en-IN" sz="2800" b="1" dirty="0">
                 <a:solidFill>
                   <a:schemeClr val="tx1"/>
                 </a:solidFill>
                 <a:latin typeface="Arial" panose="020B0604020202020204" pitchFamily="34" charset="0"/>
                 <a:cs typeface="Arial" panose="020B0604020202020204" pitchFamily="34" charset="0"/>
               </a:rPr>
-              <a:t>APPLICATIONS OF OOP</a:t>
-            </a:r>
-          </a:p>
-          <a:p>
-            <a:endParaRPr lang="en-US" sz="2800" b="1" dirty="0">
-              <a:latin typeface="Arial" panose="020B0604020202020204" pitchFamily="34" charset="0"/>
-              <a:cs typeface="Arial" panose="020B0604020202020204" pitchFamily="34" charset="0"/>
-            </a:endParaRPr>
-          </a:p>
-          <a:p>
-            <a:pPr marL="914400" lvl="1" indent="-457200">
+              <a:t>ADVANTAGES</a:t>
+            </a:r>
+            <a:r>
+              <a:rPr lang="en-IN" sz="2800" b="1" dirty="0">
+                <a:solidFill>
+                  <a:schemeClr val="tx1"/>
+                </a:solidFill>
+              </a:rPr>
+              <a:t> </a:t>
+            </a:r>
+            <a:r>
+              <a:rPr lang="en-IN" sz="2800" b="1" dirty="0">
+                <a:solidFill>
+                  <a:schemeClr val="tx1"/>
+                </a:solidFill>
+                <a:latin typeface="Arial" panose="020B0604020202020204" pitchFamily="34" charset="0"/>
+                <a:cs typeface="Arial" panose="020B0604020202020204" pitchFamily="34" charset="0"/>
+              </a:rPr>
+              <a:t>OF OOP</a:t>
+            </a:r>
+          </a:p>
+          <a:p>
+            <a:endParaRPr lang="en-IN" sz="2800" b="1" dirty="0"/>
+          </a:p>
+          <a:p>
+            <a:pPr lvl="1">
               <a:buFont typeface="+mj-lt"/>
               <a:buAutoNum type="arabicPeriod"/>
             </a:pPr>
             <a:r>
-              <a:rPr lang="en-US" sz="2400" dirty="0">
+              <a:rPr lang="en-IN" sz="2400" b="1" dirty="0">
                 <a:solidFill>
                   <a:schemeClr val="tx1">
                     <a:lumMod val="75000"/>
@@ -17741,41 +17225,28 @@
                 <a:latin typeface="Arial" panose="020B0604020202020204" pitchFamily="34" charset="0"/>
                 <a:cs typeface="Arial" panose="020B0604020202020204" pitchFamily="34" charset="0"/>
               </a:rPr>
-              <a:t>Game Development</a:t>
-            </a:r>
-          </a:p>
-          <a:p>
-            <a:pPr marL="914400" lvl="1" indent="-457200">
+              <a:t>Modularity:</a:t>
+            </a:r>
+            <a:r>
+              <a:rPr lang="en-IN" sz="2400" dirty="0">
+                <a:solidFill>
+                  <a:schemeClr val="tx1">
+                    <a:lumMod val="75000"/>
+                    <a:lumOff val="25000"/>
+                  </a:schemeClr>
+                </a:solidFill>
+                <a:latin typeface="Arial" panose="020B0604020202020204" pitchFamily="34" charset="0"/>
+                <a:cs typeface="Arial" panose="020B0604020202020204" pitchFamily="34" charset="0"/>
+              </a:rPr>
+              <a:t> Easy to debug and maintain.</a:t>
+            </a:r>
+          </a:p>
+          <a:p>
+            <a:pPr marL="971550" lvl="1" indent="-514350">
               <a:buFont typeface="+mj-lt"/>
               <a:buAutoNum type="arabicPeriod"/>
             </a:pPr>
-            <a:r>
-              <a:rPr lang="en-US" sz="2400" dirty="0">
-                <a:solidFill>
-                  <a:schemeClr val="tx1">
-                    <a:lumMod val="75000"/>
-                    <a:lumOff val="25000"/>
-                  </a:schemeClr>
-                </a:solidFill>
-                <a:latin typeface="Arial" panose="020B0604020202020204" pitchFamily="34" charset="0"/>
-                <a:cs typeface="Arial" panose="020B0604020202020204" pitchFamily="34" charset="0"/>
-              </a:rPr>
-              <a:t>Graphical User Interfaces (GUIs) </a:t>
-            </a:r>
-            <a:r>
-              <a:rPr lang="en-IN" sz="2400" dirty="0">
-                <a:solidFill>
-                  <a:schemeClr val="tx1">
-                    <a:lumMod val="75000"/>
-                    <a:lumOff val="25000"/>
-                  </a:schemeClr>
-                </a:solidFill>
-                <a:latin typeface="Arial" panose="020B0604020202020204" pitchFamily="34" charset="0"/>
-                <a:cs typeface="Arial" panose="020B0604020202020204" pitchFamily="34" charset="0"/>
-              </a:rPr>
-              <a:t>Design</a:t>
-            </a:r>
-            <a:endParaRPr lang="en-US" sz="2400" dirty="0">
+            <a:endParaRPr lang="en-IN" sz="2400" dirty="0">
               <a:solidFill>
                 <a:schemeClr val="tx1">
                   <a:lumMod val="75000"/>
@@ -17787,12 +17258,12 @@
             </a:endParaRPr>
           </a:p>
           <a:p>
-            <a:pPr marL="914400" lvl="1" indent="-457200">
+            <a:pPr lvl="1">
               <a:buFont typeface="+mj-lt"/>
               <a:buAutoNum type="arabicPeriod"/>
             </a:pPr>
             <a:r>
-              <a:rPr lang="en-US" sz="2400" dirty="0">
+              <a:rPr lang="en-IN" sz="2400" b="1" dirty="0">
                 <a:solidFill>
                   <a:schemeClr val="tx1">
                     <a:lumMod val="75000"/>
@@ -17802,47 +17273,28 @@
                 <a:latin typeface="Arial" panose="020B0604020202020204" pitchFamily="34" charset="0"/>
                 <a:cs typeface="Arial" panose="020B0604020202020204" pitchFamily="34" charset="0"/>
               </a:rPr>
-              <a:t>Enterprise Applications</a:t>
-            </a:r>
-          </a:p>
-          <a:p>
-            <a:pPr marL="914400" lvl="1" indent="-457200">
+              <a:t>Reusability:</a:t>
+            </a:r>
+            <a:r>
+              <a:rPr lang="en-IN" sz="2400" dirty="0">
+                <a:solidFill>
+                  <a:schemeClr val="tx1">
+                    <a:lumMod val="75000"/>
+                    <a:lumOff val="25000"/>
+                  </a:schemeClr>
+                </a:solidFill>
+                <a:latin typeface="Arial" panose="020B0604020202020204" pitchFamily="34" charset="0"/>
+                <a:cs typeface="Arial" panose="020B0604020202020204" pitchFamily="34" charset="0"/>
+              </a:rPr>
+              <a:t> Use existing code through inheritance.</a:t>
+            </a:r>
+          </a:p>
+          <a:p>
+            <a:pPr marL="971550" lvl="1" indent="-514350">
               <a:buFont typeface="+mj-lt"/>
               <a:buAutoNum type="arabicPeriod"/>
             </a:pPr>
-            <a:r>
-              <a:rPr lang="en-US" sz="2400" dirty="0">
-                <a:solidFill>
-                  <a:schemeClr val="tx1">
-                    <a:lumMod val="75000"/>
-                    <a:lumOff val="25000"/>
-                  </a:schemeClr>
-                </a:solidFill>
-                <a:latin typeface="Arial" panose="020B0604020202020204" pitchFamily="34" charset="0"/>
-                <a:cs typeface="Arial" panose="020B0604020202020204" pitchFamily="34" charset="0"/>
-              </a:rPr>
-              <a:t>Real-Time Systems</a:t>
-            </a:r>
-          </a:p>
-          <a:p>
-            <a:pPr marL="914400" lvl="1" indent="-457200">
-              <a:buFont typeface="+mj-lt"/>
-              <a:buAutoNum type="arabicPeriod"/>
-            </a:pPr>
-            <a:r>
-              <a:rPr lang="en-IN" sz="2400" dirty="0">
-                <a:solidFill>
-                  <a:schemeClr val="tx1">
-                    <a:lumMod val="75000"/>
-                    <a:lumOff val="25000"/>
-                  </a:schemeClr>
-                </a:solidFill>
-                <a:latin typeface="Arial" panose="020B0604020202020204" pitchFamily="34" charset="0"/>
-                <a:cs typeface="Arial" panose="020B0604020202020204" pitchFamily="34" charset="0"/>
-              </a:rPr>
-              <a:t>Mobile Applications</a:t>
-            </a:r>
-            <a:endParaRPr lang="en-US" sz="2400" dirty="0">
+            <a:endParaRPr lang="en-IN" sz="2400" dirty="0">
               <a:solidFill>
                 <a:schemeClr val="tx1">
                   <a:lumMod val="75000"/>
@@ -17854,101 +17306,101 @@
             </a:endParaRPr>
           </a:p>
           <a:p>
+            <a:pPr lvl="1">
+              <a:buFont typeface="+mj-lt"/>
+              <a:buAutoNum type="arabicPeriod"/>
+            </a:pPr>
+            <a:r>
+              <a:rPr lang="en-IN" sz="2400" b="1" dirty="0">
+                <a:solidFill>
+                  <a:schemeClr val="tx1">
+                    <a:lumMod val="75000"/>
+                    <a:lumOff val="25000"/>
+                  </a:schemeClr>
+                </a:solidFill>
+                <a:latin typeface="Arial" panose="020B0604020202020204" pitchFamily="34" charset="0"/>
+                <a:cs typeface="Arial" panose="020B0604020202020204" pitchFamily="34" charset="0"/>
+              </a:rPr>
+              <a:t>Flexibility:</a:t>
+            </a:r>
+            <a:r>
+              <a:rPr lang="en-IN" sz="2400" dirty="0">
+                <a:solidFill>
+                  <a:schemeClr val="tx1">
+                    <a:lumMod val="75000"/>
+                    <a:lumOff val="25000"/>
+                  </a:schemeClr>
+                </a:solidFill>
+                <a:latin typeface="Arial" panose="020B0604020202020204" pitchFamily="34" charset="0"/>
+                <a:cs typeface="Arial" panose="020B0604020202020204" pitchFamily="34" charset="0"/>
+              </a:rPr>
+              <a:t> Polymorphism simplifies code extensibility.</a:t>
+            </a:r>
+          </a:p>
+          <a:p>
+            <a:pPr marL="971550" lvl="1" indent="-514350">
+              <a:buFont typeface="+mj-lt"/>
+              <a:buAutoNum type="arabicPeriod"/>
+            </a:pPr>
+            <a:endParaRPr lang="en-IN" sz="2400" dirty="0">
+              <a:solidFill>
+                <a:schemeClr val="tx1">
+                  <a:lumMod val="75000"/>
+                  <a:lumOff val="25000"/>
+                </a:schemeClr>
+              </a:solidFill>
+              <a:latin typeface="Arial" panose="020B0604020202020204" pitchFamily="34" charset="0"/>
+              <a:cs typeface="Arial" panose="020B0604020202020204" pitchFamily="34" charset="0"/>
+            </a:endParaRPr>
+          </a:p>
+          <a:p>
+            <a:pPr lvl="1">
+              <a:buFont typeface="+mj-lt"/>
+              <a:buAutoNum type="arabicPeriod"/>
+            </a:pPr>
+            <a:r>
+              <a:rPr lang="en-IN" sz="2400" b="1" dirty="0">
+                <a:solidFill>
+                  <a:schemeClr val="tx1">
+                    <a:lumMod val="75000"/>
+                    <a:lumOff val="25000"/>
+                  </a:schemeClr>
+                </a:solidFill>
+                <a:latin typeface="Arial" panose="020B0604020202020204" pitchFamily="34" charset="0"/>
+                <a:cs typeface="Arial" panose="020B0604020202020204" pitchFamily="34" charset="0"/>
+              </a:rPr>
+              <a:t>Security:</a:t>
+            </a:r>
+            <a:r>
+              <a:rPr lang="en-IN" sz="2400" dirty="0">
+                <a:solidFill>
+                  <a:schemeClr val="tx1">
+                    <a:lumMod val="75000"/>
+                    <a:lumOff val="25000"/>
+                  </a:schemeClr>
+                </a:solidFill>
+                <a:latin typeface="Arial" panose="020B0604020202020204" pitchFamily="34" charset="0"/>
+                <a:cs typeface="Arial" panose="020B0604020202020204" pitchFamily="34" charset="0"/>
+              </a:rPr>
+              <a:t> Encapsulation protects sensitive data</a:t>
+            </a:r>
+            <a:r>
+              <a:rPr lang="en-IN" sz="2400" dirty="0">
+                <a:latin typeface="Arial" panose="020B0604020202020204" pitchFamily="34" charset="0"/>
+                <a:cs typeface="Arial" panose="020B0604020202020204" pitchFamily="34" charset="0"/>
+              </a:rPr>
+              <a:t>.</a:t>
+            </a:r>
+          </a:p>
+          <a:p>
             <a:endParaRPr lang="en-IN" dirty="0"/>
-          </a:p>
-        </p:txBody>
-      </p:sp>
-      <p:sp>
-        <p:nvSpPr>
-          <p:cNvPr id="4" name="Date Placeholder 3">
-            <a:extLst>
-              <a:ext uri="{FF2B5EF4-FFF2-40B4-BE49-F238E27FC236}">
-                <a16:creationId xmlns:a16="http://schemas.microsoft.com/office/drawing/2014/main" id="{8F10F534-30B7-15E4-DC43-66DD1CA98F2B}"/>
-              </a:ext>
-            </a:extLst>
-          </p:cNvPr>
-          <p:cNvSpPr>
-            <a:spLocks noGrp="1"/>
-          </p:cNvSpPr>
-          <p:nvPr>
-            <p:ph type="dt" sz="half" idx="10"/>
-          </p:nvPr>
-        </p:nvSpPr>
-        <p:spPr/>
-        <p:txBody>
-          <a:bodyPr/>
-          <a:lstStyle/>
-          <a:p>
-            <a:r>
-              <a:rPr lang="en-US"/>
-              <a:t>20XX</a:t>
-            </a:r>
-            <a:endParaRPr lang="en-US" dirty="0"/>
-          </a:p>
-        </p:txBody>
-      </p:sp>
-      <p:sp>
-        <p:nvSpPr>
-          <p:cNvPr id="5" name="Footer Placeholder 4">
-            <a:extLst>
-              <a:ext uri="{FF2B5EF4-FFF2-40B4-BE49-F238E27FC236}">
-                <a16:creationId xmlns:a16="http://schemas.microsoft.com/office/drawing/2014/main" id="{65FE0799-09CF-A272-7079-A8F79C689594}"/>
-              </a:ext>
-            </a:extLst>
-          </p:cNvPr>
-          <p:cNvSpPr>
-            <a:spLocks noGrp="1"/>
-          </p:cNvSpPr>
-          <p:nvPr>
-            <p:ph type="ftr" sz="quarter" idx="11"/>
-          </p:nvPr>
-        </p:nvSpPr>
-        <p:spPr/>
-        <p:txBody>
-          <a:bodyPr/>
-          <a:lstStyle/>
-          <a:p>
-            <a:r>
-              <a:rPr lang="en-US"/>
-              <a:t>Pitch Deck</a:t>
-            </a:r>
-            <a:endParaRPr lang="en-US" dirty="0"/>
-          </a:p>
-        </p:txBody>
-      </p:sp>
-      <p:sp>
-        <p:nvSpPr>
-          <p:cNvPr id="6" name="Slide Number Placeholder 5">
-            <a:extLst>
-              <a:ext uri="{FF2B5EF4-FFF2-40B4-BE49-F238E27FC236}">
-                <a16:creationId xmlns:a16="http://schemas.microsoft.com/office/drawing/2014/main" id="{6F7FB557-0F32-E490-939E-33B331EC23A5}"/>
-              </a:ext>
-            </a:extLst>
-          </p:cNvPr>
-          <p:cNvSpPr>
-            <a:spLocks noGrp="1"/>
-          </p:cNvSpPr>
-          <p:nvPr>
-            <p:ph type="sldNum" sz="quarter" idx="12"/>
-          </p:nvPr>
-        </p:nvSpPr>
-        <p:spPr/>
-        <p:txBody>
-          <a:bodyPr/>
-          <a:lstStyle/>
-          <a:p>
-            <a:fld id="{B5CEABB6-07DC-46E8-9B57-56EC44A396E5}" type="slidenum">
-              <a:rPr lang="en-US" smtClean="0"/>
-              <a:t>11</a:t>
-            </a:fld>
-            <a:endParaRPr lang="en-US" dirty="0"/>
           </a:p>
         </p:txBody>
       </p:sp>
     </p:spTree>
     <p:extLst>
       <p:ext uri="{BB962C8B-B14F-4D97-AF65-F5344CB8AC3E}">
-        <p14:creationId xmlns:p14="http://schemas.microsoft.com/office/powerpoint/2010/main" val="807356943"/>
+        <p14:creationId xmlns:p14="http://schemas.microsoft.com/office/powerpoint/2010/main" val="941434634"/>
       </p:ext>
     </p:extLst>
   </p:cSld>
@@ -17977,6 +17429,468 @@
       </p:grpSpPr>
       <p:sp>
         <p:nvSpPr>
+          <p:cNvPr id="3" name="Text Placeholder 2">
+            <a:extLst>
+              <a:ext uri="{FF2B5EF4-FFF2-40B4-BE49-F238E27FC236}">
+                <a16:creationId xmlns:a16="http://schemas.microsoft.com/office/drawing/2014/main" id="{19583154-8B17-9F19-F9F2-623E5812DD7C}"/>
+              </a:ext>
+            </a:extLst>
+          </p:cNvPr>
+          <p:cNvSpPr>
+            <a:spLocks noGrp="1"/>
+          </p:cNvSpPr>
+          <p:nvPr>
+            <p:ph type="body" idx="1"/>
+          </p:nvPr>
+        </p:nvSpPr>
+        <p:spPr>
+          <a:xfrm>
+            <a:off x="1499016" y="1109272"/>
+            <a:ext cx="7764905" cy="4212236"/>
+          </a:xfrm>
+        </p:spPr>
+        <p:txBody>
+          <a:bodyPr>
+            <a:normAutofit lnSpcReduction="10000"/>
+          </a:bodyPr>
+          <a:lstStyle/>
+          <a:p>
+            <a:pPr marL="457200" indent="-457200">
+              <a:buFont typeface="Arial" panose="020B0604020202020204" pitchFamily="34" charset="0"/>
+              <a:buChar char="•"/>
+            </a:pPr>
+            <a:r>
+              <a:rPr lang="en-US" sz="2800" b="1" dirty="0">
+                <a:solidFill>
+                  <a:schemeClr val="tx1"/>
+                </a:solidFill>
+                <a:latin typeface="Arial" panose="020B0604020202020204" pitchFamily="34" charset="0"/>
+                <a:cs typeface="Arial" panose="020B0604020202020204" pitchFamily="34" charset="0"/>
+              </a:rPr>
+              <a:t>APPLICATIONS OF OOP</a:t>
+            </a:r>
+          </a:p>
+          <a:p>
+            <a:endParaRPr lang="en-US" sz="2800" b="1" dirty="0">
+              <a:latin typeface="Arial" panose="020B0604020202020204" pitchFamily="34" charset="0"/>
+              <a:cs typeface="Arial" panose="020B0604020202020204" pitchFamily="34" charset="0"/>
+            </a:endParaRPr>
+          </a:p>
+          <a:p>
+            <a:pPr marL="914400" lvl="1" indent="-457200">
+              <a:buFont typeface="+mj-lt"/>
+              <a:buAutoNum type="arabicPeriod"/>
+            </a:pPr>
+            <a:r>
+              <a:rPr lang="en-US" sz="2400" dirty="0">
+                <a:solidFill>
+                  <a:schemeClr val="tx1">
+                    <a:lumMod val="75000"/>
+                    <a:lumOff val="25000"/>
+                  </a:schemeClr>
+                </a:solidFill>
+                <a:latin typeface="Arial" panose="020B0604020202020204" pitchFamily="34" charset="0"/>
+                <a:cs typeface="Arial" panose="020B0604020202020204" pitchFamily="34" charset="0"/>
+              </a:rPr>
+              <a:t>Game Development</a:t>
+            </a:r>
+          </a:p>
+          <a:p>
+            <a:pPr marL="914400" lvl="1" indent="-457200">
+              <a:buFont typeface="+mj-lt"/>
+              <a:buAutoNum type="arabicPeriod"/>
+            </a:pPr>
+            <a:endParaRPr lang="en-US" sz="2400" dirty="0">
+              <a:solidFill>
+                <a:schemeClr val="tx1">
+                  <a:lumMod val="75000"/>
+                  <a:lumOff val="25000"/>
+                </a:schemeClr>
+              </a:solidFill>
+              <a:latin typeface="Arial" panose="020B0604020202020204" pitchFamily="34" charset="0"/>
+              <a:cs typeface="Arial" panose="020B0604020202020204" pitchFamily="34" charset="0"/>
+            </a:endParaRPr>
+          </a:p>
+          <a:p>
+            <a:pPr marL="914400" lvl="1" indent="-457200">
+              <a:buFont typeface="+mj-lt"/>
+              <a:buAutoNum type="arabicPeriod"/>
+            </a:pPr>
+            <a:r>
+              <a:rPr lang="en-US" sz="2400" dirty="0">
+                <a:solidFill>
+                  <a:schemeClr val="tx1">
+                    <a:lumMod val="75000"/>
+                    <a:lumOff val="25000"/>
+                  </a:schemeClr>
+                </a:solidFill>
+                <a:latin typeface="Arial" panose="020B0604020202020204" pitchFamily="34" charset="0"/>
+                <a:cs typeface="Arial" panose="020B0604020202020204" pitchFamily="34" charset="0"/>
+              </a:rPr>
+              <a:t>Graphical User Interfaces (GUIs) </a:t>
+            </a:r>
+            <a:r>
+              <a:rPr lang="en-IN" sz="2400" dirty="0">
+                <a:solidFill>
+                  <a:schemeClr val="tx1">
+                    <a:lumMod val="75000"/>
+                    <a:lumOff val="25000"/>
+                  </a:schemeClr>
+                </a:solidFill>
+                <a:latin typeface="Arial" panose="020B0604020202020204" pitchFamily="34" charset="0"/>
+                <a:cs typeface="Arial" panose="020B0604020202020204" pitchFamily="34" charset="0"/>
+              </a:rPr>
+              <a:t>Design</a:t>
+            </a:r>
+          </a:p>
+          <a:p>
+            <a:pPr marL="914400" lvl="1" indent="-457200">
+              <a:buFont typeface="+mj-lt"/>
+              <a:buAutoNum type="arabicPeriod"/>
+            </a:pPr>
+            <a:endParaRPr lang="en-US" sz="2400" dirty="0">
+              <a:solidFill>
+                <a:schemeClr val="tx1">
+                  <a:lumMod val="75000"/>
+                  <a:lumOff val="25000"/>
+                </a:schemeClr>
+              </a:solidFill>
+              <a:latin typeface="Arial" panose="020B0604020202020204" pitchFamily="34" charset="0"/>
+              <a:cs typeface="Arial" panose="020B0604020202020204" pitchFamily="34" charset="0"/>
+            </a:endParaRPr>
+          </a:p>
+          <a:p>
+            <a:pPr marL="914400" lvl="1" indent="-457200">
+              <a:buFont typeface="+mj-lt"/>
+              <a:buAutoNum type="arabicPeriod"/>
+            </a:pPr>
+            <a:r>
+              <a:rPr lang="en-US" sz="2400" dirty="0">
+                <a:solidFill>
+                  <a:schemeClr val="tx1">
+                    <a:lumMod val="75000"/>
+                    <a:lumOff val="25000"/>
+                  </a:schemeClr>
+                </a:solidFill>
+                <a:latin typeface="Arial" panose="020B0604020202020204" pitchFamily="34" charset="0"/>
+                <a:cs typeface="Arial" panose="020B0604020202020204" pitchFamily="34" charset="0"/>
+              </a:rPr>
+              <a:t>Enterprise Applications</a:t>
+            </a:r>
+          </a:p>
+          <a:p>
+            <a:pPr marL="914400" lvl="1" indent="-457200">
+              <a:buFont typeface="+mj-lt"/>
+              <a:buAutoNum type="arabicPeriod"/>
+            </a:pPr>
+            <a:endParaRPr lang="en-US" sz="2400" dirty="0">
+              <a:solidFill>
+                <a:schemeClr val="tx1">
+                  <a:lumMod val="75000"/>
+                  <a:lumOff val="25000"/>
+                </a:schemeClr>
+              </a:solidFill>
+              <a:latin typeface="Arial" panose="020B0604020202020204" pitchFamily="34" charset="0"/>
+              <a:cs typeface="Arial" panose="020B0604020202020204" pitchFamily="34" charset="0"/>
+            </a:endParaRPr>
+          </a:p>
+          <a:p>
+            <a:pPr marL="914400" lvl="1" indent="-457200">
+              <a:buFont typeface="+mj-lt"/>
+              <a:buAutoNum type="arabicPeriod"/>
+            </a:pPr>
+            <a:r>
+              <a:rPr lang="en-US" sz="2400" dirty="0">
+                <a:solidFill>
+                  <a:schemeClr val="tx1">
+                    <a:lumMod val="75000"/>
+                    <a:lumOff val="25000"/>
+                  </a:schemeClr>
+                </a:solidFill>
+                <a:latin typeface="Arial" panose="020B0604020202020204" pitchFamily="34" charset="0"/>
+                <a:cs typeface="Arial" panose="020B0604020202020204" pitchFamily="34" charset="0"/>
+              </a:rPr>
+              <a:t>Real-Time Systems</a:t>
+            </a:r>
+          </a:p>
+          <a:p>
+            <a:pPr marL="914400" lvl="1" indent="-457200">
+              <a:buFont typeface="+mj-lt"/>
+              <a:buAutoNum type="arabicPeriod"/>
+            </a:pPr>
+            <a:endParaRPr lang="en-US" sz="2400" dirty="0">
+              <a:solidFill>
+                <a:schemeClr val="tx1">
+                  <a:lumMod val="75000"/>
+                  <a:lumOff val="25000"/>
+                </a:schemeClr>
+              </a:solidFill>
+              <a:latin typeface="Arial" panose="020B0604020202020204" pitchFamily="34" charset="0"/>
+              <a:cs typeface="Arial" panose="020B0604020202020204" pitchFamily="34" charset="0"/>
+            </a:endParaRPr>
+          </a:p>
+          <a:p>
+            <a:pPr marL="914400" lvl="1" indent="-457200">
+              <a:buFont typeface="+mj-lt"/>
+              <a:buAutoNum type="arabicPeriod"/>
+            </a:pPr>
+            <a:r>
+              <a:rPr lang="en-IN" sz="2400" dirty="0">
+                <a:solidFill>
+                  <a:schemeClr val="tx1">
+                    <a:lumMod val="75000"/>
+                    <a:lumOff val="25000"/>
+                  </a:schemeClr>
+                </a:solidFill>
+                <a:latin typeface="Arial" panose="020B0604020202020204" pitchFamily="34" charset="0"/>
+                <a:cs typeface="Arial" panose="020B0604020202020204" pitchFamily="34" charset="0"/>
+              </a:rPr>
+              <a:t>Mobile Applications</a:t>
+            </a:r>
+            <a:endParaRPr lang="en-US" sz="2400" dirty="0">
+              <a:solidFill>
+                <a:schemeClr val="tx1">
+                  <a:lumMod val="75000"/>
+                  <a:lumOff val="25000"/>
+                </a:schemeClr>
+              </a:solidFill>
+              <a:latin typeface="Arial" panose="020B0604020202020204" pitchFamily="34" charset="0"/>
+              <a:cs typeface="Arial" panose="020B0604020202020204" pitchFamily="34" charset="0"/>
+            </a:endParaRPr>
+          </a:p>
+          <a:p>
+            <a:endParaRPr lang="en-IN" dirty="0"/>
+          </a:p>
+        </p:txBody>
+      </p:sp>
+    </p:spTree>
+    <p:extLst>
+      <p:ext uri="{BB962C8B-B14F-4D97-AF65-F5344CB8AC3E}">
+        <p14:creationId xmlns:p14="http://schemas.microsoft.com/office/powerpoint/2010/main" val="807356943"/>
+      </p:ext>
+    </p:extLst>
+  </p:cSld>
+  <p:clrMapOvr>
+    <a:masterClrMapping/>
+  </p:clrMapOvr>
+</p:sld>
+</file>
+
+<file path=ppt/slides/slide13.xml><?xml version="1.0" encoding="utf-8"?>
+<p:sld xmlns:a="http://schemas.openxmlformats.org/drawingml/2006/main" xmlns:r="http://schemas.openxmlformats.org/officeDocument/2006/relationships" xmlns:p="http://schemas.openxmlformats.org/presentationml/2006/main">
+  <p:cSld>
+    <p:spTree>
+      <p:nvGrpSpPr>
+        <p:cNvPr id="1" name=""/>
+        <p:cNvGrpSpPr/>
+        <p:nvPr/>
+      </p:nvGrpSpPr>
+      <p:grpSpPr>
+        <a:xfrm>
+          <a:off x="0" y="0"/>
+          <a:ext cx="0" cy="0"/>
+          <a:chOff x="0" y="0"/>
+          <a:chExt cx="0" cy="0"/>
+        </a:xfrm>
+      </p:grpSpPr>
+      <p:sp>
+        <p:nvSpPr>
+          <p:cNvPr id="6" name="Content Placeholder 5">
+            <a:extLst>
+              <a:ext uri="{FF2B5EF4-FFF2-40B4-BE49-F238E27FC236}">
+                <a16:creationId xmlns:a16="http://schemas.microsoft.com/office/drawing/2014/main" id="{B6752314-326B-C161-14DE-4A3F53787497}"/>
+              </a:ext>
+            </a:extLst>
+          </p:cNvPr>
+          <p:cNvSpPr>
+            <a:spLocks noGrp="1"/>
+          </p:cNvSpPr>
+          <p:nvPr>
+            <p:ph sz="quarter" idx="16"/>
+          </p:nvPr>
+        </p:nvSpPr>
+        <p:spPr>
+          <a:xfrm>
+            <a:off x="1167063" y="901700"/>
+            <a:ext cx="10186735" cy="4932363"/>
+          </a:xfrm>
+        </p:spPr>
+        <p:txBody>
+          <a:bodyPr>
+            <a:normAutofit/>
+          </a:bodyPr>
+          <a:lstStyle/>
+          <a:p>
+            <a:r>
+              <a:rPr lang="en-US" b="1" dirty="0">
+                <a:solidFill>
+                  <a:schemeClr val="tx1"/>
+                </a:solidFill>
+                <a:latin typeface="Arial" panose="020B0604020202020204" pitchFamily="34" charset="0"/>
+                <a:cs typeface="Arial" panose="020B0604020202020204" pitchFamily="34" charset="0"/>
+              </a:rPr>
+              <a:t>Conclusion</a:t>
+            </a:r>
+          </a:p>
+          <a:p>
+            <a:pPr marL="0" indent="0">
+              <a:buNone/>
+            </a:pPr>
+            <a:endParaRPr lang="en-US" sz="2200" dirty="0">
+              <a:latin typeface="Arial" panose="020B0604020202020204" pitchFamily="34" charset="0"/>
+              <a:cs typeface="Arial" panose="020B0604020202020204" pitchFamily="34" charset="0"/>
+            </a:endParaRPr>
+          </a:p>
+          <a:p>
+            <a:pPr lvl="1"/>
+            <a:r>
+              <a:rPr lang="en-US" sz="2200" dirty="0">
+                <a:solidFill>
+                  <a:schemeClr val="tx1"/>
+                </a:solidFill>
+                <a:latin typeface="Arial" panose="020B0604020202020204" pitchFamily="34" charset="0"/>
+                <a:cs typeface="Arial" panose="020B0604020202020204" pitchFamily="34" charset="0"/>
+              </a:rPr>
+              <a:t>OOP is the core foundation of Java development</a:t>
+            </a:r>
+          </a:p>
+          <a:p>
+            <a:pPr marL="457200" lvl="1" indent="0">
+              <a:buNone/>
+            </a:pPr>
+            <a:endParaRPr lang="en-US" sz="2200" dirty="0">
+              <a:solidFill>
+                <a:schemeClr val="tx1"/>
+              </a:solidFill>
+              <a:latin typeface="Arial" panose="020B0604020202020204" pitchFamily="34" charset="0"/>
+              <a:cs typeface="Arial" panose="020B0604020202020204" pitchFamily="34" charset="0"/>
+            </a:endParaRPr>
+          </a:p>
+          <a:p>
+            <a:pPr lvl="1"/>
+            <a:r>
+              <a:rPr lang="en-US" sz="2200" dirty="0">
+                <a:solidFill>
+                  <a:schemeClr val="tx1"/>
+                </a:solidFill>
+                <a:latin typeface="Arial" panose="020B0604020202020204" pitchFamily="34" charset="0"/>
+                <a:cs typeface="Arial" panose="020B0604020202020204" pitchFamily="34" charset="0"/>
+              </a:rPr>
+              <a:t>It enables modular, reusable, and secure code</a:t>
+            </a:r>
+          </a:p>
+          <a:p>
+            <a:pPr marL="457200" lvl="1" indent="0">
+              <a:buNone/>
+            </a:pPr>
+            <a:endParaRPr lang="en-US" sz="2200" dirty="0">
+              <a:solidFill>
+                <a:schemeClr val="tx1"/>
+              </a:solidFill>
+              <a:latin typeface="Arial" panose="020B0604020202020204" pitchFamily="34" charset="0"/>
+              <a:cs typeface="Arial" panose="020B0604020202020204" pitchFamily="34" charset="0"/>
+            </a:endParaRPr>
+          </a:p>
+          <a:p>
+            <a:pPr lvl="1"/>
+            <a:r>
+              <a:rPr lang="en-US" sz="2200" dirty="0">
+                <a:solidFill>
+                  <a:schemeClr val="tx1"/>
+                </a:solidFill>
+                <a:latin typeface="Arial" panose="020B0604020202020204" pitchFamily="34" charset="0"/>
+                <a:cs typeface="Arial" panose="020B0604020202020204" pitchFamily="34" charset="0"/>
+              </a:rPr>
+              <a:t>Each principle contributes to structured and maintainable software</a:t>
+            </a:r>
+          </a:p>
+          <a:p>
+            <a:pPr marL="457200" lvl="1" indent="0">
+              <a:buNone/>
+            </a:pPr>
+            <a:endParaRPr lang="en-US" sz="2200" dirty="0">
+              <a:solidFill>
+                <a:schemeClr val="tx1"/>
+              </a:solidFill>
+              <a:latin typeface="Arial" panose="020B0604020202020204" pitchFamily="34" charset="0"/>
+              <a:cs typeface="Arial" panose="020B0604020202020204" pitchFamily="34" charset="0"/>
+            </a:endParaRPr>
+          </a:p>
+          <a:p>
+            <a:pPr lvl="1"/>
+            <a:r>
+              <a:rPr lang="en-US" sz="2200" dirty="0">
+                <a:solidFill>
+                  <a:schemeClr val="tx1"/>
+                </a:solidFill>
+                <a:latin typeface="Arial" panose="020B0604020202020204" pitchFamily="34" charset="0"/>
+                <a:cs typeface="Arial" panose="020B0604020202020204" pitchFamily="34" charset="0"/>
+              </a:rPr>
+              <a:t>OOP is widely used in enterprise, backend, and real-world systems</a:t>
+            </a:r>
+          </a:p>
+          <a:p>
+            <a:pPr marL="457200" lvl="1" indent="0">
+              <a:buNone/>
+            </a:pPr>
+            <a:endParaRPr lang="en-US" sz="2200" dirty="0">
+              <a:solidFill>
+                <a:schemeClr val="tx1"/>
+              </a:solidFill>
+              <a:latin typeface="Arial" panose="020B0604020202020204" pitchFamily="34" charset="0"/>
+              <a:cs typeface="Arial" panose="020B0604020202020204" pitchFamily="34" charset="0"/>
+            </a:endParaRPr>
+          </a:p>
+          <a:p>
+            <a:pPr lvl="1"/>
+            <a:r>
+              <a:rPr lang="en-US" sz="2200" dirty="0">
+                <a:solidFill>
+                  <a:schemeClr val="tx1"/>
+                </a:solidFill>
+                <a:latin typeface="Arial" panose="020B0604020202020204" pitchFamily="34" charset="0"/>
+                <a:cs typeface="Arial" panose="020B0604020202020204" pitchFamily="34" charset="0"/>
+              </a:rPr>
+              <a:t>Strong understanding of OOP is essential for every Java developer</a:t>
+            </a:r>
+          </a:p>
+          <a:p>
+            <a:endParaRPr lang="en-IN" dirty="0"/>
+          </a:p>
+        </p:txBody>
+      </p:sp>
+    </p:spTree>
+    <p:extLst>
+      <p:ext uri="{BB962C8B-B14F-4D97-AF65-F5344CB8AC3E}">
+        <p14:creationId xmlns:p14="http://schemas.microsoft.com/office/powerpoint/2010/main" val="3822610813"/>
+      </p:ext>
+    </p:extLst>
+  </p:cSld>
+  <p:clrMapOvr>
+    <a:masterClrMapping/>
+  </p:clrMapOvr>
+</p:sld>
+</file>
+
+<file path=ppt/slides/slide14.xml><?xml version="1.0" encoding="utf-8"?>
+<p:sld xmlns:a="http://schemas.openxmlformats.org/drawingml/2006/main" xmlns:r="http://schemas.openxmlformats.org/officeDocument/2006/relationships" xmlns:p="http://schemas.openxmlformats.org/presentationml/2006/main">
+  <p:cSld>
+    <p:spTree>
+      <p:nvGrpSpPr>
+        <p:cNvPr id="1" name=""/>
+        <p:cNvGrpSpPr/>
+        <p:nvPr/>
+      </p:nvGrpSpPr>
+      <p:grpSpPr>
+        <a:xfrm>
+          <a:off x="0" y="0"/>
+          <a:ext cx="0" cy="0"/>
+          <a:chOff x="0" y="0"/>
+          <a:chExt cx="0" cy="0"/>
+        </a:xfrm>
+      </p:grpSpPr>
+      <p:sp>
+        <p:nvSpPr>
           <p:cNvPr id="2" name="Title 1">
             <a:extLst>
               <a:ext uri="{FF2B5EF4-FFF2-40B4-BE49-F238E27FC236}">
@@ -18007,41 +17921,6 @@
               </a:rPr>
               <a:t>THANK YOU!</a:t>
             </a:r>
-          </a:p>
-        </p:txBody>
-      </p:sp>
-      <p:sp>
-        <p:nvSpPr>
-          <p:cNvPr id="6" name="Slide Number Placeholder 5">
-            <a:extLst>
-              <a:ext uri="{FF2B5EF4-FFF2-40B4-BE49-F238E27FC236}">
-                <a16:creationId xmlns:a16="http://schemas.microsoft.com/office/drawing/2014/main" id="{5EDCFF82-B70F-4971-9182-7C3AEA3CFD26}"/>
-              </a:ext>
-            </a:extLst>
-          </p:cNvPr>
-          <p:cNvSpPr>
-            <a:spLocks noGrp="1"/>
-          </p:cNvSpPr>
-          <p:nvPr>
-            <p:ph type="sldNum" sz="quarter" idx="12"/>
-          </p:nvPr>
-        </p:nvSpPr>
-        <p:spPr>
-          <a:xfrm>
-            <a:off x="9579428" y="6356350"/>
-            <a:ext cx="1774371" cy="365125"/>
-          </a:xfrm>
-        </p:spPr>
-        <p:txBody>
-          <a:bodyPr/>
-          <a:lstStyle/>
-          <a:p>
-            <a:fld id="{B5CEABB6-07DC-46E8-9B57-56EC44A396E5}" type="slidenum">
-              <a:rPr lang="en-US" smtClean="0"/>
-              <a:pPr/>
-              <a:t>12</a:t>
-            </a:fld>
-            <a:endParaRPr lang="en-US" dirty="0"/>
           </a:p>
         </p:txBody>
       </p:sp>
@@ -18138,107 +18017,6 @@
       </p:sp>
       <p:sp>
         <p:nvSpPr>
-          <p:cNvPr id="6" name="Date Placeholder 5">
-            <a:extLst>
-              <a:ext uri="{FF2B5EF4-FFF2-40B4-BE49-F238E27FC236}">
-                <a16:creationId xmlns:a16="http://schemas.microsoft.com/office/drawing/2014/main" id="{B69DF042-37C5-4E09-AA4C-AA66649C9533}"/>
-              </a:ext>
-            </a:extLst>
-          </p:cNvPr>
-          <p:cNvSpPr>
-            <a:spLocks noGrp="1"/>
-          </p:cNvSpPr>
-          <p:nvPr>
-            <p:ph type="dt" sz="half" idx="10"/>
-          </p:nvPr>
-        </p:nvSpPr>
-        <p:spPr>
-          <a:xfrm>
-            <a:off x="1333500" y="6356350"/>
-            <a:ext cx="985157" cy="365125"/>
-          </a:xfrm>
-        </p:spPr>
-        <p:txBody>
-          <a:bodyPr/>
-          <a:lstStyle/>
-          <a:p>
-            <a:r>
-              <a:rPr lang="en-US" dirty="0"/>
-              <a:t>20XX</a:t>
-            </a:r>
-          </a:p>
-        </p:txBody>
-      </p:sp>
-      <p:sp>
-        <p:nvSpPr>
-          <p:cNvPr id="5" name="Footer Placeholder 4">
-            <a:extLst>
-              <a:ext uri="{FF2B5EF4-FFF2-40B4-BE49-F238E27FC236}">
-                <a16:creationId xmlns:a16="http://schemas.microsoft.com/office/drawing/2014/main" id="{AF29EA23-F34E-486A-B8B2-0C3019266975}"/>
-              </a:ext>
-            </a:extLst>
-          </p:cNvPr>
-          <p:cNvSpPr>
-            <a:spLocks noGrp="1"/>
-          </p:cNvSpPr>
-          <p:nvPr>
-            <p:ph type="ftr" sz="quarter" idx="11"/>
-          </p:nvPr>
-        </p:nvSpPr>
-        <p:spPr>
-          <a:xfrm>
-            <a:off x="2669886" y="6356349"/>
-            <a:ext cx="2482842" cy="365125"/>
-          </a:xfrm>
-        </p:spPr>
-        <p:txBody>
-          <a:bodyPr/>
-          <a:lstStyle/>
-          <a:p>
-            <a:r>
-              <a:rPr lang="en-US" dirty="0"/>
-              <a:t>Pitch Deck</a:t>
-            </a:r>
-          </a:p>
-        </p:txBody>
-      </p:sp>
-      <p:sp>
-        <p:nvSpPr>
-          <p:cNvPr id="4" name="Slide Number Placeholder 3">
-            <a:extLst>
-              <a:ext uri="{FF2B5EF4-FFF2-40B4-BE49-F238E27FC236}">
-                <a16:creationId xmlns:a16="http://schemas.microsoft.com/office/drawing/2014/main" id="{328F602C-7F98-4C02-99D4-ED65E00D66A4}"/>
-              </a:ext>
-            </a:extLst>
-          </p:cNvPr>
-          <p:cNvSpPr>
-            <a:spLocks noGrp="1"/>
-          </p:cNvSpPr>
-          <p:nvPr>
-            <p:ph type="sldNum" sz="quarter" idx="12"/>
-          </p:nvPr>
-        </p:nvSpPr>
-        <p:spPr>
-          <a:xfrm>
-            <a:off x="5536305" y="6356350"/>
-            <a:ext cx="987552" cy="365125"/>
-          </a:xfrm>
-        </p:spPr>
-        <p:txBody>
-          <a:bodyPr/>
-          <a:lstStyle/>
-          <a:p>
-            <a:fld id="{19B51A1E-902D-48AF-9020-955120F399B6}" type="slidenum">
-              <a:rPr lang="en-US" smtClean="0"/>
-              <a:pPr/>
-              <a:t>2</a:t>
-            </a:fld>
-            <a:endParaRPr lang="en-US" dirty="0"/>
-          </a:p>
-        </p:txBody>
-      </p:sp>
-      <p:sp>
-        <p:nvSpPr>
           <p:cNvPr id="9" name="TextBox 8">
             <a:extLst>
               <a:ext uri="{FF2B5EF4-FFF2-40B4-BE49-F238E27FC236}">
@@ -18285,8 +18063,8 @@
         </p:nvSpPr>
         <p:spPr bwMode="auto">
           <a:xfrm>
-            <a:off x="1826078" y="1641105"/>
-            <a:ext cx="8889167" cy="4062651"/>
+            <a:off x="1826078" y="1398015"/>
+            <a:ext cx="9032424" cy="4832092"/>
           </a:xfrm>
           <a:prstGeom prst="rect">
             <a:avLst/>
@@ -18359,6 +18137,48 @@
               </a:solidFill>
               <a:effectLst/>
               <a:latin typeface="Arial" panose="020B0604020202020204" pitchFamily="34" charset="0"/>
+            </a:endParaRPr>
+          </a:p>
+          <a:p>
+            <a:pPr marL="342900" lvl="0" indent="-342900" eaLnBrk="0" fontAlgn="base" hangingPunct="0">
+              <a:spcBef>
+                <a:spcPct val="0"/>
+              </a:spcBef>
+              <a:spcAft>
+                <a:spcPct val="0"/>
+              </a:spcAft>
+              <a:buFont typeface="+mj-lt"/>
+              <a:buAutoNum type="arabicPeriod"/>
+            </a:pPr>
+            <a:r>
+              <a:rPr lang="en-IN" sz="2400" dirty="0">
+                <a:latin typeface="Arial" panose="020B0604020202020204" pitchFamily="34" charset="0"/>
+                <a:cs typeface="Arial" panose="020B0604020202020204" pitchFamily="34" charset="0"/>
+              </a:rPr>
+              <a:t>Introduction to OOP</a:t>
+            </a:r>
+          </a:p>
+          <a:p>
+            <a:pPr marL="342900" lvl="0" indent="-342900" eaLnBrk="0" fontAlgn="base" hangingPunct="0">
+              <a:spcBef>
+                <a:spcPct val="0"/>
+              </a:spcBef>
+              <a:spcAft>
+                <a:spcPct val="0"/>
+              </a:spcAft>
+              <a:buFont typeface="+mj-lt"/>
+              <a:buAutoNum type="arabicPeriod"/>
+            </a:pPr>
+            <a:endParaRPr kumimoji="0" lang="en-US" altLang="en-US" sz="2400" b="0" i="0" u="none" strike="noStrike" cap="none" normalizeH="0" baseline="0" dirty="0">
+              <a:ln>
+                <a:noFill/>
+              </a:ln>
+              <a:solidFill>
+                <a:schemeClr val="tx1"/>
+              </a:solidFill>
+              <a:effectLst/>
+              <a:latin typeface="Arial" panose="020B0604020202020204" pitchFamily="34" charset="0"/>
+              <a:cs typeface="Arial" panose="020B0604020202020204" pitchFamily="34" charset="0"/>
             </a:endParaRPr>
           </a:p>
           <a:p>
@@ -18390,7 +18210,7 @@
                 <a:latin typeface="Arial" panose="020B0604020202020204" pitchFamily="34" charset="0"/>
                 <a:cs typeface="Arial" panose="020B0604020202020204" pitchFamily="34" charset="0"/>
               </a:rPr>
-              <a:t>What is Object-Oriented Programming (OOP)?</a:t>
+              <a:t>Key Principles of OOP</a:t>
             </a:r>
           </a:p>
           <a:p>
@@ -18451,67 +18271,6 @@
                 <a:latin typeface="Arial" panose="020B0604020202020204" pitchFamily="34" charset="0"/>
                 <a:cs typeface="Arial" panose="020B0604020202020204" pitchFamily="34" charset="0"/>
               </a:rPr>
-              <a:t>Key Principles of OOP</a:t>
-            </a:r>
-          </a:p>
-          <a:p>
-            <a:pPr marL="342900" marR="0" lvl="0" indent="-342900" algn="l" defTabSz="914400" rtl="0" eaLnBrk="0" fontAlgn="base" latinLnBrk="0" hangingPunct="0">
-              <a:lnSpc>
-                <a:spcPct val="100000"/>
-              </a:lnSpc>
-              <a:spcBef>
-                <a:spcPct val="0"/>
-              </a:spcBef>
-              <a:spcAft>
-                <a:spcPct val="0"/>
-              </a:spcAft>
-              <a:buClrTx/>
-              <a:buSzTx/>
-              <a:buFont typeface="+mj-lt"/>
-              <a:buAutoNum type="arabicPeriod"/>
-              <a:tabLst/>
-            </a:pPr>
-            <a:endParaRPr kumimoji="0" lang="en-US" altLang="en-US" sz="2400" b="0" i="0" u="none" strike="noStrike" cap="none" normalizeH="0" baseline="0" dirty="0">
-              <a:ln>
-                <a:noFill/>
-              </a:ln>
-              <a:solidFill>
-                <a:schemeClr val="tx1"/>
-              </a:solidFill>
-              <a:effectLst/>
-              <a:latin typeface="Arial" panose="020B0604020202020204" pitchFamily="34" charset="0"/>
-              <a:cs typeface="Arial" panose="020B0604020202020204" pitchFamily="34" charset="0"/>
-            </a:endParaRPr>
-          </a:p>
-          <a:p>
-            <a:pPr marL="342900" marR="0" lvl="0" indent="-342900" algn="l" defTabSz="914400" rtl="0" eaLnBrk="0" fontAlgn="base" latinLnBrk="0" hangingPunct="0">
-              <a:lnSpc>
-                <a:spcPct val="100000"/>
-              </a:lnSpc>
-              <a:spcBef>
-                <a:spcPct val="0"/>
-              </a:spcBef>
-              <a:spcAft>
-                <a:spcPct val="0"/>
-              </a:spcAft>
-              <a:buClrTx/>
-              <a:buSzTx/>
-              <a:buFont typeface="+mj-lt"/>
-              <a:buAutoNum type="arabicPeriod"/>
-              <a:tabLst/>
-            </a:pPr>
-            <a:r>
-              <a:rPr kumimoji="0" lang="en-US" altLang="en-US" sz="2400" b="0" i="0" u="none" strike="noStrike" cap="none" normalizeH="0" baseline="0" dirty="0">
-                <a:ln>
-                  <a:noFill/>
-                </a:ln>
-                <a:solidFill>
-                  <a:schemeClr val="tx1"/>
-                </a:solidFill>
-                <a:effectLst/>
-                <a:latin typeface="Arial" panose="020B0604020202020204" pitchFamily="34" charset="0"/>
-                <a:cs typeface="Arial" panose="020B0604020202020204" pitchFamily="34" charset="0"/>
-              </a:rPr>
               <a:t>OOP Features in Java</a:t>
             </a:r>
           </a:p>
@@ -18626,6 +18385,48 @@
               </a:rPr>
               <a:t>Applications of OOP</a:t>
             </a:r>
+          </a:p>
+          <a:p>
+            <a:pPr marL="342900" indent="-342900" eaLnBrk="0" fontAlgn="base" hangingPunct="0">
+              <a:spcBef>
+                <a:spcPct val="0"/>
+              </a:spcBef>
+              <a:spcAft>
+                <a:spcPct val="0"/>
+              </a:spcAft>
+              <a:buFont typeface="+mj-lt"/>
+              <a:buAutoNum type="arabicPeriod"/>
+            </a:pPr>
+            <a:endParaRPr lang="en-US" sz="2400" dirty="0">
+              <a:latin typeface="Arial" panose="020B0604020202020204" pitchFamily="34" charset="0"/>
+              <a:cs typeface="Arial" panose="020B0604020202020204" pitchFamily="34" charset="0"/>
+            </a:endParaRPr>
+          </a:p>
+          <a:p>
+            <a:pPr marL="342900" indent="-342900" eaLnBrk="0" fontAlgn="base" hangingPunct="0">
+              <a:spcBef>
+                <a:spcPct val="0"/>
+              </a:spcBef>
+              <a:spcAft>
+                <a:spcPct val="0"/>
+              </a:spcAft>
+              <a:buFont typeface="+mj-lt"/>
+              <a:buAutoNum type="arabicPeriod"/>
+            </a:pPr>
+            <a:r>
+              <a:rPr lang="en-US" sz="2400" dirty="0">
+                <a:latin typeface="Arial" panose="020B0604020202020204" pitchFamily="34" charset="0"/>
+                <a:cs typeface="Arial" panose="020B0604020202020204" pitchFamily="34" charset="0"/>
+              </a:rPr>
+              <a:t>Conclusion</a:t>
+            </a:r>
+            <a:endParaRPr lang="en-US" sz="2400" dirty="0">
+              <a:solidFill>
+                <a:schemeClr val="tx1"/>
+              </a:solidFill>
+              <a:latin typeface="Arial" panose="020B0604020202020204" pitchFamily="34" charset="0"/>
+              <a:cs typeface="Arial" panose="020B0604020202020204" pitchFamily="34" charset="0"/>
+            </a:endParaRPr>
           </a:p>
           <a:p>
             <a:pPr marL="342900" marR="0" lvl="0" indent="-342900" algn="l" defTabSz="914400" rtl="0" eaLnBrk="0" fontAlgn="base" latinLnBrk="0" hangingPunct="0">
@@ -18690,41 +18491,6 @@
       </p:grpSpPr>
       <p:sp>
         <p:nvSpPr>
-          <p:cNvPr id="82" name="Slide Number Placeholder 81">
-            <a:extLst>
-              <a:ext uri="{FF2B5EF4-FFF2-40B4-BE49-F238E27FC236}">
-                <a16:creationId xmlns:a16="http://schemas.microsoft.com/office/drawing/2014/main" id="{CE36A058-BEC2-4BC5-A467-F2EB2A365051}"/>
-              </a:ext>
-            </a:extLst>
-          </p:cNvPr>
-          <p:cNvSpPr>
-            <a:spLocks noGrp="1"/>
-          </p:cNvSpPr>
-          <p:nvPr>
-            <p:ph type="sldNum" sz="quarter" idx="22"/>
-          </p:nvPr>
-        </p:nvSpPr>
-        <p:spPr>
-          <a:xfrm>
-            <a:off x="8610600" y="6356350"/>
-            <a:ext cx="2743200" cy="365125"/>
-          </a:xfrm>
-        </p:spPr>
-        <p:txBody>
-          <a:bodyPr/>
-          <a:lstStyle/>
-          <a:p>
-            <a:fld id="{B5CEABB6-07DC-46E8-9B57-56EC44A396E5}" type="slidenum">
-              <a:rPr lang="en-US" smtClean="0"/>
-              <a:pPr/>
-              <a:t>3</a:t>
-            </a:fld>
-            <a:endParaRPr lang="en-US" dirty="0"/>
-          </a:p>
-        </p:txBody>
-      </p:sp>
-      <p:sp>
-        <p:nvSpPr>
           <p:cNvPr id="27" name="Text Placeholder 7">
             <a:extLst>
               <a:ext uri="{FF2B5EF4-FFF2-40B4-BE49-F238E27FC236}">
@@ -18956,7 +18722,26 @@
                 <a:effectLst/>
                 <a:latin typeface="Arial" panose="020B0604020202020204" pitchFamily="34" charset="0"/>
               </a:rPr>
-              <a:t> paradigm based on the concept of "objects.“</a:t>
+              <a:t> paradigm based on the concept of </a:t>
+            </a:r>
+            <a:r>
+              <a:rPr lang="en-US" altLang="en-US" sz="2400" dirty="0">
+                <a:latin typeface="Arial" panose="020B0604020202020204" pitchFamily="34" charset="0"/>
+              </a:rPr>
+              <a:t>“</a:t>
+            </a:r>
+            <a:r>
+              <a:rPr kumimoji="0" lang="en-US" altLang="en-US" sz="2400" b="0" i="0" u="none" strike="noStrike" cap="none" normalizeH="0" baseline="0" dirty="0">
+                <a:ln>
+                  <a:noFill/>
+                </a:ln>
+                <a:solidFill>
+                  <a:schemeClr val="tx1"/>
+                </a:solidFill>
+                <a:effectLst/>
+                <a:latin typeface="Arial" panose="020B0604020202020204" pitchFamily="34" charset="0"/>
+              </a:rPr>
+              <a:t>objects”.</a:t>
             </a:r>
           </a:p>
           <a:p>
@@ -19251,7 +19036,7 @@
         </p:nvSpPr>
         <p:spPr>
           <a:xfrm>
-            <a:off x="1064302" y="1422511"/>
+            <a:off x="1112428" y="1013437"/>
             <a:ext cx="7180288" cy="870984"/>
           </a:xfrm>
         </p:spPr>
@@ -19299,41 +19084,6 @@
       </p:sp>
       <p:sp>
         <p:nvSpPr>
-          <p:cNvPr id="22" name="Slide Number Placeholder 21">
-            <a:extLst>
-              <a:ext uri="{FF2B5EF4-FFF2-40B4-BE49-F238E27FC236}">
-                <a16:creationId xmlns:a16="http://schemas.microsoft.com/office/drawing/2014/main" id="{5D1BD041-3428-4D62-934F-F3FF6D36F90F}"/>
-              </a:ext>
-            </a:extLst>
-          </p:cNvPr>
-          <p:cNvSpPr>
-            <a:spLocks noGrp="1"/>
-          </p:cNvSpPr>
-          <p:nvPr>
-            <p:ph type="sldNum" sz="quarter" idx="22"/>
-          </p:nvPr>
-        </p:nvSpPr>
-        <p:spPr>
-          <a:xfrm>
-            <a:off x="10700656" y="6356350"/>
-            <a:ext cx="653143" cy="365125"/>
-          </a:xfrm>
-        </p:spPr>
-        <p:txBody>
-          <a:bodyPr/>
-          <a:lstStyle/>
-          <a:p>
-            <a:fld id="{B5CEABB6-07DC-46E8-9B57-56EC44A396E5}" type="slidenum">
-              <a:rPr lang="en-US" smtClean="0"/>
-              <a:pPr/>
-              <a:t>4</a:t>
-            </a:fld>
-            <a:endParaRPr lang="en-US" dirty="0"/>
-          </a:p>
-        </p:txBody>
-      </p:sp>
-      <p:sp>
-        <p:nvSpPr>
           <p:cNvPr id="30" name="Rectangle 1">
             <a:extLst>
               <a:ext uri="{FF2B5EF4-FFF2-40B4-BE49-F238E27FC236}">
@@ -19348,8 +19098,8 @@
         </p:nvSpPr>
         <p:spPr bwMode="auto">
           <a:xfrm>
-            <a:off x="1472695" y="1858003"/>
-            <a:ext cx="10075976" cy="2585323"/>
+            <a:off x="1215190" y="1872775"/>
+            <a:ext cx="9685422" cy="2893100"/>
           </a:xfrm>
           <a:prstGeom prst="rect">
             <a:avLst/>
@@ -19467,18 +19217,32 @@
               <a:buChar char="•"/>
             </a:pPr>
             <a:r>
-              <a:rPr kumimoji="0" lang="en-US" altLang="en-US" sz="2400" b="0" i="0" u="none" strike="noStrike" cap="none" normalizeH="0" baseline="0" dirty="0">
-                <a:ln>
-                  <a:noFill/>
-                </a:ln>
-                <a:solidFill>
-                  <a:schemeClr val="tx1"/>
-                </a:solidFill>
-                <a:effectLst/>
+              <a:rPr lang="en-US" sz="2200" dirty="0">
                 <a:latin typeface="Arial" panose="020B0604020202020204" pitchFamily="34" charset="0"/>
+                <a:cs typeface="Arial" panose="020B0604020202020204" pitchFamily="34" charset="0"/>
               </a:rPr>
-              <a:t>     Bundling data and methods together.</a:t>
-            </a:r>
+              <a:t>Wrapping data and methods together into a single unit and restricting direct access using access modifiers.</a:t>
+            </a:r>
+          </a:p>
+          <a:p>
+            <a:pPr lvl="1" eaLnBrk="0" fontAlgn="base" hangingPunct="0">
+              <a:spcBef>
+                <a:spcPct val="0"/>
+              </a:spcBef>
+              <a:spcAft>
+                <a:spcPct val="0"/>
+              </a:spcAft>
+            </a:pPr>
+            <a:endParaRPr kumimoji="0" lang="en-US" altLang="en-US" sz="2400" b="0" i="0" u="none" strike="noStrike" cap="none" normalizeH="0" baseline="0" dirty="0">
+              <a:ln>
+                <a:noFill/>
+              </a:ln>
+              <a:solidFill>
+                <a:schemeClr val="tx1"/>
+              </a:solidFill>
+              <a:effectLst/>
+              <a:latin typeface="Arial" panose="020B0604020202020204" pitchFamily="34" charset="0"/>
+            </a:endParaRPr>
           </a:p>
           <a:p>
             <a:pPr marL="800100" lvl="1" indent="-342900" eaLnBrk="0" fontAlgn="base" hangingPunct="0">
@@ -19502,7 +19266,7 @@
                 <a:effectLst/>
                 <a:latin typeface="Arial" panose="020B0604020202020204" pitchFamily="34" charset="0"/>
               </a:rPr>
-              <a:t>     Example: Using private fields with public getter and setter methods</a:t>
+              <a:t>Using private fields with public getter and setter methods</a:t>
             </a:r>
           </a:p>
           <a:p>
@@ -19593,36 +19357,6 @@
       </p:grpSpPr>
       <p:sp>
         <p:nvSpPr>
-          <p:cNvPr id="13" name="Slide Number Placeholder 12">
-            <a:extLst>
-              <a:ext uri="{FF2B5EF4-FFF2-40B4-BE49-F238E27FC236}">
-                <a16:creationId xmlns:a16="http://schemas.microsoft.com/office/drawing/2014/main" id="{18CE3A36-30FB-6E4E-7FB9-22AA5A66E501}"/>
-              </a:ext>
-            </a:extLst>
-          </p:cNvPr>
-          <p:cNvSpPr>
-            <a:spLocks noGrp="1"/>
-          </p:cNvSpPr>
-          <p:nvPr>
-            <p:ph type="sldNum" sz="quarter" idx="22"/>
-          </p:nvPr>
-        </p:nvSpPr>
-        <p:spPr/>
-        <p:txBody>
-          <a:bodyPr/>
-          <a:lstStyle/>
-          <a:p>
-            <a:fld id="{B5CEABB6-07DC-46E8-9B57-56EC44A396E5}" type="slidenum">
-              <a:rPr lang="en-US" smtClean="0"/>
-              <a:pPr/>
-              <a:t>5</a:t>
-            </a:fld>
-            <a:endParaRPr lang="en-US" dirty="0"/>
-          </a:p>
-        </p:txBody>
-      </p:sp>
-      <p:sp>
-        <p:nvSpPr>
           <p:cNvPr id="14" name="TextBox 13">
             <a:extLst>
               <a:ext uri="{FF2B5EF4-FFF2-40B4-BE49-F238E27FC236}">
@@ -19635,8 +19369,8 @@
         </p:nvSpPr>
         <p:spPr>
           <a:xfrm>
-            <a:off x="1469036" y="269824"/>
-            <a:ext cx="9428813" cy="6250898"/>
+            <a:off x="1686296" y="1077346"/>
+            <a:ext cx="9667503" cy="5139869"/>
           </a:xfrm>
           <a:prstGeom prst="rect">
             <a:avLst/>
@@ -19650,7 +19384,7 @@
           <a:lstStyle/>
           <a:p>
             <a:r>
-              <a:rPr lang="en-IN" sz="2400" dirty="0">
+              <a:rPr lang="en-IN" sz="2200" b="1" dirty="0">
                 <a:latin typeface="Arial" panose="020B0604020202020204" pitchFamily="34" charset="0"/>
                 <a:cs typeface="Arial" panose="020B0604020202020204" pitchFamily="34" charset="0"/>
               </a:rPr>
@@ -19658,8 +19392,14 @@
             </a:r>
           </a:p>
           <a:p>
-            <a:r>
-              <a:rPr lang="en-IN" sz="2000" dirty="0">
+            <a:endParaRPr lang="en-IN" sz="2200" dirty="0">
+              <a:latin typeface="Arial" panose="020B0604020202020204" pitchFamily="34" charset="0"/>
+              <a:cs typeface="Arial" panose="020B0604020202020204" pitchFamily="34" charset="0"/>
+            </a:endParaRPr>
+          </a:p>
+          <a:p>
+            <a:r>
+              <a:rPr lang="en-IN" sz="2200" dirty="0">
                 <a:latin typeface="Arial" panose="020B0604020202020204" pitchFamily="34" charset="0"/>
                 <a:cs typeface="Arial" panose="020B0604020202020204" pitchFamily="34" charset="0"/>
               </a:rPr>
@@ -19667,38 +19407,38 @@
             </a:r>
           </a:p>
           <a:p>
-            <a:endParaRPr lang="en-IN" sz="2000" dirty="0">
+            <a:endParaRPr lang="en-IN" sz="2200" dirty="0">
               <a:latin typeface="Arial" panose="020B0604020202020204" pitchFamily="34" charset="0"/>
               <a:cs typeface="Arial" panose="020B0604020202020204" pitchFamily="34" charset="0"/>
             </a:endParaRPr>
           </a:p>
           <a:p>
             <a:r>
-              <a:rPr lang="en-IN" sz="2000" dirty="0">
+              <a:rPr lang="en-IN" sz="2200" dirty="0">
                 <a:latin typeface="Arial" panose="020B0604020202020204" pitchFamily="34" charset="0"/>
                 <a:cs typeface="Arial" panose="020B0604020202020204" pitchFamily="34" charset="0"/>
               </a:rPr>
-              <a:t>private String name; // Private field </a:t>
-            </a:r>
-          </a:p>
-          <a:p>
-            <a:endParaRPr lang="en-IN" sz="2000" dirty="0">
+              <a:t>          private String name; // Private field </a:t>
+            </a:r>
+          </a:p>
+          <a:p>
+            <a:endParaRPr lang="en-IN" sz="2200" dirty="0">
               <a:latin typeface="Arial" panose="020B0604020202020204" pitchFamily="34" charset="0"/>
               <a:cs typeface="Arial" panose="020B0604020202020204" pitchFamily="34" charset="0"/>
             </a:endParaRPr>
           </a:p>
           <a:p>
             <a:r>
-              <a:rPr lang="en-IN" sz="2000" dirty="0">
+              <a:rPr lang="en-IN" sz="2200" dirty="0">
                 <a:latin typeface="Arial" panose="020B0604020202020204" pitchFamily="34" charset="0"/>
                 <a:cs typeface="Arial" panose="020B0604020202020204" pitchFamily="34" charset="0"/>
               </a:rPr>
-              <a:t>    public String getName() { </a:t>
-            </a:r>
-          </a:p>
-          <a:p>
-            <a:r>
-              <a:rPr lang="en-IN" sz="2000" dirty="0">
+              <a:t>          public String getName() { </a:t>
+            </a:r>
+          </a:p>
+          <a:p>
+            <a:r>
+              <a:rPr lang="en-IN" sz="2200" dirty="0">
                 <a:latin typeface="Arial" panose="020B0604020202020204" pitchFamily="34" charset="0"/>
                 <a:cs typeface="Arial" panose="020B0604020202020204" pitchFamily="34" charset="0"/>
               </a:rPr>
@@ -19707,7 +19447,7 @@
           </a:p>
           <a:p>
             <a:r>
-              <a:rPr lang="en-IN" sz="2000" dirty="0">
+              <a:rPr lang="en-IN" sz="2200" dirty="0">
                 <a:latin typeface="Arial" panose="020B0604020202020204" pitchFamily="34" charset="0"/>
                 <a:cs typeface="Arial" panose="020B0604020202020204" pitchFamily="34" charset="0"/>
               </a:rPr>
@@ -19716,7 +19456,7 @@
           </a:p>
           <a:p>
             <a:r>
-              <a:rPr lang="en-IN" sz="2000" dirty="0">
+              <a:rPr lang="en-IN" sz="2200" dirty="0">
                 <a:latin typeface="Arial" panose="020B0604020202020204" pitchFamily="34" charset="0"/>
                 <a:cs typeface="Arial" panose="020B0604020202020204" pitchFamily="34" charset="0"/>
               </a:rPr>
@@ -19725,7 +19465,7 @@
           </a:p>
           <a:p>
             <a:r>
-              <a:rPr lang="en-IN" sz="2000" dirty="0">
+              <a:rPr lang="en-IN" sz="2200" dirty="0">
                 <a:latin typeface="Arial" panose="020B0604020202020204" pitchFamily="34" charset="0"/>
                 <a:cs typeface="Arial" panose="020B0604020202020204" pitchFamily="34" charset="0"/>
               </a:rPr>
@@ -19734,7 +19474,7 @@
           </a:p>
           <a:p>
             <a:r>
-              <a:rPr lang="en-IN" sz="2000" dirty="0">
+              <a:rPr lang="en-IN" sz="2200" dirty="0">
                 <a:latin typeface="Arial" panose="020B0604020202020204" pitchFamily="34" charset="0"/>
                 <a:cs typeface="Arial" panose="020B0604020202020204" pitchFamily="34" charset="0"/>
               </a:rPr>
@@ -19743,7 +19483,7 @@
           </a:p>
           <a:p>
             <a:r>
-              <a:rPr lang="en-IN" sz="2000" dirty="0">
+              <a:rPr lang="en-IN" sz="2200" dirty="0">
                 <a:latin typeface="Arial" panose="020B0604020202020204" pitchFamily="34" charset="0"/>
                 <a:cs typeface="Arial" panose="020B0604020202020204" pitchFamily="34" charset="0"/>
               </a:rPr>
@@ -19752,7 +19492,7 @@
           </a:p>
           <a:p>
             <a:r>
-              <a:rPr lang="en-IN" sz="2000" dirty="0">
+              <a:rPr lang="en-IN" sz="2200" dirty="0">
                 <a:latin typeface="Arial" panose="020B0604020202020204" pitchFamily="34" charset="0"/>
                 <a:cs typeface="Arial" panose="020B0604020202020204" pitchFamily="34" charset="0"/>
               </a:rPr>
@@ -19760,65 +19500,7 @@
             </a:r>
           </a:p>
           <a:p>
-            <a:r>
-              <a:rPr lang="en-IN" sz="2000" dirty="0">
-                <a:latin typeface="Arial" panose="020B0604020202020204" pitchFamily="34" charset="0"/>
-                <a:cs typeface="Arial" panose="020B0604020202020204" pitchFamily="34" charset="0"/>
-              </a:rPr>
-              <a:t>public class Main { </a:t>
-            </a:r>
-          </a:p>
-          <a:p>
-            <a:r>
-              <a:rPr lang="en-IN" sz="2000" dirty="0">
-                <a:latin typeface="Arial" panose="020B0604020202020204" pitchFamily="34" charset="0"/>
-                <a:cs typeface="Arial" panose="020B0604020202020204" pitchFamily="34" charset="0"/>
-              </a:rPr>
-              <a:t>      public static void main(String[] args) {</a:t>
-            </a:r>
-          </a:p>
-          <a:p>
-            <a:r>
-              <a:rPr lang="en-IN" sz="2000" dirty="0">
-                <a:latin typeface="Arial" panose="020B0604020202020204" pitchFamily="34" charset="0"/>
-                <a:cs typeface="Arial" panose="020B0604020202020204" pitchFamily="34" charset="0"/>
-              </a:rPr>
-              <a:t>              Person person = new Person(); </a:t>
-            </a:r>
-          </a:p>
-          <a:p>
-            <a:r>
-              <a:rPr lang="en-IN" sz="2000" dirty="0">
-                <a:latin typeface="Arial" panose="020B0604020202020204" pitchFamily="34" charset="0"/>
-                <a:cs typeface="Arial" panose="020B0604020202020204" pitchFamily="34" charset="0"/>
-              </a:rPr>
-              <a:t>              person.setName("Alice");</a:t>
-            </a:r>
-          </a:p>
-          <a:p>
-            <a:r>
-              <a:rPr lang="en-IN" sz="2000" dirty="0">
-                <a:latin typeface="Arial" panose="020B0604020202020204" pitchFamily="34" charset="0"/>
-                <a:cs typeface="Arial" panose="020B0604020202020204" pitchFamily="34" charset="0"/>
-              </a:rPr>
-              <a:t>              System.out.println("Name: " + person.getName()</a:t>
-            </a:r>
-            <a:r>
-              <a:rPr lang="en-IN" sz="2000" dirty="0"/>
-              <a:t>); </a:t>
-            </a:r>
-          </a:p>
-          <a:p>
-            <a:r>
-              <a:rPr lang="en-IN" sz="2000" dirty="0"/>
-              <a:t>   } </a:t>
-            </a:r>
-          </a:p>
-          <a:p>
-            <a:r>
-              <a:rPr lang="en-IN" sz="2000" dirty="0"/>
-              <a:t>}</a:t>
-            </a:r>
+            <a:endParaRPr lang="en-IN" sz="2000" dirty="0"/>
           </a:p>
         </p:txBody>
       </p:sp>
@@ -19854,35 +19536,6 @@
       </p:grpSpPr>
       <p:sp>
         <p:nvSpPr>
-          <p:cNvPr id="5" name="Slide Number Placeholder 4">
-            <a:extLst>
-              <a:ext uri="{FF2B5EF4-FFF2-40B4-BE49-F238E27FC236}">
-                <a16:creationId xmlns:a16="http://schemas.microsoft.com/office/drawing/2014/main" id="{4F3D1707-380F-945B-138E-3CE4B3DEF9F7}"/>
-              </a:ext>
-            </a:extLst>
-          </p:cNvPr>
-          <p:cNvSpPr>
-            <a:spLocks noGrp="1"/>
-          </p:cNvSpPr>
-          <p:nvPr>
-            <p:ph type="sldNum" sz="quarter" idx="12"/>
-          </p:nvPr>
-        </p:nvSpPr>
-        <p:spPr/>
-        <p:txBody>
-          <a:bodyPr/>
-          <a:lstStyle/>
-          <a:p>
-            <a:fld id="{B5CEABB6-07DC-46E8-9B57-56EC44A396E5}" type="slidenum">
-              <a:rPr lang="en-US" smtClean="0"/>
-              <a:t>6</a:t>
-            </a:fld>
-            <a:endParaRPr lang="en-US" dirty="0"/>
-          </a:p>
-        </p:txBody>
-      </p:sp>
-      <p:sp>
-        <p:nvSpPr>
           <p:cNvPr id="6" name="Content Placeholder 5">
             <a:extLst>
               <a:ext uri="{FF2B5EF4-FFF2-40B4-BE49-F238E27FC236}">
@@ -19899,8 +19552,8 @@
         </p:nvSpPr>
         <p:spPr>
           <a:xfrm>
-            <a:off x="838200" y="419726"/>
-            <a:ext cx="10674246" cy="5816182"/>
+            <a:off x="741405" y="444843"/>
+            <a:ext cx="11071654" cy="6276632"/>
           </a:xfrm>
         </p:spPr>
         <p:txBody>
@@ -19991,71 +19644,6 @@
             </a:r>
           </a:p>
           <a:p>
-            <a:pPr marL="742950" lvl="1" indent="-285750" eaLnBrk="0" fontAlgn="base" hangingPunct="0">
-              <a:spcBef>
-                <a:spcPct val="0"/>
-              </a:spcBef>
-              <a:spcAft>
-                <a:spcPct val="0"/>
-              </a:spcAft>
-              <a:buFont typeface="Arial" panose="020B0604020202020204" pitchFamily="34" charset="0"/>
-              <a:buChar char="•"/>
-            </a:pPr>
-            <a:r>
-              <a:rPr kumimoji="0" lang="en-US" altLang="en-US" sz="2400" b="0" i="0" u="none" strike="noStrike" cap="none" normalizeH="0" baseline="0" dirty="0">
-                <a:ln>
-                  <a:noFill/>
-                </a:ln>
-                <a:solidFill>
-                  <a:schemeClr val="tx1"/>
-                </a:solidFill>
-                <a:effectLst/>
-                <a:latin typeface="Arial" panose="020B0604020202020204" pitchFamily="34" charset="0"/>
-              </a:rPr>
-              <a:t>      Promotes code reuse.</a:t>
-            </a:r>
-          </a:p>
-          <a:p>
-            <a:pPr marL="742950" lvl="1" indent="-285750" eaLnBrk="0" fontAlgn="base" hangingPunct="0">
-              <a:spcBef>
-                <a:spcPct val="0"/>
-              </a:spcBef>
-              <a:spcAft>
-                <a:spcPct val="0"/>
-              </a:spcAft>
-              <a:buFont typeface="Arial" panose="020B0604020202020204" pitchFamily="34" charset="0"/>
-              <a:buChar char="•"/>
-            </a:pPr>
-            <a:r>
-              <a:rPr lang="en-US" altLang="en-US">
-                <a:solidFill>
-                  <a:schemeClr val="tx1"/>
-                </a:solidFill>
-                <a:latin typeface="Arial" panose="020B0604020202020204" pitchFamily="34" charset="0"/>
-              </a:rPr>
-              <a:t>      Is-a </a:t>
-            </a:r>
-            <a:r>
-              <a:rPr lang="en-US" altLang="en-US" dirty="0">
-                <a:solidFill>
-                  <a:schemeClr val="tx1"/>
-                </a:solidFill>
-                <a:latin typeface="Arial" panose="020B0604020202020204" pitchFamily="34" charset="0"/>
-              </a:rPr>
-              <a:t>relationship</a:t>
-            </a:r>
-            <a:endParaRPr kumimoji="0" lang="en-US" altLang="en-US" sz="2400" b="0" i="0" u="none" strike="noStrike" cap="none" normalizeH="0" baseline="0" dirty="0">
-              <a:ln>
-                <a:noFill/>
-              </a:ln>
-              <a:solidFill>
-                <a:schemeClr val="tx1"/>
-              </a:solidFill>
-              <a:effectLst/>
-              <a:latin typeface="Arial" panose="020B0604020202020204" pitchFamily="34" charset="0"/>
-            </a:endParaRPr>
-          </a:p>
-          <a:p>
             <a:pPr marL="457200" lvl="1" indent="0" eaLnBrk="0" fontAlgn="base" hangingPunct="0">
               <a:spcBef>
                 <a:spcPct val="0"/>
@@ -20077,6 +19665,31 @@
             </a:endParaRPr>
           </a:p>
           <a:p>
+            <a:pPr marL="742950" lvl="1" indent="-285750" eaLnBrk="0" fontAlgn="base" hangingPunct="0">
+              <a:spcBef>
+                <a:spcPct val="0"/>
+              </a:spcBef>
+              <a:spcAft>
+                <a:spcPct val="0"/>
+              </a:spcAft>
+              <a:buFont typeface="Arial" panose="020B0604020202020204" pitchFamily="34" charset="0"/>
+              <a:buChar char="•"/>
+            </a:pPr>
+            <a:r>
+              <a:rPr kumimoji="0" lang="en-US" altLang="en-US" sz="2400" b="0" i="0" u="none" strike="noStrike" cap="none" normalizeH="0" baseline="0" dirty="0">
+                <a:ln>
+                  <a:noFill/>
+                </a:ln>
+                <a:solidFill>
+                  <a:schemeClr val="tx1"/>
+                </a:solidFill>
+                <a:effectLst/>
+                <a:latin typeface="Arial" panose="020B0604020202020204" pitchFamily="34" charset="0"/>
+              </a:rPr>
+              <a:t>      Promotes code reuse.</a:t>
+            </a:r>
+          </a:p>
+          <a:p>
             <a:pPr marL="457200" lvl="1" indent="0" eaLnBrk="0" fontAlgn="base" hangingPunct="0">
               <a:spcBef>
                 <a:spcPct val="0"/>
@@ -20086,6 +19699,28 @@
               </a:spcAft>
               <a:buNone/>
             </a:pPr>
+            <a:endParaRPr kumimoji="0" lang="en-US" altLang="en-US" sz="2400" b="0" i="0" u="none" strike="noStrike" cap="none" normalizeH="0" baseline="0" dirty="0">
+              <a:ln>
+                <a:noFill/>
+              </a:ln>
+              <a:solidFill>
+                <a:schemeClr val="tx1"/>
+              </a:solidFill>
+              <a:effectLst/>
+              <a:latin typeface="Arial" panose="020B0604020202020204" pitchFamily="34" charset="0"/>
+            </a:endParaRPr>
+          </a:p>
+          <a:p>
+            <a:pPr marL="742950" lvl="1" indent="-285750" eaLnBrk="0" fontAlgn="base" hangingPunct="0">
+              <a:spcBef>
+                <a:spcPct val="0"/>
+              </a:spcBef>
+              <a:spcAft>
+                <a:spcPct val="0"/>
+              </a:spcAft>
+              <a:buFont typeface="Arial" panose="020B0604020202020204" pitchFamily="34" charset="0"/>
+              <a:buChar char="•"/>
+            </a:pPr>
             <a:r>
               <a:rPr lang="en-US" altLang="en-US" dirty="0">
                 <a:solidFill>
@@ -20093,7 +19728,78 @@
                 </a:solidFill>
                 <a:latin typeface="Arial" panose="020B0604020202020204" pitchFamily="34" charset="0"/>
               </a:rPr>
-              <a:t>Example: Dog is-an Animal</a:t>
+              <a:t>      Is-a relationship</a:t>
+            </a:r>
+          </a:p>
+          <a:p>
+            <a:pPr marL="457200" lvl="1" indent="0" eaLnBrk="0" fontAlgn="base" hangingPunct="0">
+              <a:spcBef>
+                <a:spcPct val="0"/>
+              </a:spcBef>
+              <a:spcAft>
+                <a:spcPct val="0"/>
+              </a:spcAft>
+              <a:buNone/>
+            </a:pPr>
+            <a:endParaRPr kumimoji="0" lang="en-US" altLang="en-US" sz="2400" b="0" i="0" u="none" strike="noStrike" cap="none" normalizeH="0" baseline="0" dirty="0">
+              <a:ln>
+                <a:noFill/>
+              </a:ln>
+              <a:solidFill>
+                <a:schemeClr val="tx1"/>
+              </a:solidFill>
+              <a:effectLst/>
+              <a:latin typeface="Arial" panose="020B0604020202020204" pitchFamily="34" charset="0"/>
+            </a:endParaRPr>
+          </a:p>
+          <a:p>
+            <a:pPr marL="457200" lvl="1" indent="0" eaLnBrk="0" fontAlgn="base" hangingPunct="0">
+              <a:spcBef>
+                <a:spcPct val="0"/>
+              </a:spcBef>
+              <a:spcAft>
+                <a:spcPct val="0"/>
+              </a:spcAft>
+              <a:buNone/>
+            </a:pPr>
+            <a:endParaRPr kumimoji="0" lang="en-US" altLang="en-US" sz="2400" b="0" i="0" u="none" strike="noStrike" cap="none" normalizeH="0" baseline="0" dirty="0">
+              <a:ln>
+                <a:noFill/>
+              </a:ln>
+              <a:solidFill>
+                <a:schemeClr val="tx1"/>
+              </a:solidFill>
+              <a:effectLst/>
+              <a:latin typeface="Arial" panose="020B0604020202020204" pitchFamily="34" charset="0"/>
+            </a:endParaRPr>
+          </a:p>
+          <a:p>
+            <a:pPr marL="457200" lvl="1" indent="0" eaLnBrk="0" fontAlgn="base" hangingPunct="0">
+              <a:spcBef>
+                <a:spcPct val="0"/>
+              </a:spcBef>
+              <a:spcAft>
+                <a:spcPct val="0"/>
+              </a:spcAft>
+              <a:buNone/>
+            </a:pPr>
+            <a:r>
+              <a:rPr lang="en-US" altLang="en-US" b="1" dirty="0">
+                <a:solidFill>
+                  <a:schemeClr val="tx1"/>
+                </a:solidFill>
+                <a:latin typeface="Arial" panose="020B0604020202020204" pitchFamily="34" charset="0"/>
+              </a:rPr>
+              <a:t>Example:</a:t>
+            </a:r>
+            <a:r>
+              <a:rPr lang="en-US" altLang="en-US" dirty="0">
+                <a:solidFill>
+                  <a:schemeClr val="tx1"/>
+                </a:solidFill>
+                <a:latin typeface="Arial" panose="020B0604020202020204" pitchFamily="34" charset="0"/>
+              </a:rPr>
+              <a:t> Dog is-an Animal</a:t>
             </a:r>
           </a:p>
           <a:p>
@@ -20291,107 +19997,6 @@
       </p:grpSpPr>
       <p:sp>
         <p:nvSpPr>
-          <p:cNvPr id="4" name="Date Placeholder 3">
-            <a:extLst>
-              <a:ext uri="{FF2B5EF4-FFF2-40B4-BE49-F238E27FC236}">
-                <a16:creationId xmlns:a16="http://schemas.microsoft.com/office/drawing/2014/main" id="{5C2ACA2A-6BBE-47CF-B76F-F56C9DBF77E6}"/>
-              </a:ext>
-            </a:extLst>
-          </p:cNvPr>
-          <p:cNvSpPr>
-            <a:spLocks noGrp="1"/>
-          </p:cNvSpPr>
-          <p:nvPr>
-            <p:ph type="dt" sz="half" idx="10"/>
-          </p:nvPr>
-        </p:nvSpPr>
-        <p:spPr>
-          <a:xfrm>
-            <a:off x="838200" y="6356350"/>
-            <a:ext cx="2743200" cy="365125"/>
-          </a:xfrm>
-        </p:spPr>
-        <p:txBody>
-          <a:bodyPr/>
-          <a:lstStyle/>
-          <a:p>
-            <a:r>
-              <a:rPr lang="en-US" dirty="0"/>
-              <a:t>20XX</a:t>
-            </a:r>
-          </a:p>
-        </p:txBody>
-      </p:sp>
-      <p:sp>
-        <p:nvSpPr>
-          <p:cNvPr id="5" name="Footer Placeholder 4">
-            <a:extLst>
-              <a:ext uri="{FF2B5EF4-FFF2-40B4-BE49-F238E27FC236}">
-                <a16:creationId xmlns:a16="http://schemas.microsoft.com/office/drawing/2014/main" id="{396A095E-DB05-47EC-A2D5-47398A4A00B4}"/>
-              </a:ext>
-            </a:extLst>
-          </p:cNvPr>
-          <p:cNvSpPr>
-            <a:spLocks noGrp="1"/>
-          </p:cNvSpPr>
-          <p:nvPr>
-            <p:ph type="ftr" sz="quarter" idx="11"/>
-          </p:nvPr>
-        </p:nvSpPr>
-        <p:spPr>
-          <a:xfrm>
-            <a:off x="5224463" y="6356350"/>
-            <a:ext cx="1743075" cy="365125"/>
-          </a:xfrm>
-        </p:spPr>
-        <p:txBody>
-          <a:bodyPr/>
-          <a:lstStyle/>
-          <a:p>
-            <a:r>
-              <a:rPr lang="en-US" dirty="0"/>
-              <a:t>Pitch Deck</a:t>
-            </a:r>
-          </a:p>
-        </p:txBody>
-      </p:sp>
-      <p:sp>
-        <p:nvSpPr>
-          <p:cNvPr id="6" name="Slide Number Placeholder 5">
-            <a:extLst>
-              <a:ext uri="{FF2B5EF4-FFF2-40B4-BE49-F238E27FC236}">
-                <a16:creationId xmlns:a16="http://schemas.microsoft.com/office/drawing/2014/main" id="{C23C3221-5F04-4CA7-A86A-EEA8566A1735}"/>
-              </a:ext>
-            </a:extLst>
-          </p:cNvPr>
-          <p:cNvSpPr>
-            <a:spLocks noGrp="1"/>
-          </p:cNvSpPr>
-          <p:nvPr>
-            <p:ph type="sldNum" sz="quarter" idx="12"/>
-          </p:nvPr>
-        </p:nvSpPr>
-        <p:spPr>
-          <a:xfrm>
-            <a:off x="8610600" y="6356350"/>
-            <a:ext cx="2743200" cy="365125"/>
-          </a:xfrm>
-        </p:spPr>
-        <p:txBody>
-          <a:bodyPr/>
-          <a:lstStyle/>
-          <a:p>
-            <a:fld id="{B5CEABB6-07DC-46E8-9B57-56EC44A396E5}" type="slidenum">
-              <a:rPr lang="en-US" smtClean="0"/>
-              <a:pPr/>
-              <a:t>7</a:t>
-            </a:fld>
-            <a:endParaRPr lang="en-US" dirty="0"/>
-          </a:p>
-        </p:txBody>
-      </p:sp>
-      <p:sp>
-        <p:nvSpPr>
           <p:cNvPr id="9" name="Title 1">
             <a:extLst>
               <a:ext uri="{FF2B5EF4-FFF2-40B4-BE49-F238E27FC236}">
@@ -20472,8 +20077,8 @@
         </p:nvSpPr>
         <p:spPr bwMode="auto">
           <a:xfrm>
-            <a:off x="838199" y="632817"/>
-            <a:ext cx="10974049" cy="5539978"/>
+            <a:off x="613611" y="390746"/>
+            <a:ext cx="11578389" cy="6586418"/>
           </a:xfrm>
           <a:prstGeom prst="rect">
             <a:avLst/>
@@ -20550,7 +20155,7 @@
             </a:r>
           </a:p>
           <a:p>
-            <a:pPr marL="342900" marR="0" lvl="0" indent="-342900" algn="l" defTabSz="914400" rtl="0" eaLnBrk="0" fontAlgn="base" latinLnBrk="0" hangingPunct="0">
+            <a:pPr marR="0" lvl="0" algn="l" defTabSz="914400" rtl="0" eaLnBrk="0" fontAlgn="base" latinLnBrk="0" hangingPunct="0">
               <a:lnSpc>
                 <a:spcPct val="100000"/>
               </a:lnSpc>
@@ -20562,8 +20167,6 @@
               </a:spcAft>
               <a:buClrTx/>
               <a:buSzTx/>
-              <a:buFont typeface="+mj-lt"/>
-              <a:buAutoNum type="arabicPeriod"/>
               <a:tabLst/>
             </a:pPr>
             <a:endParaRPr kumimoji="0" lang="en-US" altLang="en-US" sz="2400" b="0" i="0" u="none" strike="noStrike" cap="none" normalizeH="0" baseline="0" dirty="0">
@@ -20578,7 +20181,7 @@
             </a:endParaRPr>
           </a:p>
           <a:p>
-            <a:pPr marL="914400" lvl="1" indent="-457200" eaLnBrk="0" fontAlgn="base" hangingPunct="0">
+            <a:pPr marL="800100" lvl="1" indent="-342900" eaLnBrk="0" fontAlgn="base" hangingPunct="0">
               <a:spcBef>
                 <a:spcPct val="0"/>
               </a:spcBef>
@@ -20589,7 +20192,14 @@
               <a:buChar char="•"/>
             </a:pPr>
             <a:r>
-              <a:rPr kumimoji="0" lang="en-US" altLang="en-US" sz="2400" b="0" i="0" u="none" strike="noStrike" cap="none" normalizeH="0" baseline="0" dirty="0">
+              <a:rPr lang="en-US" sz="2200" dirty="0">
+                <a:latin typeface="Arial" panose="020B0604020202020204" pitchFamily="34" charset="0"/>
+                <a:cs typeface="Arial" panose="020B0604020202020204" pitchFamily="34" charset="0"/>
+              </a:rPr>
+              <a:t>Ability of a method to behave differently based on the object or parameters</a:t>
+            </a:r>
+            <a:r>
+              <a:rPr kumimoji="0" lang="en-US" altLang="en-US" sz="2200" b="0" i="0" u="none" strike="noStrike" cap="none" normalizeH="0" baseline="0" dirty="0">
                 <a:ln>
                   <a:noFill/>
                 </a:ln>
@@ -20599,47 +20209,37 @@
                 <a:effectLst/>
                 <a:latin typeface="Arial" panose="020B0604020202020204" pitchFamily="34" charset="0"/>
               </a:rPr>
-              <a:t>Ability to take multiple forms.</a:t>
-            </a:r>
-          </a:p>
-          <a:p>
-            <a:pPr marL="914400" lvl="1" indent="-457200" eaLnBrk="0" fontAlgn="base" hangingPunct="0">
+              <a:t>.</a:t>
+            </a:r>
+          </a:p>
+          <a:p>
+            <a:pPr lvl="1" eaLnBrk="0" fontAlgn="base" hangingPunct="0">
               <a:spcBef>
                 <a:spcPct val="0"/>
               </a:spcBef>
               <a:spcAft>
                 <a:spcPct val="0"/>
               </a:spcAft>
-              <a:buFont typeface="Arial" panose="020B0604020202020204" pitchFamily="34" charset="0"/>
-              <a:buChar char="•"/>
             </a:pPr>
-            <a:r>
-              <a:rPr kumimoji="0" lang="en-US" altLang="en-US" sz="2400" b="0" i="0" u="none" strike="noStrike" cap="none" normalizeH="0" baseline="0" dirty="0">
-                <a:ln>
-                  <a:noFill/>
-                </a:ln>
-                <a:solidFill>
-                  <a:schemeClr val="tx1"/>
-                </a:solidFill>
-                <a:effectLst/>
-                <a:latin typeface="Arial" panose="020B0604020202020204" pitchFamily="34" charset="0"/>
-              </a:rPr>
-              <a:t>Example: Method Overloading and Overriding.</a:t>
-            </a:r>
-            <a:endParaRPr lang="en-US" altLang="en-US" sz="2400" dirty="0">
+            <a:endParaRPr kumimoji="0" lang="en-US" altLang="en-US" sz="2200" b="0" i="0" u="none" strike="noStrike" cap="none" normalizeH="0" baseline="0" dirty="0">
+              <a:ln>
+                <a:noFill/>
+              </a:ln>
+              <a:solidFill>
+                <a:schemeClr val="tx1"/>
+              </a:solidFill>
+              <a:effectLst/>
               <a:latin typeface="Arial" panose="020B0604020202020204" pitchFamily="34" charset="0"/>
             </a:endParaRPr>
           </a:p>
           <a:p>
-            <a:pPr marL="914400" lvl="1" indent="-457200" eaLnBrk="0" fontAlgn="base" hangingPunct="0">
+            <a:pPr lvl="1" eaLnBrk="0" fontAlgn="base" hangingPunct="0">
               <a:spcBef>
                 <a:spcPct val="0"/>
               </a:spcBef>
               <a:spcAft>
                 <a:spcPct val="0"/>
               </a:spcAft>
-              <a:buFont typeface="Arial" panose="020B0604020202020204" pitchFamily="34" charset="0"/>
-              <a:buChar char="•"/>
             </a:pPr>
             <a:endParaRPr kumimoji="0" lang="en-US" altLang="en-US" sz="2400" b="0" i="0" u="none" strike="noStrike" cap="none" normalizeH="0" baseline="0" dirty="0">
               <a:ln>
@@ -20662,8 +20262,17 @@
               </a:spcAft>
             </a:pPr>
             <a:r>
-              <a:rPr lang="en-US" sz="2400" dirty="0"/>
-              <a:t>class Calculator {     </a:t>
+              <a:rPr kumimoji="0" lang="en-US" altLang="en-US" sz="2400" b="0" i="0" u="none" strike="noStrike" cap="none" normalizeH="0" baseline="0" dirty="0">
+                <a:ln>
+                  <a:noFill/>
+                </a:ln>
+                <a:solidFill>
+                  <a:schemeClr val="tx1"/>
+                </a:solidFill>
+                <a:effectLst/>
+                <a:latin typeface="Arial" panose="020B0604020202020204" pitchFamily="34" charset="0"/>
+              </a:rPr>
+              <a:t> </a:t>
             </a:r>
           </a:p>
           <a:p>
@@ -20675,10 +20284,16 @@
                 <a:spcPct val="0"/>
               </a:spcAft>
             </a:pPr>
-            <a:r>
-              <a:rPr lang="en-US" sz="2400" dirty="0"/>
-              <a:t>    // Method Overloading - same method name, but different parameter lists </a:t>
-            </a:r>
+            <a:endParaRPr kumimoji="0" lang="en-US" altLang="en-US" sz="2200" b="1" i="0" u="none" strike="noStrike" cap="none" normalizeH="0" baseline="0" dirty="0">
+              <a:ln>
+                <a:noFill/>
+              </a:ln>
+              <a:solidFill>
+                <a:schemeClr val="tx1"/>
+              </a:solidFill>
+              <a:effectLst/>
+              <a:latin typeface="Arial" panose="020B0604020202020204" pitchFamily="34" charset="0"/>
+            </a:endParaRPr>
           </a:p>
           <a:p>
             <a:pPr lvl="1" eaLnBrk="0" fontAlgn="base" hangingPunct="0">
@@ -20689,10 +20304,9 @@
                 <a:spcPct val="0"/>
               </a:spcAft>
             </a:pPr>
-            <a:r>
-              <a:rPr lang="en-US" sz="2400" dirty="0"/>
-              <a:t>     int add(int a, int b) { </a:t>
-            </a:r>
+            <a:endParaRPr lang="en-US" altLang="en-US" sz="2200" b="1" dirty="0">
+              <a:latin typeface="Arial" panose="020B0604020202020204" pitchFamily="34" charset="0"/>
+            </a:endParaRPr>
           </a:p>
           <a:p>
             <a:pPr lvl="1" eaLnBrk="0" fontAlgn="base" hangingPunct="0">
@@ -20704,78 +20318,17 @@
               </a:spcAft>
             </a:pPr>
             <a:r>
-              <a:rPr lang="en-US" sz="2400" dirty="0"/>
-              <a:t>      return a + b; </a:t>
-            </a:r>
-          </a:p>
-          <a:p>
-            <a:pPr lvl="1" eaLnBrk="0" fontAlgn="base" hangingPunct="0">
-              <a:spcBef>
-                <a:spcPct val="0"/>
-              </a:spcBef>
-              <a:spcAft>
-                <a:spcPct val="0"/>
-              </a:spcAft>
-            </a:pPr>
-            <a:r>
-              <a:rPr lang="en-US" sz="2400" dirty="0"/>
-              <a:t>   } </a:t>
-            </a:r>
-          </a:p>
-          <a:p>
-            <a:pPr lvl="1" eaLnBrk="0" fontAlgn="base" hangingPunct="0">
-              <a:spcBef>
-                <a:spcPct val="0"/>
-              </a:spcBef>
-              <a:spcAft>
-                <a:spcPct val="0"/>
-              </a:spcAft>
-            </a:pPr>
-            <a:r>
-              <a:rPr lang="en-US" sz="2400" dirty="0"/>
-              <a:t>   double add(double a, double b) { </a:t>
-            </a:r>
-          </a:p>
-          <a:p>
-            <a:pPr lvl="1" eaLnBrk="0" fontAlgn="base" hangingPunct="0">
-              <a:spcBef>
-                <a:spcPct val="0"/>
-              </a:spcBef>
-              <a:spcAft>
-                <a:spcPct val="0"/>
-              </a:spcAft>
-            </a:pPr>
-            <a:r>
-              <a:rPr lang="en-US" sz="2400" dirty="0"/>
-              <a:t>     return a + b; </a:t>
-            </a:r>
-          </a:p>
-          <a:p>
-            <a:pPr lvl="1" eaLnBrk="0" fontAlgn="base" hangingPunct="0">
-              <a:spcBef>
-                <a:spcPct val="0"/>
-              </a:spcBef>
-              <a:spcAft>
-                <a:spcPct val="0"/>
-              </a:spcAft>
-            </a:pPr>
-            <a:r>
-              <a:rPr lang="en-US" sz="2400" dirty="0"/>
-              <a:t>   } </a:t>
-            </a:r>
-          </a:p>
-          <a:p>
-            <a:pPr lvl="1" eaLnBrk="0" fontAlgn="base" hangingPunct="0">
-              <a:spcBef>
-                <a:spcPct val="0"/>
-              </a:spcBef>
-              <a:spcAft>
-                <a:spcPct val="0"/>
-              </a:spcAft>
-            </a:pPr>
-            <a:r>
-              <a:rPr lang="en-US" sz="2400" dirty="0"/>
-              <a:t>}</a:t>
+              <a:rPr kumimoji="0" lang="en-US" altLang="en-US" sz="2200" b="1" i="0" u="none" strike="noStrike" cap="none" normalizeH="0" baseline="0" dirty="0">
+                <a:ln>
+                  <a:noFill/>
+                </a:ln>
+                <a:solidFill>
+                  <a:schemeClr val="tx1"/>
+                </a:solidFill>
+                <a:effectLst/>
+                <a:latin typeface="Arial" panose="020B0604020202020204" pitchFamily="34" charset="0"/>
+              </a:rPr>
+              <a:t>Example:</a:t>
             </a:r>
             <a:endParaRPr kumimoji="0" lang="en-US" altLang="en-US" sz="2400" b="0" i="0" u="none" strike="noStrike" cap="none" normalizeH="0" baseline="0" dirty="0">
               <a:ln>
@@ -20786,6 +20339,227 @@
               </a:solidFill>
               <a:effectLst/>
               <a:latin typeface="Arial" panose="020B0604020202020204" pitchFamily="34" charset="0"/>
+            </a:endParaRPr>
+          </a:p>
+          <a:p>
+            <a:pPr lvl="1" eaLnBrk="0" fontAlgn="base" hangingPunct="0">
+              <a:spcBef>
+                <a:spcPct val="0"/>
+              </a:spcBef>
+              <a:spcAft>
+                <a:spcPct val="0"/>
+              </a:spcAft>
+            </a:pPr>
+            <a:r>
+              <a:rPr lang="en-US" sz="2200" dirty="0">
+                <a:solidFill>
+                  <a:schemeClr val="tx1">
+                    <a:lumMod val="75000"/>
+                    <a:lumOff val="25000"/>
+                  </a:schemeClr>
+                </a:solidFill>
+                <a:latin typeface="Arial" panose="020B0604020202020204" pitchFamily="34" charset="0"/>
+                <a:cs typeface="Arial" panose="020B0604020202020204" pitchFamily="34" charset="0"/>
+              </a:rPr>
+              <a:t>class Calculator {     </a:t>
+            </a:r>
+          </a:p>
+          <a:p>
+            <a:pPr lvl="1" eaLnBrk="0" fontAlgn="base" hangingPunct="0">
+              <a:spcBef>
+                <a:spcPct val="0"/>
+              </a:spcBef>
+              <a:spcAft>
+                <a:spcPct val="0"/>
+              </a:spcAft>
+            </a:pPr>
+            <a:r>
+              <a:rPr lang="en-US" sz="2200" dirty="0">
+                <a:solidFill>
+                  <a:schemeClr val="tx1">
+                    <a:lumMod val="75000"/>
+                    <a:lumOff val="25000"/>
+                  </a:schemeClr>
+                </a:solidFill>
+                <a:latin typeface="Arial" panose="020B0604020202020204" pitchFamily="34" charset="0"/>
+                <a:cs typeface="Arial" panose="020B0604020202020204" pitchFamily="34" charset="0"/>
+              </a:rPr>
+              <a:t>    // Method Overloading - same method name, but different parameter lists </a:t>
+            </a:r>
+          </a:p>
+          <a:p>
+            <a:pPr lvl="1" eaLnBrk="0" fontAlgn="base" hangingPunct="0">
+              <a:spcBef>
+                <a:spcPct val="0"/>
+              </a:spcBef>
+              <a:spcAft>
+                <a:spcPct val="0"/>
+              </a:spcAft>
+            </a:pPr>
+            <a:r>
+              <a:rPr lang="en-US" sz="2200" dirty="0">
+                <a:solidFill>
+                  <a:schemeClr val="tx1">
+                    <a:lumMod val="75000"/>
+                    <a:lumOff val="25000"/>
+                  </a:schemeClr>
+                </a:solidFill>
+                <a:latin typeface="Arial" panose="020B0604020202020204" pitchFamily="34" charset="0"/>
+                <a:cs typeface="Arial" panose="020B0604020202020204" pitchFamily="34" charset="0"/>
+              </a:rPr>
+              <a:t>     int add(int a, int b) { </a:t>
+            </a:r>
+          </a:p>
+          <a:p>
+            <a:pPr lvl="1" eaLnBrk="0" fontAlgn="base" hangingPunct="0">
+              <a:spcBef>
+                <a:spcPct val="0"/>
+              </a:spcBef>
+              <a:spcAft>
+                <a:spcPct val="0"/>
+              </a:spcAft>
+            </a:pPr>
+            <a:r>
+              <a:rPr lang="en-US" sz="2200" dirty="0">
+                <a:solidFill>
+                  <a:schemeClr val="tx1">
+                    <a:lumMod val="75000"/>
+                    <a:lumOff val="25000"/>
+                  </a:schemeClr>
+                </a:solidFill>
+                <a:latin typeface="Arial" panose="020B0604020202020204" pitchFamily="34" charset="0"/>
+                <a:cs typeface="Arial" panose="020B0604020202020204" pitchFamily="34" charset="0"/>
+              </a:rPr>
+              <a:t>      return a + b; </a:t>
+            </a:r>
+          </a:p>
+          <a:p>
+            <a:pPr lvl="1" eaLnBrk="0" fontAlgn="base" hangingPunct="0">
+              <a:spcBef>
+                <a:spcPct val="0"/>
+              </a:spcBef>
+              <a:spcAft>
+                <a:spcPct val="0"/>
+              </a:spcAft>
+            </a:pPr>
+            <a:r>
+              <a:rPr lang="en-US" sz="2200" dirty="0">
+                <a:solidFill>
+                  <a:schemeClr val="tx1">
+                    <a:lumMod val="75000"/>
+                    <a:lumOff val="25000"/>
+                  </a:schemeClr>
+                </a:solidFill>
+                <a:latin typeface="Arial" panose="020B0604020202020204" pitchFamily="34" charset="0"/>
+                <a:cs typeface="Arial" panose="020B0604020202020204" pitchFamily="34" charset="0"/>
+              </a:rPr>
+              <a:t>   } </a:t>
+            </a:r>
+          </a:p>
+          <a:p>
+            <a:pPr lvl="1" eaLnBrk="0" fontAlgn="base" hangingPunct="0">
+              <a:spcBef>
+                <a:spcPct val="0"/>
+              </a:spcBef>
+              <a:spcAft>
+                <a:spcPct val="0"/>
+              </a:spcAft>
+            </a:pPr>
+            <a:r>
+              <a:rPr lang="en-US" sz="2200" dirty="0">
+                <a:solidFill>
+                  <a:schemeClr val="tx1">
+                    <a:lumMod val="75000"/>
+                    <a:lumOff val="25000"/>
+                  </a:schemeClr>
+                </a:solidFill>
+                <a:latin typeface="Arial" panose="020B0604020202020204" pitchFamily="34" charset="0"/>
+                <a:cs typeface="Arial" panose="020B0604020202020204" pitchFamily="34" charset="0"/>
+              </a:rPr>
+              <a:t>   double add(double a, double b) { </a:t>
+            </a:r>
+          </a:p>
+          <a:p>
+            <a:pPr lvl="1" eaLnBrk="0" fontAlgn="base" hangingPunct="0">
+              <a:spcBef>
+                <a:spcPct val="0"/>
+              </a:spcBef>
+              <a:spcAft>
+                <a:spcPct val="0"/>
+              </a:spcAft>
+            </a:pPr>
+            <a:r>
+              <a:rPr lang="en-US" sz="2200" dirty="0">
+                <a:solidFill>
+                  <a:schemeClr val="tx1">
+                    <a:lumMod val="75000"/>
+                    <a:lumOff val="25000"/>
+                  </a:schemeClr>
+                </a:solidFill>
+                <a:latin typeface="Arial" panose="020B0604020202020204" pitchFamily="34" charset="0"/>
+                <a:cs typeface="Arial" panose="020B0604020202020204" pitchFamily="34" charset="0"/>
+              </a:rPr>
+              <a:t>     return a + b; </a:t>
+            </a:r>
+          </a:p>
+          <a:p>
+            <a:pPr lvl="1" eaLnBrk="0" fontAlgn="base" hangingPunct="0">
+              <a:spcBef>
+                <a:spcPct val="0"/>
+              </a:spcBef>
+              <a:spcAft>
+                <a:spcPct val="0"/>
+              </a:spcAft>
+            </a:pPr>
+            <a:r>
+              <a:rPr lang="en-US" sz="2200" dirty="0">
+                <a:solidFill>
+                  <a:schemeClr val="tx1">
+                    <a:lumMod val="75000"/>
+                    <a:lumOff val="25000"/>
+                  </a:schemeClr>
+                </a:solidFill>
+                <a:latin typeface="Arial" panose="020B0604020202020204" pitchFamily="34" charset="0"/>
+                <a:cs typeface="Arial" panose="020B0604020202020204" pitchFamily="34" charset="0"/>
+              </a:rPr>
+              <a:t>   } </a:t>
+            </a:r>
+          </a:p>
+          <a:p>
+            <a:pPr lvl="1" eaLnBrk="0" fontAlgn="base" hangingPunct="0">
+              <a:spcBef>
+                <a:spcPct val="0"/>
+              </a:spcBef>
+              <a:spcAft>
+                <a:spcPct val="0"/>
+              </a:spcAft>
+            </a:pPr>
+            <a:r>
+              <a:rPr lang="en-US" sz="2200" dirty="0">
+                <a:solidFill>
+                  <a:schemeClr val="tx1">
+                    <a:lumMod val="75000"/>
+                    <a:lumOff val="25000"/>
+                  </a:schemeClr>
+                </a:solidFill>
+                <a:latin typeface="Arial" panose="020B0604020202020204" pitchFamily="34" charset="0"/>
+                <a:cs typeface="Arial" panose="020B0604020202020204" pitchFamily="34" charset="0"/>
+              </a:rPr>
+              <a:t>}</a:t>
+            </a:r>
+            <a:endParaRPr kumimoji="0" lang="en-US" altLang="en-US" sz="2200" b="0" i="0" u="none" strike="noStrike" cap="none" normalizeH="0" baseline="0" dirty="0">
+              <a:ln>
+                <a:noFill/>
+              </a:ln>
+              <a:solidFill>
+                <a:schemeClr val="tx1">
+                  <a:lumMod val="75000"/>
+                  <a:lumOff val="25000"/>
+                </a:schemeClr>
+              </a:solidFill>
+              <a:effectLst/>
+              <a:latin typeface="Arial" panose="020B0604020202020204" pitchFamily="34" charset="0"/>
+              <a:cs typeface="Arial" panose="020B0604020202020204" pitchFamily="34" charset="0"/>
             </a:endParaRPr>
           </a:p>
           <a:p>
@@ -20813,6 +20587,176 @@
                 <a:schemeClr val="tx1"/>
               </a:solidFill>
               <a:effectLst/>
+              <a:latin typeface="Arial" panose="020B0604020202020204" pitchFamily="34" charset="0"/>
+            </a:endParaRPr>
+          </a:p>
+        </p:txBody>
+      </p:sp>
+      <p:sp>
+        <p:nvSpPr>
+          <p:cNvPr id="3" name="Rectangle 2">
+            <a:extLst>
+              <a:ext uri="{FF2B5EF4-FFF2-40B4-BE49-F238E27FC236}">
+                <a16:creationId xmlns:a16="http://schemas.microsoft.com/office/drawing/2014/main" id="{8086A329-39C7-CDDE-A564-72B6F9A4C6F8}"/>
+              </a:ext>
+            </a:extLst>
+          </p:cNvPr>
+          <p:cNvSpPr>
+            <a:spLocks noChangeArrowheads="1"/>
+          </p:cNvSpPr>
+          <p:nvPr/>
+        </p:nvSpPr>
+        <p:spPr bwMode="auto">
+          <a:xfrm>
+            <a:off x="1070812" y="1842483"/>
+            <a:ext cx="7844588" cy="1446550"/>
+          </a:xfrm>
+          <a:prstGeom prst="rect">
+            <a:avLst/>
+          </a:prstGeom>
+          <a:noFill/>
+          <a:ln>
+            <a:noFill/>
+          </a:ln>
+          <a:effectLst/>
+          <a:extLst>
+            <a:ext uri="{909E8E84-426E-40DD-AFC4-6F175D3DCCD1}">
+              <a14:hiddenFill xmlns:a14="http://schemas.microsoft.com/office/drawing/2010/main">
+                <a:solidFill>
+                  <a:schemeClr val="accent1"/>
+                </a:solidFill>
+              </a14:hiddenFill>
+            </a:ext>
+            <a:ext uri="{91240B29-F687-4F45-9708-019B960494DF}">
+              <a14:hiddenLine xmlns:a14="http://schemas.microsoft.com/office/drawing/2010/main" w="9525">
+                <a:solidFill>
+                  <a:schemeClr val="tx1"/>
+                </a:solidFill>
+                <a:miter lim="800000"/>
+                <a:headEnd/>
+                <a:tailEnd/>
+              </a14:hiddenLine>
+            </a:ext>
+            <a:ext uri="{AF507438-7753-43E0-B8FC-AC1667EBCBE1}">
+              <a14:hiddenEffects xmlns:a14="http://schemas.microsoft.com/office/drawing/2010/main">
+                <a:effectLst>
+                  <a:outerShdw dist="35921" dir="2700000" algn="ctr" rotWithShape="0">
+                    <a:schemeClr val="bg2"/>
+                  </a:outerShdw>
+                </a:effectLst>
+              </a14:hiddenEffects>
+            </a:ext>
+          </a:extLst>
+        </p:spPr>
+        <p:txBody>
+          <a:bodyPr vert="horz" wrap="square" lIns="91440" tIns="45720" rIns="91440" bIns="45720" numCol="1" anchor="ctr" anchorCtr="0" compatLnSpc="1">
+            <a:prstTxWarp prst="textNoShape">
+              <a:avLst/>
+            </a:prstTxWarp>
+            <a:spAutoFit/>
+          </a:bodyPr>
+          <a:lstStyle/>
+          <a:p>
+            <a:pPr marL="0" marR="0" lvl="0" indent="0" algn="l" defTabSz="914400" rtl="0" eaLnBrk="0" fontAlgn="base" latinLnBrk="0" hangingPunct="0">
+              <a:lnSpc>
+                <a:spcPct val="100000"/>
+              </a:lnSpc>
+              <a:spcBef>
+                <a:spcPct val="0"/>
+              </a:spcBef>
+              <a:spcAft>
+                <a:spcPct val="0"/>
+              </a:spcAft>
+              <a:buClrTx/>
+              <a:buSzTx/>
+              <a:buFontTx/>
+              <a:buChar char="•"/>
+              <a:tabLst/>
+            </a:pPr>
+            <a:r>
+              <a:rPr lang="en-US" altLang="en-US" dirty="0">
+                <a:latin typeface="Arial" panose="020B0604020202020204" pitchFamily="34" charset="0"/>
+              </a:rPr>
+              <a:t>    </a:t>
+            </a:r>
+            <a:r>
+              <a:rPr kumimoji="0" lang="en-US" altLang="en-US" sz="2200" b="0" i="0" u="none" strike="noStrike" cap="none" normalizeH="0" baseline="0" dirty="0">
+                <a:ln>
+                  <a:noFill/>
+                </a:ln>
+                <a:effectLst/>
+                <a:latin typeface="Arial" panose="020B0604020202020204" pitchFamily="34" charset="0"/>
+              </a:rPr>
+              <a:t>Method Overloading (Compile-time Polymorphism)</a:t>
+            </a:r>
+          </a:p>
+          <a:p>
+            <a:pPr marL="0" marR="0" lvl="0" indent="0" algn="l" defTabSz="914400" rtl="0" eaLnBrk="0" fontAlgn="base" latinLnBrk="0" hangingPunct="0">
+              <a:lnSpc>
+                <a:spcPct val="100000"/>
+              </a:lnSpc>
+              <a:spcBef>
+                <a:spcPct val="0"/>
+              </a:spcBef>
+              <a:spcAft>
+                <a:spcPct val="0"/>
+              </a:spcAft>
+              <a:buClrTx/>
+              <a:buSzTx/>
+              <a:tabLst/>
+            </a:pPr>
+            <a:endParaRPr kumimoji="0" lang="en-US" altLang="en-US" sz="2200" b="0" i="0" u="none" strike="noStrike" cap="none" normalizeH="0" baseline="0" dirty="0">
+              <a:ln>
+                <a:noFill/>
+              </a:ln>
+              <a:effectLst/>
+              <a:latin typeface="Arial" panose="020B0604020202020204" pitchFamily="34" charset="0"/>
+            </a:endParaRPr>
+          </a:p>
+          <a:p>
+            <a:pPr marL="0" marR="0" lvl="0" indent="0" algn="l" defTabSz="914400" rtl="0" eaLnBrk="0" fontAlgn="base" latinLnBrk="0" hangingPunct="0">
+              <a:lnSpc>
+                <a:spcPct val="100000"/>
+              </a:lnSpc>
+              <a:spcBef>
+                <a:spcPct val="0"/>
+              </a:spcBef>
+              <a:spcAft>
+                <a:spcPct val="0"/>
+              </a:spcAft>
+              <a:buClrTx/>
+              <a:buSzTx/>
+              <a:buFontTx/>
+              <a:buChar char="•"/>
+              <a:tabLst/>
+            </a:pPr>
+            <a:r>
+              <a:rPr kumimoji="0" lang="en-US" altLang="en-US" sz="2200" b="0" i="0" u="none" strike="noStrike" cap="none" normalizeH="0" baseline="0" dirty="0">
+                <a:ln>
+                  <a:noFill/>
+                </a:ln>
+                <a:effectLst/>
+                <a:latin typeface="Arial" panose="020B0604020202020204" pitchFamily="34" charset="0"/>
+              </a:rPr>
+              <a:t>   Method Overriding (Runtime Polymorphism)</a:t>
+            </a:r>
+          </a:p>
+          <a:p>
+            <a:pPr marL="0" marR="0" lvl="0" indent="0" algn="l" defTabSz="914400" rtl="0" eaLnBrk="0" fontAlgn="base" latinLnBrk="0" hangingPunct="0">
+              <a:lnSpc>
+                <a:spcPct val="100000"/>
+              </a:lnSpc>
+              <a:spcBef>
+                <a:spcPct val="0"/>
+              </a:spcBef>
+              <a:spcAft>
+                <a:spcPct val="0"/>
+              </a:spcAft>
+              <a:buClrTx/>
+              <a:buSzTx/>
+              <a:tabLst/>
+            </a:pPr>
+            <a:endParaRPr lang="en-US" altLang="en-US" sz="2200" dirty="0">
               <a:latin typeface="Arial" panose="020B0604020202020204" pitchFamily="34" charset="0"/>
             </a:endParaRPr>
           </a:p>
@@ -20850,24 +20794,24 @@
       </p:grpSpPr>
       <p:sp>
         <p:nvSpPr>
-          <p:cNvPr id="5" name="Text Placeholder 4">
-            <a:extLst>
-              <a:ext uri="{FF2B5EF4-FFF2-40B4-BE49-F238E27FC236}">
-                <a16:creationId xmlns:a16="http://schemas.microsoft.com/office/drawing/2014/main" id="{06E82690-B145-4D4F-B2D1-0B2A8C50FD71}"/>
-              </a:ext>
-            </a:extLst>
-          </p:cNvPr>
-          <p:cNvSpPr>
-            <a:spLocks noGrp="1"/>
-          </p:cNvSpPr>
-          <p:nvPr>
-            <p:ph type="body" sz="quarter" idx="26"/>
-          </p:nvPr>
-        </p:nvSpPr>
-        <p:spPr>
-          <a:xfrm>
-            <a:off x="839449" y="854439"/>
-            <a:ext cx="10717967" cy="5666281"/>
+          <p:cNvPr id="6" name="Content Placeholder 5">
+            <a:extLst>
+              <a:ext uri="{FF2B5EF4-FFF2-40B4-BE49-F238E27FC236}">
+                <a16:creationId xmlns:a16="http://schemas.microsoft.com/office/drawing/2014/main" id="{C369F12F-85C8-802F-F4DD-232048EF02D0}"/>
+              </a:ext>
+            </a:extLst>
+          </p:cNvPr>
+          <p:cNvSpPr>
+            <a:spLocks noGrp="1"/>
+          </p:cNvSpPr>
+          <p:nvPr>
+            <p:ph sz="quarter" idx="16"/>
+          </p:nvPr>
+        </p:nvSpPr>
+        <p:spPr>
+          <a:xfrm>
+            <a:off x="838200" y="660400"/>
+            <a:ext cx="10787743" cy="5695950"/>
           </a:xfrm>
         </p:spPr>
         <p:txBody>
@@ -20876,258 +20820,209 @@
           </a:bodyPr>
           <a:lstStyle/>
           <a:p>
-            <a:pPr marR="0" lvl="0" algn="l" defTabSz="914400" rtl="0" eaLnBrk="0" fontAlgn="base" latinLnBrk="0" hangingPunct="0">
-              <a:lnSpc>
-                <a:spcPct val="100000"/>
-              </a:lnSpc>
-              <a:spcBef>
-                <a:spcPct val="0"/>
-              </a:spcBef>
-              <a:spcAft>
-                <a:spcPct val="0"/>
-              </a:spcAft>
-              <a:buClrTx/>
-              <a:buSzTx/>
-              <a:tabLst/>
+            <a:pPr marL="457200" lvl="1" indent="0">
+              <a:buNone/>
             </a:pPr>
             <a:r>
-              <a:rPr kumimoji="0" lang="en-US" altLang="en-US" sz="2400" b="1" i="0" u="none" strike="noStrike" cap="none" normalizeH="0" baseline="0" dirty="0">
-                <a:ln>
-                  <a:noFill/>
-                </a:ln>
+              <a:rPr lang="en-IN" sz="2200" b="1" dirty="0">
+                <a:latin typeface="Arial" panose="020B0604020202020204" pitchFamily="34" charset="0"/>
+                <a:cs typeface="Arial" panose="020B0604020202020204" pitchFamily="34" charset="0"/>
+              </a:rPr>
+              <a:t>Example:</a:t>
+            </a:r>
+          </a:p>
+          <a:p>
+            <a:pPr marL="457200" lvl="1" indent="0">
+              <a:buNone/>
+            </a:pPr>
+            <a:endParaRPr lang="en-IN" sz="2200" dirty="0">
+              <a:latin typeface="Arial" panose="020B0604020202020204" pitchFamily="34" charset="0"/>
+              <a:cs typeface="Arial" panose="020B0604020202020204" pitchFamily="34" charset="0"/>
+            </a:endParaRPr>
+          </a:p>
+          <a:p>
+            <a:pPr marL="457200" lvl="1" indent="0">
+              <a:buNone/>
+            </a:pPr>
+            <a:r>
+              <a:rPr lang="en-IN" sz="2200" dirty="0">
+                <a:latin typeface="Arial" panose="020B0604020202020204" pitchFamily="34" charset="0"/>
+                <a:cs typeface="Arial" panose="020B0604020202020204" pitchFamily="34" charset="0"/>
+              </a:rPr>
+              <a:t>//</a:t>
+            </a:r>
+            <a:r>
+              <a:rPr lang="en-US" altLang="en-US" sz="2200" dirty="0">
                 <a:solidFill>
                   <a:schemeClr val="tx1"/>
                 </a:solidFill>
-                <a:effectLst/>
                 <a:latin typeface="Arial" panose="020B0604020202020204" pitchFamily="34" charset="0"/>
+                <a:cs typeface="Arial" panose="020B0604020202020204" pitchFamily="34" charset="0"/>
               </a:rPr>
-              <a:t>4. Abstraction:</a:t>
-            </a:r>
-          </a:p>
-          <a:p>
-            <a:pPr marR="0" lvl="0" algn="l" defTabSz="914400" rtl="0" eaLnBrk="0" fontAlgn="base" latinLnBrk="0" hangingPunct="0">
-              <a:lnSpc>
-                <a:spcPct val="100000"/>
-              </a:lnSpc>
-              <a:spcBef>
-                <a:spcPct val="0"/>
-              </a:spcBef>
-              <a:spcAft>
-                <a:spcPct val="0"/>
-              </a:spcAft>
-              <a:buClrTx/>
-              <a:buSzTx/>
-              <a:tabLst/>
-            </a:pPr>
-            <a:endParaRPr kumimoji="0" lang="en-US" altLang="en-US" sz="2400" b="0" i="0" u="none" strike="noStrike" cap="none" normalizeH="0" baseline="0" dirty="0">
-              <a:ln>
-                <a:noFill/>
-              </a:ln>
+              <a:t> Method Overriding -</a:t>
+            </a:r>
+            <a:r>
+              <a:rPr lang="en-US" sz="2200" dirty="0">
+                <a:latin typeface="Arial" panose="020B0604020202020204" pitchFamily="34" charset="0"/>
+                <a:cs typeface="Arial" panose="020B0604020202020204" pitchFamily="34" charset="0"/>
+              </a:rPr>
+              <a:t> same method name, same parameter lists </a:t>
+            </a:r>
+            <a:endParaRPr lang="en-US" altLang="en-US" sz="2200" dirty="0">
               <a:solidFill>
                 <a:schemeClr val="tx1"/>
               </a:solidFill>
-              <a:effectLst/>
               <a:latin typeface="Arial" panose="020B0604020202020204" pitchFamily="34" charset="0"/>
+              <a:cs typeface="Arial" panose="020B0604020202020204" pitchFamily="34" charset="0"/>
             </a:endParaRPr>
           </a:p>
           <a:p>
-            <a:pPr lvl="1" eaLnBrk="0" fontAlgn="base" hangingPunct="0">
-              <a:spcBef>
-                <a:spcPct val="0"/>
-              </a:spcBef>
-              <a:spcAft>
-                <a:spcPct val="0"/>
-              </a:spcAft>
-              <a:buFontTx/>
-              <a:buChar char="•"/>
+            <a:pPr marL="457200" lvl="1" indent="0">
+              <a:buNone/>
             </a:pPr>
             <a:r>
-              <a:rPr kumimoji="0" lang="en-US" altLang="en-US" sz="2400" b="0" i="0" u="none" strike="noStrike" cap="none" normalizeH="0" baseline="0" dirty="0">
-                <a:ln>
-                  <a:noFill/>
-                </a:ln>
-                <a:solidFill>
-                  <a:schemeClr val="tx1"/>
-                </a:solidFill>
-                <a:effectLst/>
-                <a:latin typeface="Arial" panose="020B0604020202020204" pitchFamily="34" charset="0"/>
-              </a:rPr>
-              <a:t>Hiding implementation details and showing only essential features.</a:t>
-            </a:r>
-          </a:p>
-          <a:p>
-            <a:pPr lvl="1" eaLnBrk="0" fontAlgn="base" hangingPunct="0">
-              <a:spcBef>
-                <a:spcPct val="0"/>
-              </a:spcBef>
-              <a:spcAft>
-                <a:spcPct val="0"/>
-              </a:spcAft>
-              <a:buFontTx/>
-              <a:buChar char="•"/>
-            </a:pPr>
-            <a:r>
-              <a:rPr kumimoji="0" lang="en-US" altLang="en-US" sz="2400" b="0" i="0" u="none" strike="noStrike" cap="none" normalizeH="0" baseline="0" dirty="0">
-                <a:ln>
-                  <a:noFill/>
-                </a:ln>
-                <a:solidFill>
-                  <a:schemeClr val="tx1"/>
-                </a:solidFill>
-                <a:effectLst/>
-                <a:latin typeface="Arial" panose="020B0604020202020204" pitchFamily="34" charset="0"/>
-              </a:rPr>
-              <a:t>Example: Abstract classes and interfaces.</a:t>
-            </a:r>
-          </a:p>
-          <a:p>
-            <a:r>
-              <a:rPr lang="en-US" noProof="1"/>
-              <a:t> </a:t>
-            </a:r>
-          </a:p>
-          <a:p>
-            <a:pPr lvl="1"/>
-            <a:r>
-              <a:rPr lang="en-US" b="1" dirty="0">
+              <a:rPr lang="en-IN" sz="2200" dirty="0">
                 <a:latin typeface="Arial" panose="020B0604020202020204" pitchFamily="34" charset="0"/>
                 <a:cs typeface="Arial" panose="020B0604020202020204" pitchFamily="34" charset="0"/>
               </a:rPr>
-              <a:t>ATM</a:t>
-            </a:r>
-            <a:r>
-              <a:rPr lang="en-US" dirty="0">
+              <a:t>class Account {</a:t>
+            </a:r>
+          </a:p>
+          <a:p>
+            <a:pPr marL="457200" lvl="1" indent="0">
+              <a:buNone/>
+            </a:pPr>
+            <a:r>
+              <a:rPr lang="en-IN" sz="2200" dirty="0">
                 <a:latin typeface="Arial" panose="020B0604020202020204" pitchFamily="34" charset="0"/>
                 <a:cs typeface="Arial" panose="020B0604020202020204" pitchFamily="34" charset="0"/>
               </a:rPr>
-              <a:t> is a great real-world example of </a:t>
-            </a:r>
-            <a:r>
-              <a:rPr lang="en-US" b="1" dirty="0">
+              <a:t>    void calculateInterest() {</a:t>
+            </a:r>
+          </a:p>
+          <a:p>
+            <a:pPr marL="457200" lvl="1" indent="0">
+              <a:buNone/>
+            </a:pPr>
+            <a:r>
+              <a:rPr lang="en-IN" sz="2200" dirty="0">
                 <a:latin typeface="Arial" panose="020B0604020202020204" pitchFamily="34" charset="0"/>
                 <a:cs typeface="Arial" panose="020B0604020202020204" pitchFamily="34" charset="0"/>
               </a:rPr>
-              <a:t>abstraction</a:t>
-            </a:r>
-            <a:r>
-              <a:rPr lang="en-US" dirty="0">
+              <a:t>        System.out.println("Calculating general interest");</a:t>
+            </a:r>
+          </a:p>
+          <a:p>
+            <a:pPr marL="457200" lvl="1" indent="0">
+              <a:buNone/>
+            </a:pPr>
+            <a:r>
+              <a:rPr lang="en-IN" sz="2200" dirty="0">
                 <a:latin typeface="Arial" panose="020B0604020202020204" pitchFamily="34" charset="0"/>
                 <a:cs typeface="Arial" panose="020B0604020202020204" pitchFamily="34" charset="0"/>
               </a:rPr>
-              <a:t> because it simplifies a complex banking process and shows the user only the essential actions they need to perform, while hiding the complex operations behind the scenes.</a:t>
-            </a:r>
-            <a:endParaRPr lang="en-US" noProof="1">
+              <a:t>    }</a:t>
+            </a:r>
+          </a:p>
+          <a:p>
+            <a:pPr marL="457200" lvl="1" indent="0">
+              <a:buNone/>
+            </a:pPr>
+            <a:r>
+              <a:rPr lang="en-IN" sz="2200" dirty="0">
+                <a:latin typeface="Arial" panose="020B0604020202020204" pitchFamily="34" charset="0"/>
+                <a:cs typeface="Arial" panose="020B0604020202020204" pitchFamily="34" charset="0"/>
+              </a:rPr>
+              <a:t>}</a:t>
+            </a:r>
+          </a:p>
+          <a:p>
+            <a:pPr marL="457200" lvl="1" indent="0">
+              <a:buNone/>
+            </a:pPr>
+            <a:endParaRPr lang="en-IN" sz="2200" dirty="0">
               <a:latin typeface="Arial" panose="020B0604020202020204" pitchFamily="34" charset="0"/>
               <a:cs typeface="Arial" panose="020B0604020202020204" pitchFamily="34" charset="0"/>
             </a:endParaRPr>
           </a:p>
-        </p:txBody>
-      </p:sp>
-      <p:sp>
-        <p:nvSpPr>
-          <p:cNvPr id="32" name="Date Placeholder 31">
-            <a:extLst>
-              <a:ext uri="{FF2B5EF4-FFF2-40B4-BE49-F238E27FC236}">
-                <a16:creationId xmlns:a16="http://schemas.microsoft.com/office/drawing/2014/main" id="{D5DB19F8-B538-4965-BA90-ED372B99F5DC}"/>
-              </a:ext>
-            </a:extLst>
-          </p:cNvPr>
-          <p:cNvSpPr>
-            <a:spLocks noGrp="1"/>
-          </p:cNvSpPr>
-          <p:nvPr>
-            <p:ph type="dt" sz="half" idx="20"/>
-          </p:nvPr>
-        </p:nvSpPr>
-        <p:spPr>
-          <a:xfrm>
-            <a:off x="5919680" y="6356350"/>
-            <a:ext cx="947516" cy="365125"/>
-          </a:xfrm>
-        </p:spPr>
-        <p:txBody>
-          <a:bodyPr/>
-          <a:lstStyle/>
-          <a:p>
-            <a:r>
-              <a:rPr lang="en-US" dirty="0"/>
-              <a:t>20XX</a:t>
-            </a:r>
-          </a:p>
-        </p:txBody>
-      </p:sp>
-      <p:sp>
-        <p:nvSpPr>
-          <p:cNvPr id="3" name="Footer Placeholder 2">
-            <a:extLst>
-              <a:ext uri="{FF2B5EF4-FFF2-40B4-BE49-F238E27FC236}">
-                <a16:creationId xmlns:a16="http://schemas.microsoft.com/office/drawing/2014/main" id="{005C44B1-BA82-483C-BD91-F89067442F9E}"/>
-              </a:ext>
-            </a:extLst>
-          </p:cNvPr>
-          <p:cNvSpPr>
-            <a:spLocks noGrp="1"/>
-          </p:cNvSpPr>
-          <p:nvPr>
-            <p:ph type="ftr" sz="quarter" idx="21"/>
-          </p:nvPr>
-        </p:nvSpPr>
-        <p:spPr>
-          <a:xfrm>
-            <a:off x="7161955" y="6356350"/>
-            <a:ext cx="3243942" cy="365125"/>
-          </a:xfrm>
-        </p:spPr>
-        <p:txBody>
-          <a:bodyPr/>
-          <a:lstStyle/>
-          <a:p>
-            <a:r>
-              <a:rPr lang="en-US" dirty="0"/>
-              <a:t>Pitch Deck</a:t>
-            </a:r>
-          </a:p>
-        </p:txBody>
-      </p:sp>
-      <p:sp>
-        <p:nvSpPr>
-          <p:cNvPr id="4" name="Slide Number Placeholder 3">
-            <a:extLst>
-              <a:ext uri="{FF2B5EF4-FFF2-40B4-BE49-F238E27FC236}">
-                <a16:creationId xmlns:a16="http://schemas.microsoft.com/office/drawing/2014/main" id="{79ED4A67-3A46-4F54-A12A-EAE1B53E6457}"/>
-              </a:ext>
-            </a:extLst>
-          </p:cNvPr>
-          <p:cNvSpPr>
-            <a:spLocks noGrp="1"/>
-          </p:cNvSpPr>
-          <p:nvPr>
-            <p:ph type="sldNum" sz="quarter" idx="22"/>
-          </p:nvPr>
-        </p:nvSpPr>
-        <p:spPr>
-          <a:xfrm>
-            <a:off x="10700656" y="6356350"/>
-            <a:ext cx="653143" cy="365125"/>
-          </a:xfrm>
-        </p:spPr>
-        <p:txBody>
-          <a:bodyPr/>
-          <a:lstStyle/>
-          <a:p>
-            <a:fld id="{19B51A1E-902D-48AF-9020-955120F399B6}" type="slidenum">
-              <a:rPr lang="en-US" smtClean="0"/>
-              <a:pPr/>
-              <a:t>8</a:t>
-            </a:fld>
-            <a:endParaRPr lang="en-US" dirty="0"/>
+          <a:p>
+            <a:pPr marL="457200" lvl="1" indent="0">
+              <a:buNone/>
+            </a:pPr>
+            <a:r>
+              <a:rPr lang="en-IN" sz="2200" dirty="0">
+                <a:latin typeface="Arial" panose="020B0604020202020204" pitchFamily="34" charset="0"/>
+                <a:cs typeface="Arial" panose="020B0604020202020204" pitchFamily="34" charset="0"/>
+              </a:rPr>
+              <a:t>class SavingsAccount extends Account {</a:t>
+            </a:r>
+          </a:p>
+          <a:p>
+            <a:pPr marL="457200" lvl="1" indent="0">
+              <a:buNone/>
+            </a:pPr>
+            <a:r>
+              <a:rPr lang="en-IN" sz="2200" dirty="0">
+                <a:latin typeface="Arial" panose="020B0604020202020204" pitchFamily="34" charset="0"/>
+                <a:cs typeface="Arial" panose="020B0604020202020204" pitchFamily="34" charset="0"/>
+              </a:rPr>
+              <a:t>    @Override</a:t>
+            </a:r>
+          </a:p>
+          <a:p>
+            <a:pPr marL="457200" lvl="1" indent="0">
+              <a:buNone/>
+            </a:pPr>
+            <a:r>
+              <a:rPr lang="en-IN" sz="2200" dirty="0">
+                <a:latin typeface="Arial" panose="020B0604020202020204" pitchFamily="34" charset="0"/>
+                <a:cs typeface="Arial" panose="020B0604020202020204" pitchFamily="34" charset="0"/>
+              </a:rPr>
+              <a:t>    void calculateInterest() {</a:t>
+            </a:r>
+          </a:p>
+          <a:p>
+            <a:pPr marL="457200" lvl="1" indent="0">
+              <a:buNone/>
+            </a:pPr>
+            <a:r>
+              <a:rPr lang="en-IN" sz="2200" dirty="0">
+                <a:latin typeface="Arial" panose="020B0604020202020204" pitchFamily="34" charset="0"/>
+                <a:cs typeface="Arial" panose="020B0604020202020204" pitchFamily="34" charset="0"/>
+              </a:rPr>
+              <a:t>        System.out.println("Calculating savings account interest");</a:t>
+            </a:r>
+          </a:p>
+          <a:p>
+            <a:pPr marL="457200" lvl="1" indent="0">
+              <a:buNone/>
+            </a:pPr>
+            <a:r>
+              <a:rPr lang="en-IN" sz="2200" dirty="0">
+                <a:latin typeface="Arial" panose="020B0604020202020204" pitchFamily="34" charset="0"/>
+                <a:cs typeface="Arial" panose="020B0604020202020204" pitchFamily="34" charset="0"/>
+              </a:rPr>
+              <a:t>    }</a:t>
+            </a:r>
+          </a:p>
+          <a:p>
+            <a:pPr marL="457200" lvl="1" indent="0">
+              <a:buNone/>
+            </a:pPr>
+            <a:r>
+              <a:rPr lang="en-IN" sz="2200" dirty="0">
+                <a:latin typeface="Arial" panose="020B0604020202020204" pitchFamily="34" charset="0"/>
+                <a:cs typeface="Arial" panose="020B0604020202020204" pitchFamily="34" charset="0"/>
+              </a:rPr>
+              <a:t>}</a:t>
+            </a:r>
           </a:p>
         </p:txBody>
       </p:sp>
     </p:spTree>
     <p:extLst>
       <p:ext uri="{BB962C8B-B14F-4D97-AF65-F5344CB8AC3E}">
-        <p14:creationId xmlns:p14="http://schemas.microsoft.com/office/powerpoint/2010/main" val="2069393026"/>
+        <p14:creationId xmlns:p14="http://schemas.microsoft.com/office/powerpoint/2010/main" val="3167886719"/>
       </p:ext>
     </p:extLst>
   </p:cSld>
@@ -21156,117 +21051,423 @@
       </p:grpSpPr>
       <p:sp>
         <p:nvSpPr>
-          <p:cNvPr id="3" name="Date Placeholder 2">
-            <a:extLst>
-              <a:ext uri="{FF2B5EF4-FFF2-40B4-BE49-F238E27FC236}">
-                <a16:creationId xmlns:a16="http://schemas.microsoft.com/office/drawing/2014/main" id="{A5C8688B-F328-180A-2C7E-71B80D2FFA80}"/>
-              </a:ext>
-            </a:extLst>
-          </p:cNvPr>
-          <p:cNvSpPr>
-            <a:spLocks noGrp="1"/>
-          </p:cNvSpPr>
-          <p:nvPr>
-            <p:ph type="dt" sz="half" idx="10"/>
-          </p:nvPr>
-        </p:nvSpPr>
-        <p:spPr/>
-        <p:txBody>
-          <a:bodyPr/>
+          <p:cNvPr id="5" name="Text Placeholder 4">
+            <a:extLst>
+              <a:ext uri="{FF2B5EF4-FFF2-40B4-BE49-F238E27FC236}">
+                <a16:creationId xmlns:a16="http://schemas.microsoft.com/office/drawing/2014/main" id="{06E82690-B145-4D4F-B2D1-0B2A8C50FD71}"/>
+              </a:ext>
+            </a:extLst>
+          </p:cNvPr>
+          <p:cNvSpPr>
+            <a:spLocks noGrp="1"/>
+          </p:cNvSpPr>
+          <p:nvPr>
+            <p:ph type="body" sz="quarter" idx="26"/>
+          </p:nvPr>
+        </p:nvSpPr>
+        <p:spPr>
+          <a:xfrm>
+            <a:off x="838201" y="300789"/>
+            <a:ext cx="10960099" cy="6303211"/>
+          </a:xfrm>
+        </p:spPr>
+        <p:txBody>
+          <a:bodyPr>
+            <a:normAutofit lnSpcReduction="10000"/>
+          </a:bodyPr>
           <a:lstStyle/>
           <a:p>
-            <a:r>
-              <a:rPr lang="en-US"/>
-              <a:t>20XX</a:t>
-            </a:r>
-            <a:endParaRPr lang="en-US" dirty="0"/>
-          </a:p>
-        </p:txBody>
-      </p:sp>
-      <p:sp>
-        <p:nvSpPr>
-          <p:cNvPr id="5" name="Slide Number Placeholder 4">
-            <a:extLst>
-              <a:ext uri="{FF2B5EF4-FFF2-40B4-BE49-F238E27FC236}">
-                <a16:creationId xmlns:a16="http://schemas.microsoft.com/office/drawing/2014/main" id="{B93A96E2-9D46-A4C1-1754-C52CBD5A7310}"/>
-              </a:ext>
-            </a:extLst>
-          </p:cNvPr>
-          <p:cNvSpPr>
-            <a:spLocks noGrp="1"/>
-          </p:cNvSpPr>
-          <p:nvPr>
-            <p:ph type="sldNum" sz="quarter" idx="12"/>
-          </p:nvPr>
-        </p:nvSpPr>
-        <p:spPr/>
-        <p:txBody>
-          <a:bodyPr/>
-          <a:lstStyle/>
-          <a:p>
-            <a:fld id="{B5CEABB6-07DC-46E8-9B57-56EC44A396E5}" type="slidenum">
-              <a:rPr lang="en-US" smtClean="0"/>
-              <a:t>9</a:t>
-            </a:fld>
-            <a:endParaRPr lang="en-US" dirty="0"/>
-          </a:p>
-        </p:txBody>
-      </p:sp>
-      <p:sp>
-        <p:nvSpPr>
-          <p:cNvPr id="6" name="Content Placeholder 5">
-            <a:extLst>
-              <a:ext uri="{FF2B5EF4-FFF2-40B4-BE49-F238E27FC236}">
-                <a16:creationId xmlns:a16="http://schemas.microsoft.com/office/drawing/2014/main" id="{0A4A21D8-D279-2F19-B41B-6633BFB0DAFF}"/>
-              </a:ext>
-            </a:extLst>
-          </p:cNvPr>
-          <p:cNvSpPr>
-            <a:spLocks noGrp="1"/>
-          </p:cNvSpPr>
-          <p:nvPr>
-            <p:ph sz="quarter" idx="16"/>
-          </p:nvPr>
-        </p:nvSpPr>
-        <p:spPr>
-          <a:xfrm>
-            <a:off x="944378" y="464695"/>
-            <a:ext cx="10897851" cy="5891655"/>
-          </a:xfrm>
-        </p:spPr>
-        <p:txBody>
-          <a:bodyPr/>
-          <a:lstStyle/>
-          <a:p>
-            <a:r>
-              <a:rPr lang="en-IN" b="1" dirty="0">
+            <a:pPr marR="0" lvl="0" algn="l" defTabSz="914400" rtl="0" eaLnBrk="0" fontAlgn="base" latinLnBrk="0" hangingPunct="0">
+              <a:lnSpc>
+                <a:spcPct val="100000"/>
+              </a:lnSpc>
+              <a:spcBef>
+                <a:spcPct val="0"/>
+              </a:spcBef>
+              <a:spcAft>
+                <a:spcPct val="0"/>
+              </a:spcAft>
+              <a:buClrTx/>
+              <a:buSzTx/>
+              <a:tabLst/>
+            </a:pPr>
+            <a:endParaRPr kumimoji="0" lang="en-US" altLang="en-US" sz="2200" b="1" i="0" u="none" strike="noStrike" cap="none" normalizeH="0" baseline="0" dirty="0">
+              <a:ln>
+                <a:noFill/>
+              </a:ln>
+              <a:solidFill>
+                <a:schemeClr val="tx1"/>
+              </a:solidFill>
+              <a:effectLst/>
+              <a:latin typeface="Arial" panose="020B0604020202020204" pitchFamily="34" charset="0"/>
+              <a:cs typeface="Arial" panose="020B0604020202020204" pitchFamily="34" charset="0"/>
+            </a:endParaRPr>
+          </a:p>
+          <a:p>
+            <a:pPr marR="0" lvl="0" algn="l" defTabSz="914400" rtl="0" eaLnBrk="0" fontAlgn="base" latinLnBrk="0" hangingPunct="0">
+              <a:lnSpc>
+                <a:spcPct val="100000"/>
+              </a:lnSpc>
+              <a:spcBef>
+                <a:spcPct val="0"/>
+              </a:spcBef>
+              <a:spcAft>
+                <a:spcPct val="0"/>
+              </a:spcAft>
+              <a:buClrTx/>
+              <a:buSzTx/>
+              <a:tabLst/>
+            </a:pPr>
+            <a:r>
+              <a:rPr kumimoji="0" lang="en-US" altLang="en-US" sz="2200" b="1" i="0" u="none" strike="noStrike" cap="none" normalizeH="0" baseline="0" dirty="0">
+                <a:ln>
+                  <a:noFill/>
+                </a:ln>
                 <a:solidFill>
                   <a:schemeClr val="tx1"/>
                 </a:solidFill>
+                <a:effectLst/>
                 <a:latin typeface="Arial" panose="020B0604020202020204" pitchFamily="34" charset="0"/>
                 <a:cs typeface="Arial" panose="020B0604020202020204" pitchFamily="34" charset="0"/>
               </a:rPr>
-              <a:t> OOP FEATURES IN JAVA</a:t>
-            </a:r>
-          </a:p>
-          <a:p>
-            <a:pPr marL="0" indent="0">
-              <a:buNone/>
+              <a:t>4. Abstraction:</a:t>
+            </a:r>
+          </a:p>
+          <a:p>
+            <a:pPr marR="0" lvl="0" algn="l" defTabSz="914400" rtl="0" eaLnBrk="0" fontAlgn="base" latinLnBrk="0" hangingPunct="0">
+              <a:lnSpc>
+                <a:spcPct val="100000"/>
+              </a:lnSpc>
+              <a:spcBef>
+                <a:spcPct val="0"/>
+              </a:spcBef>
+              <a:spcAft>
+                <a:spcPct val="0"/>
+              </a:spcAft>
+              <a:buClrTx/>
+              <a:buSzTx/>
+              <a:tabLst/>
             </a:pPr>
-            <a:endParaRPr lang="en-IN" b="1" dirty="0">
+            <a:endParaRPr kumimoji="0" lang="en-US" altLang="en-US" sz="2200" b="1" i="0" u="none" strike="noStrike" cap="none" normalizeH="0" baseline="0" dirty="0">
+              <a:ln>
+                <a:noFill/>
+              </a:ln>
               <a:solidFill>
                 <a:schemeClr val="tx1"/>
               </a:solidFill>
+              <a:effectLst/>
+              <a:latin typeface="Arial" panose="020B0604020202020204" pitchFamily="34" charset="0"/>
+              <a:cs typeface="Arial" panose="020B0604020202020204" pitchFamily="34" charset="0"/>
             </a:endParaRPr>
           </a:p>
-        </p:txBody>
-      </p:sp>
-      <p:sp>
-        <p:nvSpPr>
-          <p:cNvPr id="9" name="Rectangle 1">
-            <a:extLst>
-              <a:ext uri="{FF2B5EF4-FFF2-40B4-BE49-F238E27FC236}">
-                <a16:creationId xmlns:a16="http://schemas.microsoft.com/office/drawing/2014/main" id="{92EEFBF7-3E80-D39A-7362-C8DF67CAB559}"/>
+          <a:p>
+            <a:pPr marR="0" lvl="0" algn="l" defTabSz="914400" rtl="0" eaLnBrk="0" fontAlgn="base" latinLnBrk="0" hangingPunct="0">
+              <a:lnSpc>
+                <a:spcPct val="100000"/>
+              </a:lnSpc>
+              <a:spcBef>
+                <a:spcPct val="0"/>
+              </a:spcBef>
+              <a:spcAft>
+                <a:spcPct val="0"/>
+              </a:spcAft>
+              <a:buClrTx/>
+              <a:buSzTx/>
+              <a:tabLst/>
+            </a:pPr>
+            <a:endParaRPr kumimoji="0" lang="en-US" altLang="en-US" sz="2200" b="1" i="0" u="none" strike="noStrike" cap="none" normalizeH="0" baseline="0" dirty="0">
+              <a:ln>
+                <a:noFill/>
+              </a:ln>
+              <a:solidFill>
+                <a:schemeClr val="tx1"/>
+              </a:solidFill>
+              <a:effectLst/>
+              <a:latin typeface="Arial" panose="020B0604020202020204" pitchFamily="34" charset="0"/>
+              <a:cs typeface="Arial" panose="020B0604020202020204" pitchFamily="34" charset="0"/>
+            </a:endParaRPr>
+          </a:p>
+          <a:p>
+            <a:pPr marL="457200" lvl="1" indent="0" eaLnBrk="0" fontAlgn="base" hangingPunct="0">
+              <a:spcBef>
+                <a:spcPct val="0"/>
+              </a:spcBef>
+              <a:spcAft>
+                <a:spcPct val="0"/>
+              </a:spcAft>
+              <a:buNone/>
+            </a:pPr>
+            <a:endParaRPr lang="en-US" altLang="en-US" sz="2200" dirty="0">
+              <a:solidFill>
+                <a:schemeClr val="tx1"/>
+              </a:solidFill>
+              <a:latin typeface="Arial" panose="020B0604020202020204" pitchFamily="34" charset="0"/>
+              <a:cs typeface="Arial" panose="020B0604020202020204" pitchFamily="34" charset="0"/>
+            </a:endParaRPr>
+          </a:p>
+          <a:p>
+            <a:pPr marL="457200" lvl="1" indent="0" eaLnBrk="0" fontAlgn="base" hangingPunct="0">
+              <a:spcBef>
+                <a:spcPct val="0"/>
+              </a:spcBef>
+              <a:spcAft>
+                <a:spcPct val="0"/>
+              </a:spcAft>
+              <a:buNone/>
+            </a:pPr>
+            <a:endParaRPr kumimoji="0" lang="en-US" altLang="en-US" sz="2200" b="0" i="0" u="none" strike="noStrike" cap="none" normalizeH="0" baseline="0" dirty="0">
+              <a:ln>
+                <a:noFill/>
+              </a:ln>
+              <a:solidFill>
+                <a:schemeClr val="tx1"/>
+              </a:solidFill>
+              <a:effectLst/>
+              <a:latin typeface="Arial" panose="020B0604020202020204" pitchFamily="34" charset="0"/>
+              <a:cs typeface="Arial" panose="020B0604020202020204" pitchFamily="34" charset="0"/>
+            </a:endParaRPr>
+          </a:p>
+          <a:p>
+            <a:pPr marL="457200" lvl="1" indent="0" eaLnBrk="0" fontAlgn="base" hangingPunct="0">
+              <a:spcBef>
+                <a:spcPct val="0"/>
+              </a:spcBef>
+              <a:spcAft>
+                <a:spcPct val="0"/>
+              </a:spcAft>
+              <a:buNone/>
+            </a:pPr>
+            <a:endParaRPr lang="en-US" altLang="en-US" sz="2200" dirty="0">
+              <a:solidFill>
+                <a:schemeClr val="tx1"/>
+              </a:solidFill>
+              <a:latin typeface="Arial" panose="020B0604020202020204" pitchFamily="34" charset="0"/>
+              <a:cs typeface="Arial" panose="020B0604020202020204" pitchFamily="34" charset="0"/>
+            </a:endParaRPr>
+          </a:p>
+          <a:p>
+            <a:pPr marL="457200" lvl="1" indent="0" eaLnBrk="0" fontAlgn="base" hangingPunct="0">
+              <a:spcBef>
+                <a:spcPct val="0"/>
+              </a:spcBef>
+              <a:spcAft>
+                <a:spcPct val="0"/>
+              </a:spcAft>
+              <a:buNone/>
+            </a:pPr>
+            <a:endParaRPr kumimoji="0" lang="en-US" altLang="en-US" sz="2200" b="0" i="0" u="none" strike="noStrike" cap="none" normalizeH="0" baseline="0" dirty="0">
+              <a:ln>
+                <a:noFill/>
+              </a:ln>
+              <a:solidFill>
+                <a:schemeClr val="tx1"/>
+              </a:solidFill>
+              <a:effectLst/>
+              <a:latin typeface="Arial" panose="020B0604020202020204" pitchFamily="34" charset="0"/>
+              <a:cs typeface="Arial" panose="020B0604020202020204" pitchFamily="34" charset="0"/>
+            </a:endParaRPr>
+          </a:p>
+          <a:p>
+            <a:pPr marL="457200" lvl="1" indent="0" eaLnBrk="0" fontAlgn="base" hangingPunct="0">
+              <a:spcBef>
+                <a:spcPct val="0"/>
+              </a:spcBef>
+              <a:spcAft>
+                <a:spcPct val="0"/>
+              </a:spcAft>
+              <a:buNone/>
+            </a:pPr>
+            <a:endParaRPr kumimoji="0" lang="en-US" altLang="en-US" sz="2200" b="0" i="0" u="none" strike="noStrike" cap="none" normalizeH="0" baseline="0" dirty="0">
+              <a:ln>
+                <a:noFill/>
+              </a:ln>
+              <a:solidFill>
+                <a:schemeClr val="tx1"/>
+              </a:solidFill>
+              <a:effectLst/>
+              <a:latin typeface="Arial" panose="020B0604020202020204" pitchFamily="34" charset="0"/>
+              <a:cs typeface="Arial" panose="020B0604020202020204" pitchFamily="34" charset="0"/>
+            </a:endParaRPr>
+          </a:p>
+          <a:p>
+            <a:r>
+              <a:rPr lang="en-US" sz="2200" noProof="1">
+                <a:solidFill>
+                  <a:schemeClr val="tx1"/>
+                </a:solidFill>
+                <a:latin typeface="Arial" panose="020B0604020202020204" pitchFamily="34" charset="0"/>
+                <a:cs typeface="Arial" panose="020B0604020202020204" pitchFamily="34" charset="0"/>
+              </a:rPr>
+              <a:t>   </a:t>
+            </a:r>
+          </a:p>
+          <a:p>
+            <a:r>
+              <a:rPr lang="en-US" sz="2200" noProof="1">
+                <a:solidFill>
+                  <a:schemeClr val="tx1"/>
+                </a:solidFill>
+                <a:latin typeface="Arial" panose="020B0604020202020204" pitchFamily="34" charset="0"/>
+                <a:cs typeface="Arial" panose="020B0604020202020204" pitchFamily="34" charset="0"/>
+              </a:rPr>
+              <a:t>    </a:t>
+            </a:r>
+            <a:r>
+              <a:rPr lang="en-US" sz="2200" b="1" noProof="1">
+                <a:solidFill>
+                  <a:schemeClr val="tx1"/>
+                </a:solidFill>
+                <a:latin typeface="Arial" panose="020B0604020202020204" pitchFamily="34" charset="0"/>
+                <a:cs typeface="Arial" panose="020B0604020202020204" pitchFamily="34" charset="0"/>
+              </a:rPr>
+              <a:t>Example:</a:t>
+            </a:r>
+          </a:p>
+          <a:p>
+            <a:endParaRPr lang="en-US" sz="2200" dirty="0">
+              <a:solidFill>
+                <a:schemeClr val="tx1"/>
+              </a:solidFill>
+              <a:latin typeface="Arial" panose="020B0604020202020204" pitchFamily="34" charset="0"/>
+              <a:cs typeface="Arial" panose="020B0604020202020204" pitchFamily="34" charset="0"/>
+            </a:endParaRPr>
+          </a:p>
+          <a:p>
+            <a:pPr marL="457200" lvl="1" indent="0">
+              <a:buNone/>
+            </a:pPr>
+            <a:r>
+              <a:rPr lang="en-US" sz="2200" dirty="0">
+                <a:solidFill>
+                  <a:schemeClr val="tx1"/>
+                </a:solidFill>
+                <a:latin typeface="Arial" panose="020B0604020202020204" pitchFamily="34" charset="0"/>
+                <a:cs typeface="Arial" panose="020B0604020202020204" pitchFamily="34" charset="0"/>
+              </a:rPr>
+              <a:t>1.  </a:t>
+            </a:r>
+            <a:r>
+              <a:rPr lang="en-US" sz="2200" dirty="0">
+                <a:latin typeface="Arial" panose="020B0604020202020204" pitchFamily="34" charset="0"/>
+                <a:cs typeface="Arial" panose="020B0604020202020204" pitchFamily="34" charset="0"/>
+              </a:rPr>
+              <a:t>Mobile Phone  </a:t>
+            </a:r>
+          </a:p>
+          <a:p>
+            <a:pPr marL="457200" lvl="1" indent="0">
+              <a:buNone/>
+            </a:pPr>
+            <a:r>
+              <a:rPr lang="en-US" sz="2200" b="1" dirty="0">
+                <a:latin typeface="Arial" panose="020B0604020202020204" pitchFamily="34" charset="0"/>
+                <a:cs typeface="Arial" panose="020B0604020202020204" pitchFamily="34" charset="0"/>
+              </a:rPr>
+              <a:t>     </a:t>
+            </a:r>
+            <a:r>
+              <a:rPr lang="en-US" sz="2200" dirty="0">
+                <a:solidFill>
+                  <a:schemeClr val="tx1"/>
+                </a:solidFill>
+                <a:latin typeface="Arial" panose="020B0604020202020204" pitchFamily="34" charset="0"/>
+                <a:cs typeface="Arial" panose="020B0604020202020204" pitchFamily="34" charset="0"/>
+              </a:rPr>
+              <a:t>When we make a phone call, we just dial a number and press call.</a:t>
+            </a:r>
+            <a:br>
+              <a:rPr lang="en-US" sz="2200" dirty="0">
+                <a:solidFill>
+                  <a:schemeClr val="tx1"/>
+                </a:solidFill>
+                <a:latin typeface="Arial" panose="020B0604020202020204" pitchFamily="34" charset="0"/>
+                <a:cs typeface="Arial" panose="020B0604020202020204" pitchFamily="34" charset="0"/>
+              </a:rPr>
+            </a:br>
+            <a:r>
+              <a:rPr lang="en-US" sz="2200" dirty="0">
+                <a:solidFill>
+                  <a:schemeClr val="tx1"/>
+                </a:solidFill>
+                <a:latin typeface="Arial" panose="020B0604020202020204" pitchFamily="34" charset="0"/>
+                <a:cs typeface="Arial" panose="020B0604020202020204" pitchFamily="34" charset="0"/>
+              </a:rPr>
+              <a:t>     We don’t know how signals are transmitted through towers and networks.</a:t>
+            </a:r>
+            <a:br>
+              <a:rPr lang="en-US" sz="2200" dirty="0">
+                <a:solidFill>
+                  <a:schemeClr val="tx1"/>
+                </a:solidFill>
+                <a:latin typeface="Arial" panose="020B0604020202020204" pitchFamily="34" charset="0"/>
+                <a:cs typeface="Arial" panose="020B0604020202020204" pitchFamily="34" charset="0"/>
+              </a:rPr>
+            </a:br>
+            <a:r>
+              <a:rPr lang="en-US" sz="2200" dirty="0">
+                <a:solidFill>
+                  <a:schemeClr val="tx1"/>
+                </a:solidFill>
+                <a:latin typeface="Arial" panose="020B0604020202020204" pitchFamily="34" charset="0"/>
+                <a:cs typeface="Arial" panose="020B0604020202020204" pitchFamily="34" charset="0"/>
+              </a:rPr>
+              <a:t>     The complex system is </a:t>
+            </a:r>
+            <a:r>
+              <a:rPr lang="en-US" sz="2200">
+                <a:solidFill>
+                  <a:schemeClr val="tx1"/>
+                </a:solidFill>
+                <a:latin typeface="Arial" panose="020B0604020202020204" pitchFamily="34" charset="0"/>
+                <a:cs typeface="Arial" panose="020B0604020202020204" pitchFamily="34" charset="0"/>
+              </a:rPr>
+              <a:t>hidden.</a:t>
+            </a:r>
+          </a:p>
+          <a:p>
+            <a:pPr marL="457200" lvl="1" indent="0">
+              <a:buNone/>
+            </a:pPr>
+            <a:endParaRPr lang="en-US" sz="2200" dirty="0">
+              <a:solidFill>
+                <a:schemeClr val="tx1"/>
+              </a:solidFill>
+              <a:latin typeface="Arial" panose="020B0604020202020204" pitchFamily="34" charset="0"/>
+              <a:cs typeface="Arial" panose="020B0604020202020204" pitchFamily="34" charset="0"/>
+            </a:endParaRPr>
+          </a:p>
+          <a:p>
+            <a:pPr marL="457200" lvl="1" indent="0">
+              <a:buNone/>
+            </a:pPr>
+            <a:r>
+              <a:rPr lang="en-US" sz="2200" dirty="0">
+                <a:latin typeface="Arial" panose="020B0604020202020204" pitchFamily="34" charset="0"/>
+                <a:cs typeface="Arial" panose="020B0604020202020204" pitchFamily="34" charset="0"/>
+              </a:rPr>
+              <a:t>2. ATM Machine</a:t>
+            </a:r>
+          </a:p>
+          <a:p>
+            <a:pPr marL="914400" lvl="1" indent="-457200">
+              <a:buAutoNum type="arabicPeriod"/>
+            </a:pPr>
+            <a:endParaRPr lang="en-US" sz="2200" noProof="1">
+              <a:solidFill>
+                <a:schemeClr val="tx1"/>
+              </a:solidFill>
+              <a:latin typeface="Arial" panose="020B0604020202020204" pitchFamily="34" charset="0"/>
+              <a:cs typeface="Arial" panose="020B0604020202020204" pitchFamily="34" charset="0"/>
+            </a:endParaRPr>
+          </a:p>
+        </p:txBody>
+      </p:sp>
+      <p:sp>
+        <p:nvSpPr>
+          <p:cNvPr id="10" name="Rectangle 6">
+            <a:extLst>
+              <a:ext uri="{FF2B5EF4-FFF2-40B4-BE49-F238E27FC236}">
+                <a16:creationId xmlns:a16="http://schemas.microsoft.com/office/drawing/2014/main" id="{9E37BC73-6047-A6C9-6F97-F23C85334276}"/>
               </a:ext>
             </a:extLst>
           </p:cNvPr>
@@ -21277,8 +21478,8 @@
         </p:nvSpPr>
         <p:spPr bwMode="auto">
           <a:xfrm>
-            <a:off x="1289154" y="989448"/>
-            <a:ext cx="9728615" cy="5366902"/>
+            <a:off x="1106904" y="1152854"/>
+            <a:ext cx="8710195" cy="1785104"/>
           </a:xfrm>
           <a:prstGeom prst="rect">
             <a:avLst/>
@@ -21338,106 +21539,26 @@
               </a:spcAft>
               <a:buClrTx/>
               <a:buSzTx/>
+              <a:buFontTx/>
+              <a:buChar char="•"/>
               <a:tabLst/>
             </a:pPr>
             <a:r>
-              <a:rPr kumimoji="0" lang="en-US" altLang="en-US" sz="2400" b="1" i="0" u="none" strike="noStrike" cap="none" normalizeH="0" baseline="0" dirty="0">
+              <a:rPr kumimoji="0" lang="en-US" altLang="en-US" sz="2200" b="0" i="0" u="none" strike="noStrike" cap="none" normalizeH="0" baseline="0" dirty="0">
                 <a:ln>
                   <a:noFill/>
                 </a:ln>
                 <a:solidFill>
-                  <a:schemeClr val="tx1">
-                    <a:lumMod val="75000"/>
-                    <a:lumOff val="25000"/>
-                  </a:schemeClr>
+                  <a:schemeClr val="tx1"/>
                 </a:solidFill>
                 <a:effectLst/>
                 <a:latin typeface="Arial" panose="020B0604020202020204" pitchFamily="34" charset="0"/>
               </a:rPr>
-              <a:t>1. Classes and Objects</a:t>
-            </a:r>
-          </a:p>
-          <a:p>
-            <a:pPr lvl="1" eaLnBrk="0" fontAlgn="base" hangingPunct="0">
-              <a:spcBef>
-                <a:spcPct val="0"/>
-              </a:spcBef>
-              <a:spcAft>
-                <a:spcPct val="0"/>
-              </a:spcAft>
-              <a:buFontTx/>
-              <a:buChar char="•"/>
-            </a:pPr>
-            <a:r>
-              <a:rPr kumimoji="0" lang="en-US" altLang="en-US" sz="2400" i="0" u="none" strike="noStrike" cap="none" normalizeH="0" baseline="0" dirty="0">
-                <a:ln>
-                  <a:noFill/>
-                </a:ln>
-                <a:solidFill>
-                  <a:schemeClr val="tx1">
-                    <a:lumMod val="75000"/>
-                    <a:lumOff val="25000"/>
-                  </a:schemeClr>
-                </a:solidFill>
-                <a:effectLst/>
-                <a:latin typeface="Arial" panose="020B0604020202020204" pitchFamily="34" charset="0"/>
-              </a:rPr>
-              <a:t> Class: Blueprint for creating objects.</a:t>
-            </a:r>
-          </a:p>
-          <a:p>
-            <a:pPr lvl="1" eaLnBrk="0" fontAlgn="base" hangingPunct="0">
-              <a:spcBef>
-                <a:spcPct val="0"/>
-              </a:spcBef>
-              <a:spcAft>
-                <a:spcPct val="0"/>
-              </a:spcAft>
-              <a:buFontTx/>
-              <a:buChar char="•"/>
-            </a:pPr>
-            <a:r>
-              <a:rPr kumimoji="0" lang="en-US" altLang="en-US" sz="2400" i="0" u="none" strike="noStrike" cap="none" normalizeH="0" baseline="0" dirty="0">
-                <a:ln>
-                  <a:noFill/>
-                </a:ln>
-                <a:solidFill>
-                  <a:schemeClr val="tx1">
-                    <a:lumMod val="75000"/>
-                    <a:lumOff val="25000"/>
-                  </a:schemeClr>
-                </a:solidFill>
-                <a:effectLst/>
-                <a:latin typeface="Arial" panose="020B0604020202020204" pitchFamily="34" charset="0"/>
-              </a:rPr>
-              <a:t> Object: Instance of a class.</a:t>
-            </a:r>
-          </a:p>
-          <a:p>
-            <a:pPr lvl="1" eaLnBrk="0" fontAlgn="base" hangingPunct="0">
-              <a:spcBef>
-                <a:spcPct val="0"/>
-              </a:spcBef>
-              <a:spcAft>
-                <a:spcPct val="0"/>
-              </a:spcAft>
-            </a:pPr>
-            <a:endParaRPr kumimoji="0" lang="en-US" altLang="en-US" sz="2400" i="0" u="none" strike="noStrike" cap="none" normalizeH="0" baseline="0" dirty="0">
-              <a:ln>
-                <a:noFill/>
-              </a:ln>
-              <a:solidFill>
-                <a:schemeClr val="tx1">
-                  <a:lumMod val="75000"/>
-                  <a:lumOff val="25000"/>
-                </a:schemeClr>
-              </a:solidFill>
-              <a:effectLst/>
-              <a:latin typeface="Arial" panose="020B0604020202020204" pitchFamily="34" charset="0"/>
-            </a:endParaRPr>
-          </a:p>
-          <a:p>
-            <a:pPr marL="0" marR="0" lvl="0" indent="0" algn="l" defTabSz="914400" rtl="0" eaLnBrk="0" fontAlgn="base" latinLnBrk="0" hangingPunct="0">
+              <a:t> Focuses on “what to do” rather than “how to do”</a:t>
+            </a:r>
+          </a:p>
+          <a:p>
+            <a:pPr marR="0" lvl="0" algn="l" defTabSz="914400" rtl="0" eaLnBrk="0" fontAlgn="base" latinLnBrk="0" hangingPunct="0">
               <a:lnSpc>
                 <a:spcPct val="100000"/>
               </a:lnSpc>
@@ -21451,389 +21572,16 @@
               <a:buSzTx/>
               <a:tabLst/>
             </a:pPr>
-            <a:r>
-              <a:rPr kumimoji="0" lang="en-US" altLang="en-US" sz="2400" b="1" i="0" u="none" strike="noStrike" cap="none" normalizeH="0" baseline="0" dirty="0">
-                <a:ln>
-                  <a:noFill/>
-                </a:ln>
-                <a:solidFill>
-                  <a:schemeClr val="tx1">
-                    <a:lumMod val="75000"/>
-                    <a:lumOff val="25000"/>
-                  </a:schemeClr>
-                </a:solidFill>
-                <a:effectLst/>
-                <a:latin typeface="Arial" panose="020B0604020202020204" pitchFamily="34" charset="0"/>
-              </a:rPr>
-              <a:t>2. Constructors</a:t>
-            </a:r>
-            <a:endParaRPr kumimoji="0" lang="en-US" altLang="en-US" sz="2400" b="0" i="0" u="none" strike="noStrike" cap="none" normalizeH="0" baseline="0" dirty="0">
+            <a:endParaRPr kumimoji="0" lang="en-US" altLang="en-US" sz="2200" b="0" i="0" u="none" strike="noStrike" cap="none" normalizeH="0" baseline="0" dirty="0">
               <a:ln>
                 <a:noFill/>
               </a:ln>
               <a:solidFill>
-                <a:schemeClr val="tx1">
-                  <a:lumMod val="75000"/>
-                  <a:lumOff val="25000"/>
-                </a:schemeClr>
+                <a:schemeClr val="tx1"/>
               </a:solidFill>
               <a:effectLst/>
               <a:latin typeface="Arial" panose="020B0604020202020204" pitchFamily="34" charset="0"/>
             </a:endParaRPr>
-          </a:p>
-          <a:p>
-            <a:pPr lvl="1" eaLnBrk="0" fontAlgn="base" hangingPunct="0">
-              <a:spcBef>
-                <a:spcPct val="0"/>
-              </a:spcBef>
-              <a:spcAft>
-                <a:spcPct val="0"/>
-              </a:spcAft>
-              <a:buFontTx/>
-              <a:buChar char="•"/>
-            </a:pPr>
-            <a:r>
-              <a:rPr kumimoji="0" lang="en-US" altLang="en-US" sz="2400" b="0" i="0" u="none" strike="noStrike" cap="none" normalizeH="0" baseline="0" dirty="0">
-                <a:ln>
-                  <a:noFill/>
-                </a:ln>
-                <a:solidFill>
-                  <a:schemeClr val="tx1">
-                    <a:lumMod val="75000"/>
-                    <a:lumOff val="25000"/>
-                  </a:schemeClr>
-                </a:solidFill>
-                <a:effectLst/>
-                <a:latin typeface="Arial" panose="020B0604020202020204" pitchFamily="34" charset="0"/>
-              </a:rPr>
-              <a:t> Special methods to initialize objects.</a:t>
-            </a:r>
-          </a:p>
-          <a:p>
-            <a:pPr lvl="1" eaLnBrk="0" fontAlgn="base" hangingPunct="0">
-              <a:spcBef>
-                <a:spcPct val="0"/>
-              </a:spcBef>
-              <a:spcAft>
-                <a:spcPct val="0"/>
-              </a:spcAft>
-            </a:pPr>
-            <a:endParaRPr kumimoji="0" lang="en-US" altLang="en-US" sz="2400" b="0" i="0" u="none" strike="noStrike" cap="none" normalizeH="0" baseline="0" dirty="0">
-              <a:ln>
-                <a:noFill/>
-              </a:ln>
-              <a:solidFill>
-                <a:schemeClr val="tx1">
-                  <a:lumMod val="75000"/>
-                  <a:lumOff val="25000"/>
-                </a:schemeClr>
-              </a:solidFill>
-              <a:effectLst/>
-              <a:latin typeface="Arial" panose="020B0604020202020204" pitchFamily="34" charset="0"/>
-            </a:endParaRPr>
-          </a:p>
-          <a:p>
-            <a:pPr marL="0" marR="0" lvl="0" indent="0" algn="l" defTabSz="914400" rtl="0" eaLnBrk="0" fontAlgn="base" latinLnBrk="0" hangingPunct="0">
-              <a:lnSpc>
-                <a:spcPct val="100000"/>
-              </a:lnSpc>
-              <a:spcBef>
-                <a:spcPct val="0"/>
-              </a:spcBef>
-              <a:spcAft>
-                <a:spcPct val="0"/>
-              </a:spcAft>
-              <a:buClrTx/>
-              <a:buSzTx/>
-              <a:tabLst/>
-            </a:pPr>
-            <a:r>
-              <a:rPr kumimoji="0" lang="en-US" altLang="en-US" sz="2400" b="1" i="0" u="none" strike="noStrike" cap="none" normalizeH="0" baseline="0" dirty="0">
-                <a:ln>
-                  <a:noFill/>
-                </a:ln>
-                <a:solidFill>
-                  <a:schemeClr val="tx1">
-                    <a:lumMod val="75000"/>
-                    <a:lumOff val="25000"/>
-                  </a:schemeClr>
-                </a:solidFill>
-                <a:effectLst/>
-                <a:latin typeface="Arial" panose="020B0604020202020204" pitchFamily="34" charset="0"/>
-              </a:rPr>
-              <a:t>3. Access Modifiers</a:t>
-            </a:r>
-            <a:endParaRPr kumimoji="0" lang="en-US" altLang="en-US" sz="2400" b="0" i="0" u="none" strike="noStrike" cap="none" normalizeH="0" baseline="0" dirty="0">
-              <a:ln>
-                <a:noFill/>
-              </a:ln>
-              <a:solidFill>
-                <a:schemeClr val="tx1">
-                  <a:lumMod val="75000"/>
-                  <a:lumOff val="25000"/>
-                </a:schemeClr>
-              </a:solidFill>
-              <a:effectLst/>
-              <a:latin typeface="Arial" panose="020B0604020202020204" pitchFamily="34" charset="0"/>
-            </a:endParaRPr>
-          </a:p>
-          <a:p>
-            <a:pPr lvl="1" eaLnBrk="0" fontAlgn="base" hangingPunct="0">
-              <a:spcBef>
-                <a:spcPct val="0"/>
-              </a:spcBef>
-              <a:spcAft>
-                <a:spcPct val="0"/>
-              </a:spcAft>
-              <a:buFontTx/>
-              <a:buChar char="•"/>
-            </a:pPr>
-            <a:r>
-              <a:rPr kumimoji="0" lang="en-US" altLang="en-US" sz="2400" b="0" i="0" u="none" strike="noStrike" cap="none" normalizeH="0" baseline="0" dirty="0">
-                <a:ln>
-                  <a:noFill/>
-                </a:ln>
-                <a:solidFill>
-                  <a:schemeClr val="tx1">
-                    <a:lumMod val="75000"/>
-                    <a:lumOff val="25000"/>
-                  </a:schemeClr>
-                </a:solidFill>
-                <a:effectLst/>
-                <a:latin typeface="Arial" panose="020B0604020202020204" pitchFamily="34" charset="0"/>
-              </a:rPr>
-              <a:t> Control visibility (e.g., </a:t>
-            </a:r>
-            <a:r>
-              <a:rPr kumimoji="0" lang="en-US" altLang="en-US" sz="2400" b="0" i="0" u="none" strike="noStrike" cap="none" normalizeH="0" baseline="0" dirty="0">
-                <a:ln>
-                  <a:noFill/>
-                </a:ln>
-                <a:solidFill>
-                  <a:schemeClr val="tx1">
-                    <a:lumMod val="75000"/>
-                    <a:lumOff val="25000"/>
-                  </a:schemeClr>
-                </a:solidFill>
-                <a:effectLst/>
-                <a:latin typeface="Arial Unicode MS"/>
-              </a:rPr>
-              <a:t>private</a:t>
-            </a:r>
-            <a:r>
-              <a:rPr kumimoji="0" lang="en-US" altLang="en-US" sz="2400" b="0" i="0" u="none" strike="noStrike" cap="none" normalizeH="0" baseline="0" dirty="0">
-                <a:ln>
-                  <a:noFill/>
-                </a:ln>
-                <a:solidFill>
-                  <a:schemeClr val="tx1">
-                    <a:lumMod val="75000"/>
-                    <a:lumOff val="25000"/>
-                  </a:schemeClr>
-                </a:solidFill>
-                <a:effectLst/>
-              </a:rPr>
-              <a:t>, </a:t>
-            </a:r>
-            <a:r>
-              <a:rPr kumimoji="0" lang="en-US" altLang="en-US" sz="2400" b="0" i="0" u="none" strike="noStrike" cap="none" normalizeH="0" baseline="0" dirty="0">
-                <a:ln>
-                  <a:noFill/>
-                </a:ln>
-                <a:solidFill>
-                  <a:schemeClr val="tx1">
-                    <a:lumMod val="75000"/>
-                    <a:lumOff val="25000"/>
-                  </a:schemeClr>
-                </a:solidFill>
-                <a:effectLst/>
-                <a:latin typeface="Arial Unicode MS"/>
-              </a:rPr>
-              <a:t>public</a:t>
-            </a:r>
-            <a:r>
-              <a:rPr kumimoji="0" lang="en-US" altLang="en-US" sz="2400" b="0" i="0" u="none" strike="noStrike" cap="none" normalizeH="0" baseline="0" dirty="0">
-                <a:ln>
-                  <a:noFill/>
-                </a:ln>
-                <a:solidFill>
-                  <a:schemeClr val="tx1">
-                    <a:lumMod val="75000"/>
-                    <a:lumOff val="25000"/>
-                  </a:schemeClr>
-                </a:solidFill>
-                <a:effectLst/>
-              </a:rPr>
-              <a:t>, </a:t>
-            </a:r>
-            <a:r>
-              <a:rPr kumimoji="0" lang="en-US" altLang="en-US" sz="2400" b="0" i="0" u="none" strike="noStrike" cap="none" normalizeH="0" baseline="0" dirty="0">
-                <a:ln>
-                  <a:noFill/>
-                </a:ln>
-                <a:solidFill>
-                  <a:schemeClr val="tx1">
-                    <a:lumMod val="75000"/>
-                    <a:lumOff val="25000"/>
-                  </a:schemeClr>
-                </a:solidFill>
-                <a:effectLst/>
-                <a:latin typeface="Arial Unicode MS"/>
-              </a:rPr>
-              <a:t>protected</a:t>
-            </a:r>
-            <a:r>
-              <a:rPr kumimoji="0" lang="en-US" altLang="en-US" sz="2400" b="0" i="0" u="none" strike="noStrike" cap="none" normalizeH="0" baseline="0" dirty="0">
-                <a:ln>
-                  <a:noFill/>
-                </a:ln>
-                <a:solidFill>
-                  <a:schemeClr val="tx1">
-                    <a:lumMod val="75000"/>
-                    <a:lumOff val="25000"/>
-                  </a:schemeClr>
-                </a:solidFill>
-                <a:effectLst/>
-              </a:rPr>
-              <a:t>).</a:t>
-            </a:r>
-          </a:p>
-          <a:p>
-            <a:pPr lvl="1" eaLnBrk="0" fontAlgn="base" hangingPunct="0">
-              <a:spcBef>
-                <a:spcPct val="0"/>
-              </a:spcBef>
-              <a:spcAft>
-                <a:spcPct val="0"/>
-              </a:spcAft>
-            </a:pPr>
-            <a:endParaRPr kumimoji="0" lang="en-US" altLang="en-US" sz="2400" b="0" i="0" u="none" strike="noStrike" cap="none" normalizeH="0" baseline="0" dirty="0">
-              <a:ln>
-                <a:noFill/>
-              </a:ln>
-              <a:solidFill>
-                <a:schemeClr val="tx1">
-                  <a:lumMod val="75000"/>
-                  <a:lumOff val="25000"/>
-                </a:schemeClr>
-              </a:solidFill>
-              <a:effectLst/>
-              <a:latin typeface="Arial" panose="020B0604020202020204" pitchFamily="34" charset="0"/>
-            </a:endParaRPr>
-          </a:p>
-          <a:p>
-            <a:pPr marL="0" marR="0" lvl="0" indent="0" algn="l" defTabSz="914400" rtl="0" eaLnBrk="0" fontAlgn="base" latinLnBrk="0" hangingPunct="0">
-              <a:lnSpc>
-                <a:spcPct val="100000"/>
-              </a:lnSpc>
-              <a:spcBef>
-                <a:spcPct val="0"/>
-              </a:spcBef>
-              <a:spcAft>
-                <a:spcPct val="0"/>
-              </a:spcAft>
-              <a:buClrTx/>
-              <a:buSzTx/>
-              <a:tabLst/>
-            </a:pPr>
-            <a:r>
-              <a:rPr kumimoji="0" lang="en-US" altLang="en-US" sz="2400" b="1" i="0" u="none" strike="noStrike" cap="none" normalizeH="0" baseline="0" dirty="0">
-                <a:ln>
-                  <a:noFill/>
-                </a:ln>
-                <a:solidFill>
-                  <a:schemeClr val="tx1">
-                    <a:lumMod val="75000"/>
-                    <a:lumOff val="25000"/>
-                  </a:schemeClr>
-                </a:solidFill>
-                <a:effectLst/>
-                <a:latin typeface="Arial" panose="020B0604020202020204" pitchFamily="34" charset="0"/>
-              </a:rPr>
-              <a:t>4. Interfaces and Abstract Classes</a:t>
-            </a:r>
-            <a:endParaRPr kumimoji="0" lang="en-US" altLang="en-US" sz="2400" b="0" i="0" u="none" strike="noStrike" cap="none" normalizeH="0" baseline="0" dirty="0">
-              <a:ln>
-                <a:noFill/>
-              </a:ln>
-              <a:solidFill>
-                <a:schemeClr val="tx1">
-                  <a:lumMod val="75000"/>
-                  <a:lumOff val="25000"/>
-                </a:schemeClr>
-              </a:solidFill>
-              <a:effectLst/>
-              <a:latin typeface="Arial" panose="020B0604020202020204" pitchFamily="34" charset="0"/>
-            </a:endParaRPr>
-          </a:p>
-          <a:p>
-            <a:pPr lvl="1" eaLnBrk="0" fontAlgn="base" hangingPunct="0">
-              <a:spcBef>
-                <a:spcPct val="0"/>
-              </a:spcBef>
-              <a:spcAft>
-                <a:spcPct val="0"/>
-              </a:spcAft>
-              <a:buFontTx/>
-              <a:buChar char="•"/>
-            </a:pPr>
-            <a:r>
-              <a:rPr kumimoji="0" lang="en-US" altLang="en-US" sz="2400" b="0" i="0" u="none" strike="noStrike" cap="none" normalizeH="0" baseline="0" dirty="0">
-                <a:ln>
-                  <a:noFill/>
-                </a:ln>
-                <a:solidFill>
-                  <a:schemeClr val="tx1">
-                    <a:lumMod val="75000"/>
-                    <a:lumOff val="25000"/>
-                  </a:schemeClr>
-                </a:solidFill>
-                <a:effectLst/>
-                <a:latin typeface="Arial" panose="020B0604020202020204" pitchFamily="34" charset="0"/>
-              </a:rPr>
-              <a:t> Interfaces: Define a contract with no implementation.</a:t>
-            </a:r>
-          </a:p>
-          <a:p>
-            <a:pPr lvl="1" eaLnBrk="0" fontAlgn="base" hangingPunct="0">
-              <a:spcBef>
-                <a:spcPct val="0"/>
-              </a:spcBef>
-              <a:spcAft>
-                <a:spcPct val="0"/>
-              </a:spcAft>
-              <a:buFontTx/>
-              <a:buChar char="•"/>
-            </a:pPr>
-            <a:r>
-              <a:rPr kumimoji="0" lang="en-US" altLang="en-US" sz="2400" b="0" i="0" u="none" strike="noStrike" cap="none" normalizeH="0" baseline="0" dirty="0">
-                <a:ln>
-                  <a:noFill/>
-                </a:ln>
-                <a:solidFill>
-                  <a:schemeClr val="tx1">
-                    <a:lumMod val="75000"/>
-                    <a:lumOff val="25000"/>
-                  </a:schemeClr>
-                </a:solidFill>
-                <a:effectLst/>
-                <a:latin typeface="Arial" panose="020B0604020202020204" pitchFamily="34" charset="0"/>
-              </a:rPr>
-              <a:t> Abstract Classes: Provide partial implementation</a:t>
-            </a:r>
-            <a:r>
-              <a:rPr kumimoji="0" lang="en-US" altLang="en-US" sz="2400" b="0" i="0" u="none" strike="noStrike" cap="none" normalizeH="0" baseline="0" dirty="0">
-                <a:ln>
-                  <a:noFill/>
-                </a:ln>
-                <a:solidFill>
-                  <a:schemeClr val="tx1"/>
-                </a:solidFill>
-                <a:effectLst/>
-                <a:latin typeface="Arial" panose="020B0604020202020204" pitchFamily="34" charset="0"/>
-              </a:rPr>
-              <a:t>.</a:t>
-            </a:r>
           </a:p>
           <a:p>
             <a:pPr marL="0" marR="0" lvl="0" indent="0" algn="l" defTabSz="914400" rtl="0" eaLnBrk="0" fontAlgn="base" latinLnBrk="0" hangingPunct="0">
@@ -21849,10 +21597,41 @@
               <a:buClrTx/>
               <a:buSzTx/>
               <a:buFontTx/>
-              <a:buNone/>
+              <a:buChar char="•"/>
               <a:tabLst/>
             </a:pPr>
-            <a:endParaRPr kumimoji="0" lang="en-US" altLang="en-US" sz="1800" b="0" i="0" u="none" strike="noStrike" cap="none" normalizeH="0" baseline="0" dirty="0">
+            <a:r>
+              <a:rPr kumimoji="0" lang="en-US" altLang="en-US" sz="2200" b="0" i="0" u="none" strike="noStrike" cap="none" normalizeH="0" baseline="0" dirty="0">
+                <a:ln>
+                  <a:noFill/>
+                </a:ln>
+                <a:solidFill>
+                  <a:schemeClr val="tx1"/>
+                </a:solidFill>
+                <a:effectLst/>
+                <a:latin typeface="Arial" panose="020B0604020202020204" pitchFamily="34" charset="0"/>
+              </a:rPr>
+              <a:t> Simplifies interaction with complex systems</a:t>
+            </a:r>
+          </a:p>
+          <a:p>
+            <a:pPr marL="342900" marR="0" lvl="0" indent="-342900" algn="l" defTabSz="914400" rtl="0" eaLnBrk="0" fontAlgn="base" latinLnBrk="0" hangingPunct="0">
+              <a:lnSpc>
+                <a:spcPct val="100000"/>
+              </a:lnSpc>
+              <a:spcBef>
+                <a:spcPct val="0"/>
+              </a:spcBef>
+              <a:spcAft>
+                <a:spcPct val="0"/>
+              </a:spcAft>
+              <a:buClrTx/>
+              <a:buSzTx/>
+              <a:buFont typeface="Arial" panose="020B0604020202020204" pitchFamily="34" charset="0"/>
+              <a:buChar char="•"/>
+              <a:tabLst/>
+            </a:pPr>
+            <a:endParaRPr kumimoji="0" lang="en-US" altLang="en-US" sz="2200" b="0" i="0" u="none" strike="noStrike" cap="none" normalizeH="0" baseline="0" dirty="0">
               <a:ln>
                 <a:noFill/>
               </a:ln>
@@ -21863,12 +21642,43 @@
               <a:latin typeface="Arial" panose="020B0604020202020204" pitchFamily="34" charset="0"/>
             </a:endParaRPr>
           </a:p>
+          <a:p>
+            <a:pPr marL="0" marR="0" lvl="0" indent="0" algn="l" defTabSz="914400" rtl="0" eaLnBrk="0" fontAlgn="base" latinLnBrk="0" hangingPunct="0">
+              <a:lnSpc>
+                <a:spcPct val="100000"/>
+              </a:lnSpc>
+              <a:spcBef>
+                <a:spcPct val="0"/>
+              </a:spcBef>
+              <a:spcAft>
+                <a:spcPct val="0"/>
+              </a:spcAft>
+              <a:buClrTx/>
+              <a:buSzTx/>
+              <a:buFontTx/>
+              <a:buChar char="•"/>
+              <a:tabLst/>
+            </a:pPr>
+            <a:r>
+              <a:rPr kumimoji="0" lang="en-US" altLang="en-US" sz="2200" b="0" i="0" u="none" strike="noStrike" cap="none" normalizeH="0" baseline="0" dirty="0">
+                <a:ln>
+                  <a:noFill/>
+                </a:ln>
+                <a:solidFill>
+                  <a:schemeClr val="tx1"/>
+                </a:solidFill>
+                <a:effectLst/>
+                <a:latin typeface="Arial" panose="020B0604020202020204" pitchFamily="34" charset="0"/>
+              </a:rPr>
+              <a:t> Implemented in Java using abstract classes and interfaces</a:t>
+            </a:r>
+          </a:p>
         </p:txBody>
       </p:sp>
     </p:spTree>
     <p:extLst>
       <p:ext uri="{BB962C8B-B14F-4D97-AF65-F5344CB8AC3E}">
-        <p14:creationId xmlns:p14="http://schemas.microsoft.com/office/powerpoint/2010/main" val="198062731"/>
+        <p14:creationId xmlns:p14="http://schemas.microsoft.com/office/powerpoint/2010/main" val="2069393026"/>
       </p:ext>
     </p:extLst>
   </p:cSld>
@@ -22670,15 +22480,6 @@
 </file>
 
 <file path=customXml/item1.xml><?xml version="1.0" encoding="utf-8"?>
-<?mso-contentType ?>
-<FormTemplates xmlns="http://schemas.microsoft.com/sharepoint/v3/contenttype/forms">
-  <Display>DocumentLibraryForm</Display>
-  <Edit>DocumentLibraryForm</Edit>
-  <New>DocumentLibraryForm</New>
-</FormTemplates>
-</file>
-
-<file path=customXml/item2.xml><?xml version="1.0" encoding="utf-8"?>
 <ct:contentTypeSchema xmlns:ct="http://schemas.microsoft.com/office/2006/metadata/contentType" xmlns:ma="http://schemas.microsoft.com/office/2006/metadata/properties/metaAttributes" ct:_="" ma:_="" ma:contentTypeName="Document" ma:contentTypeID="0x01010079F111ED35F8CC479449609E8A0923A6" ma:contentTypeVersion="27" ma:contentTypeDescription="Create a new document." ma:contentTypeScope="" ma:versionID="c6f9a84f66a9c8b9a21755b9ffafb945">
   <xsd:schema xmlns:xsd="http://www.w3.org/2001/XMLSchema" xmlns:xs="http://www.w3.org/2001/XMLSchema" xmlns:p="http://schemas.microsoft.com/office/2006/metadata/properties" xmlns:ns1="http://schemas.microsoft.com/sharepoint/v3" xmlns:ns2="71af3243-3dd4-4a8d-8c0d-dd76da1f02a5" xmlns:ns3="16c05727-aa75-4e4a-9b5f-8a80a1165891" xmlns:ns4="230e9df3-be65-4c73-a93b-d1236ebd677e" targetNamespace="http://schemas.microsoft.com/office/2006/metadata/properties" ma:root="true" ma:fieldsID="27df39e3e7036dff54f89ddd5805ce72" ns1:_="" ns2:_="" ns3:_="" ns4:_="">
     <xsd:import namespace="http://schemas.microsoft.com/sharepoint/v3"/>
@@ -22984,7 +22785,7 @@
 </ct:contentTypeSchema>
 </file>
 
-<file path=customXml/item3.xml><?xml version="1.0" encoding="utf-8"?>
+<file path=customXml/item2.xml><?xml version="1.0" encoding="utf-8"?>
 <p:properties xmlns:p="http://schemas.microsoft.com/office/2006/metadata/properties" xmlns:xsi="http://www.w3.org/2001/XMLSchema-instance" xmlns:pc="http://schemas.microsoft.com/office/infopath/2007/PartnerControls">
   <documentManagement>
     <_ip_UnifiedCompliancePolicyUIAction xmlns="http://schemas.microsoft.com/sharepoint/v3" xsi:nil="true"/>
@@ -23004,15 +22805,16 @@
 </p:properties>
 </file>
 
-<file path=customXml/itemProps1.xml><?xml version="1.0" encoding="utf-8"?>
-<ds:datastoreItem xmlns:ds="http://schemas.openxmlformats.org/officeDocument/2006/customXml" ds:itemID="{6966C46A-DC57-4209-80CD-9FE6C93151FF}">
-  <ds:schemaRefs>
-    <ds:schemaRef ds:uri="http://schemas.microsoft.com/sharepoint/v3/contenttype/forms"/>
-  </ds:schemaRefs>
-</ds:datastoreItem>
+<file path=customXml/item3.xml><?xml version="1.0" encoding="utf-8"?>
+<?mso-contentType ?>
+<FormTemplates xmlns="http://schemas.microsoft.com/sharepoint/v3/contenttype/forms">
+  <Display>DocumentLibraryForm</Display>
+  <Edit>DocumentLibraryForm</Edit>
+  <New>DocumentLibraryForm</New>
+</FormTemplates>
 </file>
 
-<file path=customXml/itemProps2.xml><?xml version="1.0" encoding="utf-8"?>
+<file path=customXml/itemProps1.xml><?xml version="1.0" encoding="utf-8"?>
 <ds:datastoreItem xmlns:ds="http://schemas.openxmlformats.org/officeDocument/2006/customXml" ds:itemID="{4E18436D-DA32-4E27-AC64-8FFEDA5218F9}">
   <ds:schemaRefs>
     <ds:schemaRef ds:uri="http://schemas.microsoft.com/office/2006/metadata/contentType"/>
@@ -23033,7 +22835,7 @@
 </ds:datastoreItem>
 </file>
 
-<file path=customXml/itemProps3.xml><?xml version="1.0" encoding="utf-8"?>
+<file path=customXml/itemProps2.xml><?xml version="1.0" encoding="utf-8"?>
 <ds:datastoreItem xmlns:ds="http://schemas.openxmlformats.org/officeDocument/2006/customXml" ds:itemID="{BEFFFA3F-0FB5-4ED3-8906-A15B16577F44}">
   <ds:schemaRefs>
     <ds:schemaRef ds:uri="http://schemas.microsoft.com/office/2006/metadata/properties"/>
@@ -23045,6 +22847,14 @@
 </ds:datastoreItem>
 </file>
 
+<file path=customXml/itemProps3.xml><?xml version="1.0" encoding="utf-8"?>
+<ds:datastoreItem xmlns:ds="http://schemas.openxmlformats.org/officeDocument/2006/customXml" ds:itemID="{6966C46A-DC57-4209-80CD-9FE6C93151FF}">
+  <ds:schemaRefs>
+    <ds:schemaRef ds:uri="http://schemas.microsoft.com/sharepoint/v3/contenttype/forms"/>
+  </ds:schemaRefs>
+</ds:datastoreItem>
+</file>
+
 <file path=docMetadata/LabelInfo.xml><?xml version="1.0" encoding="utf-8"?>
 <clbl:labelList xmlns:clbl="http://schemas.microsoft.com/office/2020/mipLabelMetadata"/>
 </file>